--- a/每個清晨.pptx
+++ b/每個清晨.pptx
@@ -2,15 +2,18 @@
 <file path=ppt/presentation.xml><?xml version="1.0" encoding="utf-8"?>
 <p:presentation xmlns:a="http://schemas.openxmlformats.org/drawingml/2006/main" xmlns:r="http://schemas.openxmlformats.org/officeDocument/2006/relationships" xmlns:p="http://schemas.openxmlformats.org/presentationml/2006/main" saveSubsetFonts="1">
   <p:sldMasterIdLst>
-    <p:sldMasterId id="2147483660" r:id="rId1"/>
+    <p:sldMasterId id="2147483672" r:id="rId1"/>
   </p:sldMasterIdLst>
   <p:sldIdLst>
-    <p:sldId id="256" r:id="rId2"/>
-    <p:sldId id="257" r:id="rId3"/>
-    <p:sldId id="258" r:id="rId4"/>
-    <p:sldId id="259" r:id="rId5"/>
+    <p:sldId id="260" r:id="rId2"/>
+    <p:sldId id="261" r:id="rId3"/>
+    <p:sldId id="262" r:id="rId4"/>
+    <p:sldId id="263" r:id="rId5"/>
+    <p:sldId id="264" r:id="rId6"/>
+    <p:sldId id="265" r:id="rId7"/>
+    <p:sldId id="266" r:id="rId8"/>
   </p:sldIdLst>
-  <p:sldSz cx="9144000" cy="6858000" type="screen4x3"/>
+  <p:sldSz cx="12192000" cy="6858000"/>
   <p:notesSz cx="6858000" cy="9144000"/>
   <p:defaultTextStyle>
     <a:defPPr>
@@ -107,6 +110,22 @@
       </a:defRPr>
     </a:lvl9pPr>
   </p:defaultTextStyle>
+  <p:extLst>
+    <p:ext uri="{EFAFB233-063F-42B5-8137-9DF3F51BA10A}">
+      <p15:sldGuideLst xmlns:p15="http://schemas.microsoft.com/office/powerpoint/2012/main">
+        <p15:guide id="1" orient="horz" pos="2160" userDrawn="1">
+          <p15:clr>
+            <a:srgbClr val="A4A3A4"/>
+          </p15:clr>
+        </p15:guide>
+        <p15:guide id="2" pos="3840" userDrawn="1">
+          <p15:clr>
+            <a:srgbClr val="A4A3A4"/>
+          </p15:clr>
+        </p15:guide>
+      </p15:sldGuideLst>
+    </p:ext>
+  </p:extLst>
 </p:presentation>
 </file>
 
@@ -129,7 +148,7 @@
       </p:grpSpPr>
       <p:sp>
         <p:nvSpPr>
-          <p:cNvPr id="2" name="図形 1"/>
+          <p:cNvPr id="2" name="標題 1"/>
           <p:cNvSpPr>
             <a:spLocks noGrp="1"/>
           </p:cNvSpPr>
@@ -139,8 +158,8 @@
         </p:nvSpPr>
         <p:spPr>
           <a:xfrm>
-            <a:off x="928662" y="1928803"/>
-            <a:ext cx="7172348" cy="1470025"/>
+            <a:off x="914400" y="2130428"/>
+            <a:ext cx="10363200" cy="1470025"/>
           </a:xfrm>
         </p:spPr>
         <p:txBody>
@@ -148,16 +167,16 @@
           <a:lstStyle/>
           <a:p>
             <a:r>
-              <a:rPr kumimoji="1" lang="zh-TW" altLang="en-US" smtClean="0"/>
-              <a:t>按一下以編輯母片標題樣式</a:t>
-            </a:r>
-            <a:endParaRPr kumimoji="1" lang="ja-JP" altLang="en-US" dirty="0"/>
-          </a:p>
-        </p:txBody>
-      </p:sp>
-      <p:sp>
-        <p:nvSpPr>
-          <p:cNvPr id="8" name="図形 7"/>
+              <a:rPr lang="en-US" altLang="zh-TW" smtClean="0"/>
+              <a:t>Click to edit Master title style</a:t>
+            </a:r>
+            <a:endParaRPr lang="zh-TW" altLang="en-US"/>
+          </a:p>
+        </p:txBody>
+      </p:sp>
+      <p:sp>
+        <p:nvSpPr>
+          <p:cNvPr id="3" name="副標題 2"/>
           <p:cNvSpPr>
             <a:spLocks noGrp="1"/>
           </p:cNvSpPr>
@@ -167,22 +186,14 @@
         </p:nvSpPr>
         <p:spPr>
           <a:xfrm>
-            <a:off x="1371600" y="3643314"/>
-            <a:ext cx="6400800" cy="1285884"/>
+            <a:off x="1828800" y="3886200"/>
+            <a:ext cx="8534400" cy="1752600"/>
           </a:xfrm>
         </p:spPr>
         <p:txBody>
           <a:bodyPr/>
           <a:lstStyle>
             <a:lvl1pPr marL="0" indent="0" algn="ctr">
-              <a:buNone/>
-              <a:defRPr>
-                <a:solidFill>
-                  <a:schemeClr val="tx2"/>
-                </a:solidFill>
-              </a:defRPr>
-            </a:lvl1pPr>
-            <a:lvl2pPr marL="457200" indent="0" algn="ctr">
               <a:buNone/>
               <a:defRPr>
                 <a:solidFill>
@@ -191,8 +202,8 @@
                   </a:schemeClr>
                 </a:solidFill>
               </a:defRPr>
-            </a:lvl2pPr>
-            <a:lvl3pPr marL="914400" indent="0" algn="ctr">
+            </a:lvl1pPr>
+            <a:lvl2pPr marL="609585" indent="0" algn="ctr">
               <a:buNone/>
               <a:defRPr>
                 <a:solidFill>
@@ -201,8 +212,8 @@
                   </a:schemeClr>
                 </a:solidFill>
               </a:defRPr>
-            </a:lvl3pPr>
-            <a:lvl4pPr marL="1371600" indent="0" algn="ctr">
+            </a:lvl2pPr>
+            <a:lvl3pPr marL="1219170" indent="0" algn="ctr">
               <a:buNone/>
               <a:defRPr>
                 <a:solidFill>
@@ -211,8 +222,8 @@
                   </a:schemeClr>
                 </a:solidFill>
               </a:defRPr>
-            </a:lvl4pPr>
-            <a:lvl5pPr marL="1828800" indent="0" algn="ctr">
+            </a:lvl3pPr>
+            <a:lvl4pPr marL="1828754" indent="0" algn="ctr">
               <a:buNone/>
               <a:defRPr>
                 <a:solidFill>
@@ -221,8 +232,8 @@
                   </a:schemeClr>
                 </a:solidFill>
               </a:defRPr>
-            </a:lvl5pPr>
-            <a:lvl6pPr marL="2286000" indent="0" algn="ctr">
+            </a:lvl4pPr>
+            <a:lvl5pPr marL="2438339" indent="0" algn="ctr">
               <a:buNone/>
               <a:defRPr>
                 <a:solidFill>
@@ -231,8 +242,8 @@
                   </a:schemeClr>
                 </a:solidFill>
               </a:defRPr>
-            </a:lvl6pPr>
-            <a:lvl7pPr marL="2743200" indent="0" algn="ctr">
+            </a:lvl5pPr>
+            <a:lvl6pPr marL="3047924" indent="0" algn="ctr">
               <a:buNone/>
               <a:defRPr>
                 <a:solidFill>
@@ -241,8 +252,8 @@
                   </a:schemeClr>
                 </a:solidFill>
               </a:defRPr>
-            </a:lvl7pPr>
-            <a:lvl8pPr marL="3200400" indent="0" algn="ctr">
+            </a:lvl6pPr>
+            <a:lvl7pPr marL="3657509" indent="0" algn="ctr">
               <a:buNone/>
               <a:defRPr>
                 <a:solidFill>
@@ -251,8 +262,8 @@
                   </a:schemeClr>
                 </a:solidFill>
               </a:defRPr>
-            </a:lvl8pPr>
-            <a:lvl9pPr marL="3657600" indent="0" algn="ctr">
+            </a:lvl7pPr>
+            <a:lvl8pPr marL="4267093" indent="0" algn="ctr">
               <a:buNone/>
               <a:defRPr>
                 <a:solidFill>
@@ -261,20 +272,30 @@
                   </a:schemeClr>
                 </a:solidFill>
               </a:defRPr>
+            </a:lvl8pPr>
+            <a:lvl9pPr marL="4876678" indent="0" algn="ctr">
+              <a:buNone/>
+              <a:defRPr>
+                <a:solidFill>
+                  <a:schemeClr val="tx1">
+                    <a:tint val="75000"/>
+                  </a:schemeClr>
+                </a:solidFill>
+              </a:defRPr>
             </a:lvl9pPr>
           </a:lstStyle>
           <a:p>
             <a:r>
-              <a:rPr kumimoji="1" lang="zh-TW" altLang="en-US" smtClean="0"/>
-              <a:t>按一下以編輯母片副標題樣式</a:t>
-            </a:r>
-            <a:endParaRPr kumimoji="1" lang="ja-JP" altLang="en-US" dirty="0"/>
-          </a:p>
-        </p:txBody>
-      </p:sp>
-      <p:sp>
-        <p:nvSpPr>
-          <p:cNvPr id="12" name="図形 11"/>
+              <a:rPr lang="en-US" altLang="zh-TW" smtClean="0"/>
+              <a:t>Click to edit Master subtitle style</a:t>
+            </a:r>
+            <a:endParaRPr lang="zh-TW" altLang="en-US"/>
+          </a:p>
+        </p:txBody>
+      </p:sp>
+      <p:sp>
+        <p:nvSpPr>
+          <p:cNvPr id="4" name="日期版面配置區 3"/>
           <p:cNvSpPr>
             <a:spLocks noGrp="1"/>
           </p:cNvSpPr>
@@ -289,7 +310,7 @@
           <a:p>
             <a:fld id="{B4E1890C-BB0B-4CEA-94DB-B768D7819116}" type="datetimeFigureOut">
               <a:rPr lang="zh-TW" altLang="en-US" smtClean="0"/>
-              <a:t>2014/11/2</a:t>
+              <a:t>2022/10/7</a:t>
             </a:fld>
             <a:endParaRPr lang="zh-TW" altLang="en-US"/>
           </a:p>
@@ -297,7 +318,7 @@
       </p:sp>
       <p:sp>
         <p:nvSpPr>
-          <p:cNvPr id="11" name="図形 10"/>
+          <p:cNvPr id="5" name="頁尾版面配置區 4"/>
           <p:cNvSpPr>
             <a:spLocks noGrp="1"/>
           </p:cNvSpPr>
@@ -316,7 +337,7 @@
       </p:sp>
       <p:sp>
         <p:nvSpPr>
-          <p:cNvPr id="18" name="図形 17"/>
+          <p:cNvPr id="6" name="投影片編號版面配置區 5"/>
           <p:cNvSpPr>
             <a:spLocks noGrp="1"/>
           </p:cNvSpPr>
@@ -338,6 +359,11 @@
         </p:txBody>
       </p:sp>
     </p:spTree>
+    <p:extLst>
+      <p:ext uri="{BB962C8B-B14F-4D97-AF65-F5344CB8AC3E}">
+        <p14:creationId xmlns:p14="http://schemas.microsoft.com/office/powerpoint/2010/main" val="1764107793"/>
+      </p:ext>
+    </p:extLst>
   </p:cSld>
   <p:clrMapOvr>
     <a:masterClrMapping/>
@@ -346,7 +372,7 @@
 </file>
 
 <file path=ppt/slideLayouts/slideLayout10.xml><?xml version="1.0" encoding="utf-8"?>
-<p:sldLayout xmlns:a="http://schemas.openxmlformats.org/drawingml/2006/main" xmlns:r="http://schemas.openxmlformats.org/officeDocument/2006/relationships" xmlns:p="http://schemas.openxmlformats.org/presentationml/2006/main" showMasterSp="0" type="vertTx" preserve="1">
+<p:sldLayout xmlns:a="http://schemas.openxmlformats.org/drawingml/2006/main" xmlns:r="http://schemas.openxmlformats.org/officeDocument/2006/relationships" xmlns:p="http://schemas.openxmlformats.org/presentationml/2006/main" type="vertTx" preserve="1">
   <p:cSld name="標題及直排文字">
     <p:spTree>
       <p:nvGrpSpPr>
@@ -364,7 +390,7 @@
       </p:grpSpPr>
       <p:sp>
         <p:nvSpPr>
-          <p:cNvPr id="2" name="図形 1"/>
+          <p:cNvPr id="2" name="標題 1"/>
           <p:cNvSpPr>
             <a:spLocks noGrp="1"/>
           </p:cNvSpPr>
@@ -372,27 +398,22 @@
             <p:ph type="title"/>
           </p:nvPr>
         </p:nvSpPr>
-        <p:spPr>
-          <a:xfrm>
-            <a:off x="671514" y="274638"/>
-            <a:ext cx="7829576" cy="1011222"/>
-          </a:xfrm>
-        </p:spPr>
-        <p:txBody>
-          <a:bodyPr/>
-          <a:lstStyle/>
-          <a:p>
-            <a:r>
-              <a:rPr kumimoji="1" lang="zh-TW" altLang="en-US" smtClean="0"/>
-              <a:t>按一下以編輯母片標題樣式</a:t>
-            </a:r>
-            <a:endParaRPr kumimoji="1" lang="ja-JP" altLang="en-US" dirty="0"/>
-          </a:p>
-        </p:txBody>
-      </p:sp>
-      <p:sp>
-        <p:nvSpPr>
-          <p:cNvPr id="3" name="図形 2"/>
+        <p:spPr/>
+        <p:txBody>
+          <a:bodyPr/>
+          <a:lstStyle/>
+          <a:p>
+            <a:r>
+              <a:rPr lang="en-US" altLang="zh-TW" smtClean="0"/>
+              <a:t>Click to edit Master title style</a:t>
+            </a:r>
+            <a:endParaRPr lang="zh-TW" altLang="en-US"/>
+          </a:p>
+        </p:txBody>
+      </p:sp>
+      <p:sp>
+        <p:nvSpPr>
+          <p:cNvPr id="3" name="直排文字版面配置區 2"/>
           <p:cNvSpPr>
             <a:spLocks noGrp="1"/>
           </p:cNvSpPr>
@@ -400,56 +421,51 @@
             <p:ph type="body" orient="vert" idx="1"/>
           </p:nvPr>
         </p:nvSpPr>
-        <p:spPr>
-          <a:xfrm>
-            <a:off x="671514" y="1285860"/>
-            <a:ext cx="7829576" cy="4357718"/>
-          </a:xfrm>
-        </p:spPr>
+        <p:spPr/>
         <p:txBody>
           <a:bodyPr vert="eaVert"/>
           <a:lstStyle/>
           <a:p>
             <a:pPr lvl="0"/>
             <a:r>
-              <a:rPr kumimoji="1" lang="zh-TW" altLang="en-US" smtClean="0"/>
-              <a:t>按一下以編輯母片文字樣式</a:t>
+              <a:rPr lang="en-US" altLang="zh-TW" smtClean="0"/>
+              <a:t>Edit Master text styles</a:t>
             </a:r>
           </a:p>
           <a:p>
             <a:pPr lvl="1"/>
             <a:r>
-              <a:rPr kumimoji="1" lang="zh-TW" altLang="en-US" smtClean="0"/>
-              <a:t>第二層</a:t>
+              <a:rPr lang="en-US" altLang="zh-TW" smtClean="0"/>
+              <a:t>Second level</a:t>
             </a:r>
           </a:p>
           <a:p>
             <a:pPr lvl="2"/>
             <a:r>
-              <a:rPr kumimoji="1" lang="zh-TW" altLang="en-US" smtClean="0"/>
-              <a:t>第三層</a:t>
+              <a:rPr lang="en-US" altLang="zh-TW" smtClean="0"/>
+              <a:t>Third level</a:t>
             </a:r>
           </a:p>
           <a:p>
             <a:pPr lvl="3"/>
             <a:r>
-              <a:rPr kumimoji="1" lang="zh-TW" altLang="en-US" smtClean="0"/>
-              <a:t>第四層</a:t>
+              <a:rPr lang="en-US" altLang="zh-TW" smtClean="0"/>
+              <a:t>Fourth level</a:t>
             </a:r>
           </a:p>
           <a:p>
             <a:pPr lvl="4"/>
             <a:r>
-              <a:rPr kumimoji="1" lang="zh-TW" altLang="en-US" smtClean="0"/>
-              <a:t>第五層</a:t>
-            </a:r>
-            <a:endParaRPr kumimoji="1" lang="ja-JP" altLang="en-US" dirty="0"/>
-          </a:p>
-        </p:txBody>
-      </p:sp>
-      <p:sp>
-        <p:nvSpPr>
-          <p:cNvPr id="4" name="図形 3"/>
+              <a:rPr lang="en-US" altLang="zh-TW" smtClean="0"/>
+              <a:t>Fifth level</a:t>
+            </a:r>
+            <a:endParaRPr lang="zh-TW" altLang="en-US"/>
+          </a:p>
+        </p:txBody>
+      </p:sp>
+      <p:sp>
+        <p:nvSpPr>
+          <p:cNvPr id="4" name="日期版面配置區 3"/>
           <p:cNvSpPr>
             <a:spLocks noGrp="1"/>
           </p:cNvSpPr>
@@ -464,7 +480,7 @@
           <a:p>
             <a:fld id="{B4E1890C-BB0B-4CEA-94DB-B768D7819116}" type="datetimeFigureOut">
               <a:rPr lang="zh-TW" altLang="en-US" smtClean="0"/>
-              <a:t>2014/11/2</a:t>
+              <a:t>2022/10/7</a:t>
             </a:fld>
             <a:endParaRPr lang="zh-TW" altLang="en-US"/>
           </a:p>
@@ -472,7 +488,7 @@
       </p:sp>
       <p:sp>
         <p:nvSpPr>
-          <p:cNvPr id="5" name="図形 4"/>
+          <p:cNvPr id="5" name="頁尾版面配置區 4"/>
           <p:cNvSpPr>
             <a:spLocks noGrp="1"/>
           </p:cNvSpPr>
@@ -491,7 +507,7 @@
       </p:sp>
       <p:sp>
         <p:nvSpPr>
-          <p:cNvPr id="6" name="図形 5"/>
+          <p:cNvPr id="6" name="投影片編號版面配置區 5"/>
           <p:cNvSpPr>
             <a:spLocks noGrp="1"/>
           </p:cNvSpPr>
@@ -513,6 +529,11 @@
         </p:txBody>
       </p:sp>
     </p:spTree>
+    <p:extLst>
+      <p:ext uri="{BB962C8B-B14F-4D97-AF65-F5344CB8AC3E}">
+        <p14:creationId xmlns:p14="http://schemas.microsoft.com/office/powerpoint/2010/main" val="899458714"/>
+      </p:ext>
+    </p:extLst>
   </p:cSld>
   <p:clrMapOvr>
     <a:masterClrMapping/>
@@ -521,7 +542,7 @@
 </file>
 
 <file path=ppt/slideLayouts/slideLayout11.xml><?xml version="1.0" encoding="utf-8"?>
-<p:sldLayout xmlns:a="http://schemas.openxmlformats.org/drawingml/2006/main" xmlns:r="http://schemas.openxmlformats.org/officeDocument/2006/relationships" xmlns:p="http://schemas.openxmlformats.org/presentationml/2006/main" showMasterSp="0" type="vertTitleAndTx" preserve="1">
+<p:sldLayout xmlns:a="http://schemas.openxmlformats.org/drawingml/2006/main" xmlns:r="http://schemas.openxmlformats.org/officeDocument/2006/relationships" xmlns:p="http://schemas.openxmlformats.org/presentationml/2006/main" type="vertTitleAndTx" preserve="1">
   <p:cSld name="直排標題及文字">
     <p:spTree>
       <p:nvGrpSpPr>
@@ -539,7 +560,7 @@
       </p:grpSpPr>
       <p:sp>
         <p:nvSpPr>
-          <p:cNvPr id="2" name="図形 1"/>
+          <p:cNvPr id="2" name="直排標題 1"/>
           <p:cNvSpPr>
             <a:spLocks noGrp="1"/>
           </p:cNvSpPr>
@@ -549,54 +570,25 @@
         </p:nvSpPr>
         <p:spPr>
           <a:xfrm>
-            <a:off x="6643702" y="285730"/>
-            <a:ext cx="1785950" cy="5565797"/>
+            <a:off x="8839200" y="274639"/>
+            <a:ext cx="2743200" cy="5851525"/>
           </a:xfrm>
         </p:spPr>
         <p:txBody>
           <a:bodyPr vert="eaVert"/>
-          <a:lstStyle>
-            <a:lvl1pPr>
-              <a:defRPr>
-                <a:gradFill flip="none" rotWithShape="1">
-                  <a:gsLst>
-                    <a:gs pos="0">
-                      <a:schemeClr val="tx1">
-                        <a:tint val="65000"/>
-                      </a:schemeClr>
-                    </a:gs>
-                    <a:gs pos="49900">
-                      <a:schemeClr val="tx1">
-                        <a:tint val="95000"/>
-                      </a:schemeClr>
-                    </a:gs>
-                    <a:gs pos="50000">
-                      <a:schemeClr val="tx1"/>
-                    </a:gs>
-                    <a:gs pos="100000">
-                      <a:schemeClr val="tx1">
-                        <a:tint val="95000"/>
-                      </a:schemeClr>
-                    </a:gs>
-                  </a:gsLst>
-                  <a:lin ang="5400000" scaled="1"/>
-                  <a:tileRect/>
-                </a:gradFill>
-              </a:defRPr>
-            </a:lvl1pPr>
-          </a:lstStyle>
-          <a:p>
-            <a:r>
-              <a:rPr kumimoji="1" lang="zh-TW" altLang="en-US" smtClean="0"/>
-              <a:t>按一下以編輯母片標題樣式</a:t>
-            </a:r>
-            <a:endParaRPr kumimoji="1" lang="ja-JP" altLang="en-US" dirty="0"/>
-          </a:p>
-        </p:txBody>
-      </p:sp>
-      <p:sp>
-        <p:nvSpPr>
-          <p:cNvPr id="3" name="図形 2"/>
+          <a:lstStyle/>
+          <a:p>
+            <a:r>
+              <a:rPr lang="en-US" altLang="zh-TW" smtClean="0"/>
+              <a:t>Click to edit Master title style</a:t>
+            </a:r>
+            <a:endParaRPr lang="zh-TW" altLang="en-US"/>
+          </a:p>
+        </p:txBody>
+      </p:sp>
+      <p:sp>
+        <p:nvSpPr>
+          <p:cNvPr id="3" name="直排文字版面配置區 2"/>
           <p:cNvSpPr>
             <a:spLocks noGrp="1"/>
           </p:cNvSpPr>
@@ -606,8 +598,8 @@
         </p:nvSpPr>
         <p:spPr>
           <a:xfrm>
-            <a:off x="642910" y="274640"/>
-            <a:ext cx="5834090" cy="5583253"/>
+            <a:off x="609600" y="274639"/>
+            <a:ext cx="8026400" cy="5851525"/>
           </a:xfrm>
         </p:spPr>
         <p:txBody>
@@ -616,44 +608,44 @@
           <a:p>
             <a:pPr lvl="0"/>
             <a:r>
-              <a:rPr kumimoji="1" lang="zh-TW" altLang="en-US" smtClean="0"/>
-              <a:t>按一下以編輯母片文字樣式</a:t>
+              <a:rPr lang="en-US" altLang="zh-TW" smtClean="0"/>
+              <a:t>Edit Master text styles</a:t>
             </a:r>
           </a:p>
           <a:p>
             <a:pPr lvl="1"/>
             <a:r>
-              <a:rPr kumimoji="1" lang="zh-TW" altLang="en-US" smtClean="0"/>
-              <a:t>第二層</a:t>
+              <a:rPr lang="en-US" altLang="zh-TW" smtClean="0"/>
+              <a:t>Second level</a:t>
             </a:r>
           </a:p>
           <a:p>
             <a:pPr lvl="2"/>
             <a:r>
-              <a:rPr kumimoji="1" lang="zh-TW" altLang="en-US" smtClean="0"/>
-              <a:t>第三層</a:t>
+              <a:rPr lang="en-US" altLang="zh-TW" smtClean="0"/>
+              <a:t>Third level</a:t>
             </a:r>
           </a:p>
           <a:p>
             <a:pPr lvl="3"/>
             <a:r>
-              <a:rPr kumimoji="1" lang="zh-TW" altLang="en-US" smtClean="0"/>
-              <a:t>第四層</a:t>
+              <a:rPr lang="en-US" altLang="zh-TW" smtClean="0"/>
+              <a:t>Fourth level</a:t>
             </a:r>
           </a:p>
           <a:p>
             <a:pPr lvl="4"/>
             <a:r>
-              <a:rPr kumimoji="1" lang="zh-TW" altLang="en-US" smtClean="0"/>
-              <a:t>第五層</a:t>
-            </a:r>
-            <a:endParaRPr kumimoji="1" lang="ja-JP" altLang="en-US" dirty="0"/>
-          </a:p>
-        </p:txBody>
-      </p:sp>
-      <p:sp>
-        <p:nvSpPr>
-          <p:cNvPr id="4" name="図形 3"/>
+              <a:rPr lang="en-US" altLang="zh-TW" smtClean="0"/>
+              <a:t>Fifth level</a:t>
+            </a:r>
+            <a:endParaRPr lang="zh-TW" altLang="en-US"/>
+          </a:p>
+        </p:txBody>
+      </p:sp>
+      <p:sp>
+        <p:nvSpPr>
+          <p:cNvPr id="4" name="日期版面配置區 3"/>
           <p:cNvSpPr>
             <a:spLocks noGrp="1"/>
           </p:cNvSpPr>
@@ -661,19 +653,14 @@
             <p:ph type="dt" sz="half" idx="10"/>
           </p:nvPr>
         </p:nvSpPr>
-        <p:spPr>
-          <a:xfrm>
-            <a:off x="652450" y="6356350"/>
-            <a:ext cx="2133600" cy="365125"/>
-          </a:xfrm>
-        </p:spPr>
+        <p:spPr/>
         <p:txBody>
           <a:bodyPr/>
           <a:lstStyle/>
           <a:p>
             <a:fld id="{B4E1890C-BB0B-4CEA-94DB-B768D7819116}" type="datetimeFigureOut">
               <a:rPr lang="zh-TW" altLang="en-US" smtClean="0"/>
-              <a:t>2014/11/2</a:t>
+              <a:t>2022/10/7</a:t>
             </a:fld>
             <a:endParaRPr lang="zh-TW" altLang="en-US"/>
           </a:p>
@@ -681,7 +668,7 @@
       </p:sp>
       <p:sp>
         <p:nvSpPr>
-          <p:cNvPr id="5" name="図形 4"/>
+          <p:cNvPr id="5" name="頁尾版面配置區 4"/>
           <p:cNvSpPr>
             <a:spLocks noGrp="1"/>
           </p:cNvSpPr>
@@ -700,7 +687,7 @@
       </p:sp>
       <p:sp>
         <p:nvSpPr>
-          <p:cNvPr id="6" name="図形 5"/>
+          <p:cNvPr id="6" name="投影片編號版面配置區 5"/>
           <p:cNvSpPr>
             <a:spLocks noGrp="1"/>
           </p:cNvSpPr>
@@ -708,12 +695,7 @@
             <p:ph type="sldNum" sz="quarter" idx="12"/>
           </p:nvPr>
         </p:nvSpPr>
-        <p:spPr>
-          <a:xfrm>
-            <a:off x="6286512" y="6356350"/>
-            <a:ext cx="2133600" cy="365125"/>
-          </a:xfrm>
-        </p:spPr>
+        <p:spPr/>
         <p:txBody>
           <a:bodyPr/>
           <a:lstStyle/>
@@ -727,6 +709,11 @@
         </p:txBody>
       </p:sp>
     </p:spTree>
+    <p:extLst>
+      <p:ext uri="{BB962C8B-B14F-4D97-AF65-F5344CB8AC3E}">
+        <p14:creationId xmlns:p14="http://schemas.microsoft.com/office/powerpoint/2010/main" val="4009506171"/>
+      </p:ext>
+    </p:extLst>
   </p:cSld>
   <p:clrMapOvr>
     <a:masterClrMapping/>
@@ -753,7 +740,7 @@
       </p:grpSpPr>
       <p:sp>
         <p:nvSpPr>
-          <p:cNvPr id="2" name="図形 1"/>
+          <p:cNvPr id="2" name="標題 1"/>
           <p:cNvSpPr>
             <a:spLocks noGrp="1"/>
           </p:cNvSpPr>
@@ -767,16 +754,16 @@
           <a:lstStyle/>
           <a:p>
             <a:r>
-              <a:rPr kumimoji="1" lang="zh-TW" altLang="en-US" smtClean="0"/>
-              <a:t>按一下以編輯母片標題樣式</a:t>
-            </a:r>
-            <a:endParaRPr kumimoji="1" lang="ja-JP" altLang="en-US"/>
-          </a:p>
-        </p:txBody>
-      </p:sp>
-      <p:sp>
-        <p:nvSpPr>
-          <p:cNvPr id="3" name="図形 2"/>
+              <a:rPr lang="en-US" altLang="zh-TW" smtClean="0"/>
+              <a:t>Click to edit Master title style</a:t>
+            </a:r>
+            <a:endParaRPr lang="zh-TW" altLang="en-US"/>
+          </a:p>
+        </p:txBody>
+      </p:sp>
+      <p:sp>
+        <p:nvSpPr>
+          <p:cNvPr id="3" name="內容版面配置區 2"/>
           <p:cNvSpPr>
             <a:spLocks noGrp="1"/>
           </p:cNvSpPr>
@@ -791,44 +778,44 @@
           <a:p>
             <a:pPr lvl="0"/>
             <a:r>
-              <a:rPr kumimoji="1" lang="zh-TW" altLang="en-US" smtClean="0"/>
-              <a:t>按一下以編輯母片文字樣式</a:t>
+              <a:rPr lang="en-US" altLang="zh-TW" smtClean="0"/>
+              <a:t>Edit Master text styles</a:t>
             </a:r>
           </a:p>
           <a:p>
             <a:pPr lvl="1"/>
             <a:r>
-              <a:rPr kumimoji="1" lang="zh-TW" altLang="en-US" smtClean="0"/>
-              <a:t>第二層</a:t>
+              <a:rPr lang="en-US" altLang="zh-TW" smtClean="0"/>
+              <a:t>Second level</a:t>
             </a:r>
           </a:p>
           <a:p>
             <a:pPr lvl="2"/>
             <a:r>
-              <a:rPr kumimoji="1" lang="zh-TW" altLang="en-US" smtClean="0"/>
-              <a:t>第三層</a:t>
+              <a:rPr lang="en-US" altLang="zh-TW" smtClean="0"/>
+              <a:t>Third level</a:t>
             </a:r>
           </a:p>
           <a:p>
             <a:pPr lvl="3"/>
             <a:r>
-              <a:rPr kumimoji="1" lang="zh-TW" altLang="en-US" smtClean="0"/>
-              <a:t>第四層</a:t>
+              <a:rPr lang="en-US" altLang="zh-TW" smtClean="0"/>
+              <a:t>Fourth level</a:t>
             </a:r>
           </a:p>
           <a:p>
             <a:pPr lvl="4"/>
             <a:r>
-              <a:rPr kumimoji="1" lang="zh-TW" altLang="en-US" smtClean="0"/>
-              <a:t>第五層</a:t>
-            </a:r>
-            <a:endParaRPr kumimoji="1" lang="ja-JP" altLang="en-US"/>
-          </a:p>
-        </p:txBody>
-      </p:sp>
-      <p:sp>
-        <p:nvSpPr>
-          <p:cNvPr id="4" name="図形 3"/>
+              <a:rPr lang="en-US" altLang="zh-TW" smtClean="0"/>
+              <a:t>Fifth level</a:t>
+            </a:r>
+            <a:endParaRPr lang="zh-TW" altLang="en-US"/>
+          </a:p>
+        </p:txBody>
+      </p:sp>
+      <p:sp>
+        <p:nvSpPr>
+          <p:cNvPr id="4" name="日期版面配置區 3"/>
           <p:cNvSpPr>
             <a:spLocks noGrp="1"/>
           </p:cNvSpPr>
@@ -843,7 +830,7 @@
           <a:p>
             <a:fld id="{B4E1890C-BB0B-4CEA-94DB-B768D7819116}" type="datetimeFigureOut">
               <a:rPr lang="zh-TW" altLang="en-US" smtClean="0"/>
-              <a:t>2014/11/2</a:t>
+              <a:t>2022/10/7</a:t>
             </a:fld>
             <a:endParaRPr lang="zh-TW" altLang="en-US"/>
           </a:p>
@@ -851,7 +838,7 @@
       </p:sp>
       <p:sp>
         <p:nvSpPr>
-          <p:cNvPr id="5" name="図形 4"/>
+          <p:cNvPr id="5" name="頁尾版面配置區 4"/>
           <p:cNvSpPr>
             <a:spLocks noGrp="1"/>
           </p:cNvSpPr>
@@ -870,7 +857,7 @@
       </p:sp>
       <p:sp>
         <p:nvSpPr>
-          <p:cNvPr id="6" name="図形 5"/>
+          <p:cNvPr id="6" name="投影片編號版面配置區 5"/>
           <p:cNvSpPr>
             <a:spLocks noGrp="1"/>
           </p:cNvSpPr>
@@ -892,6 +879,11 @@
         </p:txBody>
       </p:sp>
     </p:spTree>
+    <p:extLst>
+      <p:ext uri="{BB962C8B-B14F-4D97-AF65-F5344CB8AC3E}">
+        <p14:creationId xmlns:p14="http://schemas.microsoft.com/office/powerpoint/2010/main" val="3240330623"/>
+      </p:ext>
+    </p:extLst>
   </p:cSld>
   <p:clrMapOvr>
     <a:masterClrMapping/>
@@ -900,7 +892,7 @@
 </file>
 
 <file path=ppt/slideLayouts/slideLayout3.xml><?xml version="1.0" encoding="utf-8"?>
-<p:sldLayout xmlns:a="http://schemas.openxmlformats.org/drawingml/2006/main" xmlns:r="http://schemas.openxmlformats.org/officeDocument/2006/relationships" xmlns:p="http://schemas.openxmlformats.org/presentationml/2006/main" showMasterSp="0" type="secHead" preserve="1">
+<p:sldLayout xmlns:a="http://schemas.openxmlformats.org/drawingml/2006/main" xmlns:r="http://schemas.openxmlformats.org/officeDocument/2006/relationships" xmlns:p="http://schemas.openxmlformats.org/presentationml/2006/main" type="secHead" preserve="1">
   <p:cSld name="區段標題">
     <p:spTree>
       <p:nvGrpSpPr>
@@ -918,7 +910,7 @@
       </p:grpSpPr>
       <p:sp>
         <p:nvSpPr>
-          <p:cNvPr id="2" name="図形 1"/>
+          <p:cNvPr id="2" name="標題 1"/>
           <p:cNvSpPr>
             <a:spLocks noGrp="1"/>
           </p:cNvSpPr>
@@ -928,29 +920,29 @@
         </p:nvSpPr>
         <p:spPr>
           <a:xfrm>
-            <a:off x="1000100" y="4714884"/>
-            <a:ext cx="7215239" cy="862009"/>
+            <a:off x="963084" y="4406901"/>
+            <a:ext cx="10363200" cy="1362075"/>
           </a:xfrm>
         </p:spPr>
         <p:txBody>
           <a:bodyPr anchor="t"/>
           <a:lstStyle>
             <a:lvl1pPr algn="l">
-              <a:defRPr sz="4000" b="1" cap="all"/>
+              <a:defRPr sz="5333" b="1" cap="all"/>
             </a:lvl1pPr>
           </a:lstStyle>
           <a:p>
             <a:r>
-              <a:rPr kumimoji="1" lang="zh-TW" altLang="en-US" smtClean="0"/>
-              <a:t>按一下以編輯母片標題樣式</a:t>
-            </a:r>
-            <a:endParaRPr kumimoji="1" lang="ja-JP" altLang="en-US" dirty="0"/>
-          </a:p>
-        </p:txBody>
-      </p:sp>
-      <p:sp>
-        <p:nvSpPr>
-          <p:cNvPr id="3" name="図形 2"/>
+              <a:rPr lang="en-US" altLang="zh-TW" smtClean="0"/>
+              <a:t>Click to edit Master title style</a:t>
+            </a:r>
+            <a:endParaRPr lang="zh-TW" altLang="en-US"/>
+          </a:p>
+        </p:txBody>
+      </p:sp>
+      <p:sp>
+        <p:nvSpPr>
+          <p:cNvPr id="3" name="文字版面配置區 2"/>
           <p:cNvSpPr>
             <a:spLocks noGrp="1"/>
           </p:cNvSpPr>
@@ -960,8 +952,8 @@
         </p:nvSpPr>
         <p:spPr>
           <a:xfrm>
-            <a:off x="1000101" y="2857496"/>
-            <a:ext cx="7215238" cy="1785950"/>
+            <a:off x="963084" y="2906713"/>
+            <a:ext cx="10363200" cy="1500187"/>
           </a:xfrm>
         </p:spPr>
         <p:txBody>
@@ -969,199 +961,160 @@
           <a:lstStyle>
             <a:lvl1pPr marL="0" indent="0">
               <a:buNone/>
-              <a:defRPr sz="2000">
-                <a:solidFill>
-                  <a:schemeClr val="tx2"/>
-                </a:solidFill>
-              </a:defRPr>
-            </a:lvl1pPr>
-            <a:lvl2pPr marL="457200" indent="0">
-              <a:buNone/>
-              <a:defRPr sz="1800">
-                <a:solidFill>
-                  <a:schemeClr val="tx2"/>
-                </a:solidFill>
-              </a:defRPr>
-            </a:lvl2pPr>
-            <a:lvl3pPr marL="914400" indent="0">
-              <a:buNone/>
-              <a:defRPr sz="1600">
-                <a:solidFill>
-                  <a:schemeClr val="tx2"/>
-                </a:solidFill>
-              </a:defRPr>
-            </a:lvl3pPr>
-            <a:lvl4pPr marL="1371600" indent="0">
-              <a:buNone/>
-              <a:defRPr sz="1400">
-                <a:solidFill>
-                  <a:schemeClr val="tx2"/>
-                </a:solidFill>
-              </a:defRPr>
-            </a:lvl4pPr>
-            <a:lvl5pPr marL="1828800" indent="0">
-              <a:buNone/>
-              <a:defRPr sz="1400">
-                <a:solidFill>
-                  <a:schemeClr val="tx2"/>
-                </a:solidFill>
-              </a:defRPr>
-            </a:lvl5pPr>
-            <a:lvl6pPr marL="2286000" indent="0">
-              <a:buNone/>
-              <a:defRPr sz="1400">
+              <a:defRPr sz="2667">
                 <a:solidFill>
                   <a:schemeClr val="tx1">
                     <a:tint val="75000"/>
                   </a:schemeClr>
                 </a:solidFill>
               </a:defRPr>
-            </a:lvl6pPr>
-            <a:lvl7pPr marL="2743200" indent="0">
-              <a:buNone/>
-              <a:defRPr sz="1400">
+            </a:lvl1pPr>
+            <a:lvl2pPr marL="609585" indent="0">
+              <a:buNone/>
+              <a:defRPr sz="2400">
                 <a:solidFill>
                   <a:schemeClr val="tx1">
                     <a:tint val="75000"/>
                   </a:schemeClr>
                 </a:solidFill>
               </a:defRPr>
-            </a:lvl7pPr>
-            <a:lvl8pPr marL="3200400" indent="0">
-              <a:buNone/>
-              <a:defRPr sz="1400">
+            </a:lvl2pPr>
+            <a:lvl3pPr marL="1219170" indent="0">
+              <a:buNone/>
+              <a:defRPr sz="2133">
                 <a:solidFill>
                   <a:schemeClr val="tx1">
                     <a:tint val="75000"/>
                   </a:schemeClr>
                 </a:solidFill>
               </a:defRPr>
-            </a:lvl8pPr>
-            <a:lvl9pPr marL="3657600" indent="0">
-              <a:buNone/>
-              <a:defRPr sz="1400">
+            </a:lvl3pPr>
+            <a:lvl4pPr marL="1828754" indent="0">
+              <a:buNone/>
+              <a:defRPr sz="1867">
                 <a:solidFill>
                   <a:schemeClr val="tx1">
                     <a:tint val="75000"/>
                   </a:schemeClr>
                 </a:solidFill>
               </a:defRPr>
-            </a:lvl9pPr>
-          </a:lstStyle>
-          <a:p>
-            <a:pPr lvl="0"/>
-            <a:r>
-              <a:rPr kumimoji="1" lang="zh-TW" altLang="en-US" smtClean="0"/>
-              <a:t>按一下以編輯母片文字樣式</a:t>
-            </a:r>
-          </a:p>
-          <a:p>
-            <a:pPr lvl="1"/>
-            <a:r>
-              <a:rPr kumimoji="1" lang="zh-TW" altLang="en-US" smtClean="0"/>
-              <a:t>第二層</a:t>
-            </a:r>
-          </a:p>
-          <a:p>
-            <a:pPr lvl="2"/>
-            <a:r>
-              <a:rPr kumimoji="1" lang="zh-TW" altLang="en-US" smtClean="0"/>
-              <a:t>第三層</a:t>
-            </a:r>
-          </a:p>
-          <a:p>
-            <a:pPr lvl="3"/>
-            <a:r>
-              <a:rPr kumimoji="1" lang="zh-TW" altLang="en-US" smtClean="0"/>
-              <a:t>第四層</a:t>
-            </a:r>
-          </a:p>
-          <a:p>
-            <a:pPr lvl="4"/>
-            <a:r>
-              <a:rPr kumimoji="1" lang="zh-TW" altLang="en-US" smtClean="0"/>
-              <a:t>第五層</a:t>
-            </a:r>
-            <a:endParaRPr lang="ja-JP" dirty="0"/>
-          </a:p>
-        </p:txBody>
-      </p:sp>
-      <p:sp>
-        <p:nvSpPr>
-          <p:cNvPr id="4" name="図形 3"/>
-          <p:cNvSpPr>
-            <a:spLocks noGrp="1"/>
-          </p:cNvSpPr>
-          <p:nvPr>
-            <p:ph type="dt" sz="half" idx="10"/>
-          </p:nvPr>
-        </p:nvSpPr>
-        <p:spPr/>
-        <p:txBody>
-          <a:bodyPr/>
-          <a:lstStyle>
-            <a:lvl1pPr>
-              <a:defRPr>
+            </a:lvl4pPr>
+            <a:lvl5pPr marL="2438339" indent="0">
+              <a:buNone/>
+              <a:defRPr sz="1867">
                 <a:solidFill>
                   <a:schemeClr val="tx1">
                     <a:tint val="75000"/>
                   </a:schemeClr>
                 </a:solidFill>
               </a:defRPr>
-            </a:lvl1pPr>
-          </a:lstStyle>
-          <a:p>
-            <a:fld id="{B4E1890C-BB0B-4CEA-94DB-B768D7819116}" type="datetimeFigureOut">
-              <a:rPr lang="zh-TW" altLang="en-US" smtClean="0"/>
-              <a:t>2014/11/2</a:t>
-            </a:fld>
-            <a:endParaRPr lang="zh-TW" altLang="en-US"/>
-          </a:p>
-        </p:txBody>
-      </p:sp>
-      <p:sp>
-        <p:nvSpPr>
-          <p:cNvPr id="5" name="図形 4"/>
-          <p:cNvSpPr>
-            <a:spLocks noGrp="1"/>
-          </p:cNvSpPr>
-          <p:nvPr>
-            <p:ph type="ftr" sz="quarter" idx="11"/>
-          </p:nvPr>
-        </p:nvSpPr>
-        <p:spPr/>
-        <p:txBody>
-          <a:bodyPr/>
-          <a:lstStyle/>
-          <a:p>
-            <a:endParaRPr lang="zh-TW" altLang="en-US"/>
-          </a:p>
-        </p:txBody>
-      </p:sp>
-      <p:sp>
-        <p:nvSpPr>
-          <p:cNvPr id="6" name="図形 5"/>
-          <p:cNvSpPr>
-            <a:spLocks noGrp="1"/>
-          </p:cNvSpPr>
-          <p:nvPr>
-            <p:ph type="sldNum" sz="quarter" idx="12"/>
-          </p:nvPr>
-        </p:nvSpPr>
-        <p:spPr/>
-        <p:txBody>
-          <a:bodyPr/>
-          <a:lstStyle>
-            <a:lvl1pPr>
-              <a:defRPr>
+            </a:lvl5pPr>
+            <a:lvl6pPr marL="3047924" indent="0">
+              <a:buNone/>
+              <a:defRPr sz="1867">
                 <a:solidFill>
                   <a:schemeClr val="tx1">
                     <a:tint val="75000"/>
                   </a:schemeClr>
                 </a:solidFill>
               </a:defRPr>
-            </a:lvl1pPr>
+            </a:lvl6pPr>
+            <a:lvl7pPr marL="3657509" indent="0">
+              <a:buNone/>
+              <a:defRPr sz="1867">
+                <a:solidFill>
+                  <a:schemeClr val="tx1">
+                    <a:tint val="75000"/>
+                  </a:schemeClr>
+                </a:solidFill>
+              </a:defRPr>
+            </a:lvl7pPr>
+            <a:lvl8pPr marL="4267093" indent="0">
+              <a:buNone/>
+              <a:defRPr sz="1867">
+                <a:solidFill>
+                  <a:schemeClr val="tx1">
+                    <a:tint val="75000"/>
+                  </a:schemeClr>
+                </a:solidFill>
+              </a:defRPr>
+            </a:lvl8pPr>
+            <a:lvl9pPr marL="4876678" indent="0">
+              <a:buNone/>
+              <a:defRPr sz="1867">
+                <a:solidFill>
+                  <a:schemeClr val="tx1">
+                    <a:tint val="75000"/>
+                  </a:schemeClr>
+                </a:solidFill>
+              </a:defRPr>
+            </a:lvl9pPr>
           </a:lstStyle>
+          <a:p>
+            <a:pPr lvl="0"/>
+            <a:r>
+              <a:rPr lang="en-US" altLang="zh-TW" smtClean="0"/>
+              <a:t>Edit Master text styles</a:t>
+            </a:r>
+          </a:p>
+        </p:txBody>
+      </p:sp>
+      <p:sp>
+        <p:nvSpPr>
+          <p:cNvPr id="4" name="日期版面配置區 3"/>
+          <p:cNvSpPr>
+            <a:spLocks noGrp="1"/>
+          </p:cNvSpPr>
+          <p:nvPr>
+            <p:ph type="dt" sz="half" idx="10"/>
+          </p:nvPr>
+        </p:nvSpPr>
+        <p:spPr/>
+        <p:txBody>
+          <a:bodyPr/>
+          <a:lstStyle/>
+          <a:p>
+            <a:fld id="{B4E1890C-BB0B-4CEA-94DB-B768D7819116}" type="datetimeFigureOut">
+              <a:rPr lang="zh-TW" altLang="en-US" smtClean="0"/>
+              <a:t>2022/10/7</a:t>
+            </a:fld>
+            <a:endParaRPr lang="zh-TW" altLang="en-US"/>
+          </a:p>
+        </p:txBody>
+      </p:sp>
+      <p:sp>
+        <p:nvSpPr>
+          <p:cNvPr id="5" name="頁尾版面配置區 4"/>
+          <p:cNvSpPr>
+            <a:spLocks noGrp="1"/>
+          </p:cNvSpPr>
+          <p:nvPr>
+            <p:ph type="ftr" sz="quarter" idx="11"/>
+          </p:nvPr>
+        </p:nvSpPr>
+        <p:spPr/>
+        <p:txBody>
+          <a:bodyPr/>
+          <a:lstStyle/>
+          <a:p>
+            <a:endParaRPr lang="zh-TW" altLang="en-US"/>
+          </a:p>
+        </p:txBody>
+      </p:sp>
+      <p:sp>
+        <p:nvSpPr>
+          <p:cNvPr id="6" name="投影片編號版面配置區 5"/>
+          <p:cNvSpPr>
+            <a:spLocks noGrp="1"/>
+          </p:cNvSpPr>
+          <p:nvPr>
+            <p:ph type="sldNum" sz="quarter" idx="12"/>
+          </p:nvPr>
+        </p:nvSpPr>
+        <p:spPr/>
+        <p:txBody>
+          <a:bodyPr/>
+          <a:lstStyle/>
           <a:p>
             <a:fld id="{D175E2E4-E521-4D38-A74A-5ECB7A71E1F0}" type="slidenum">
               <a:rPr lang="zh-TW" altLang="en-US" smtClean="0"/>
@@ -1172,6 +1125,11 @@
         </p:txBody>
       </p:sp>
     </p:spTree>
+    <p:extLst>
+      <p:ext uri="{BB962C8B-B14F-4D97-AF65-F5344CB8AC3E}">
+        <p14:creationId xmlns:p14="http://schemas.microsoft.com/office/powerpoint/2010/main" val="1743667986"/>
+      </p:ext>
+    </p:extLst>
   </p:cSld>
   <p:clrMapOvr>
     <a:masterClrMapping/>
@@ -1198,7 +1156,7 @@
       </p:grpSpPr>
       <p:sp>
         <p:nvSpPr>
-          <p:cNvPr id="2" name="図形 1"/>
+          <p:cNvPr id="2" name="標題 1"/>
           <p:cNvSpPr>
             <a:spLocks noGrp="1"/>
           </p:cNvSpPr>
@@ -1212,16 +1170,16 @@
           <a:lstStyle/>
           <a:p>
             <a:r>
-              <a:rPr kumimoji="1" lang="zh-TW" altLang="en-US" smtClean="0"/>
-              <a:t>按一下以編輯母片標題樣式</a:t>
-            </a:r>
-            <a:endParaRPr kumimoji="1" lang="ja-JP" altLang="en-US"/>
-          </a:p>
-        </p:txBody>
-      </p:sp>
-      <p:sp>
-        <p:nvSpPr>
-          <p:cNvPr id="3" name="図形 2"/>
+              <a:rPr lang="en-US" altLang="zh-TW" smtClean="0"/>
+              <a:t>Click to edit Master title style</a:t>
+            </a:r>
+            <a:endParaRPr lang="zh-TW" altLang="en-US"/>
+          </a:p>
+        </p:txBody>
+      </p:sp>
+      <p:sp>
+        <p:nvSpPr>
+          <p:cNvPr id="3" name="內容版面配置區 2"/>
           <p:cNvSpPr>
             <a:spLocks noGrp="1"/>
           </p:cNvSpPr>
@@ -1231,82 +1189,82 @@
         </p:nvSpPr>
         <p:spPr>
           <a:xfrm>
-            <a:off x="457200" y="1600200"/>
-            <a:ext cx="4038600" cy="4525963"/>
+            <a:off x="609600" y="1600201"/>
+            <a:ext cx="5384800" cy="4525963"/>
           </a:xfrm>
         </p:spPr>
         <p:txBody>
           <a:bodyPr/>
           <a:lstStyle>
             <a:lvl1pPr>
-              <a:defRPr sz="2800"/>
+              <a:defRPr sz="3733"/>
             </a:lvl1pPr>
             <a:lvl2pPr>
-              <a:defRPr sz="2400"/>
+              <a:defRPr sz="3200"/>
             </a:lvl2pPr>
             <a:lvl3pPr>
-              <a:defRPr sz="2000"/>
+              <a:defRPr sz="2667"/>
             </a:lvl3pPr>
             <a:lvl4pPr>
-              <a:defRPr sz="1800"/>
+              <a:defRPr sz="2400"/>
             </a:lvl4pPr>
             <a:lvl5pPr>
-              <a:defRPr sz="1800"/>
+              <a:defRPr sz="2400"/>
             </a:lvl5pPr>
             <a:lvl6pPr>
-              <a:defRPr sz="1800"/>
+              <a:defRPr sz="2400"/>
             </a:lvl6pPr>
             <a:lvl7pPr>
-              <a:defRPr sz="1800"/>
+              <a:defRPr sz="2400"/>
             </a:lvl7pPr>
             <a:lvl8pPr>
-              <a:defRPr sz="1800"/>
+              <a:defRPr sz="2400"/>
             </a:lvl8pPr>
             <a:lvl9pPr>
-              <a:defRPr sz="1800"/>
+              <a:defRPr sz="2400"/>
             </a:lvl9pPr>
           </a:lstStyle>
           <a:p>
             <a:pPr lvl="0"/>
             <a:r>
-              <a:rPr kumimoji="1" lang="zh-TW" altLang="en-US" smtClean="0"/>
-              <a:t>按一下以編輯母片文字樣式</a:t>
+              <a:rPr lang="en-US" altLang="zh-TW" smtClean="0"/>
+              <a:t>Edit Master text styles</a:t>
             </a:r>
           </a:p>
           <a:p>
             <a:pPr lvl="1"/>
             <a:r>
-              <a:rPr kumimoji="1" lang="zh-TW" altLang="en-US" smtClean="0"/>
-              <a:t>第二層</a:t>
+              <a:rPr lang="en-US" altLang="zh-TW" smtClean="0"/>
+              <a:t>Second level</a:t>
             </a:r>
           </a:p>
           <a:p>
             <a:pPr lvl="2"/>
             <a:r>
-              <a:rPr kumimoji="1" lang="zh-TW" altLang="en-US" smtClean="0"/>
-              <a:t>第三層</a:t>
+              <a:rPr lang="en-US" altLang="zh-TW" smtClean="0"/>
+              <a:t>Third level</a:t>
             </a:r>
           </a:p>
           <a:p>
             <a:pPr lvl="3"/>
             <a:r>
-              <a:rPr kumimoji="1" lang="zh-TW" altLang="en-US" smtClean="0"/>
-              <a:t>第四層</a:t>
+              <a:rPr lang="en-US" altLang="zh-TW" smtClean="0"/>
+              <a:t>Fourth level</a:t>
             </a:r>
           </a:p>
           <a:p>
             <a:pPr lvl="4"/>
             <a:r>
-              <a:rPr kumimoji="1" lang="zh-TW" altLang="en-US" smtClean="0"/>
-              <a:t>第五層</a:t>
-            </a:r>
-            <a:endParaRPr kumimoji="1" lang="ja-JP" altLang="en-US"/>
-          </a:p>
-        </p:txBody>
-      </p:sp>
-      <p:sp>
-        <p:nvSpPr>
-          <p:cNvPr id="4" name="図形 3"/>
+              <a:rPr lang="en-US" altLang="zh-TW" smtClean="0"/>
+              <a:t>Fifth level</a:t>
+            </a:r>
+            <a:endParaRPr lang="zh-TW" altLang="en-US"/>
+          </a:p>
+        </p:txBody>
+      </p:sp>
+      <p:sp>
+        <p:nvSpPr>
+          <p:cNvPr id="4" name="內容版面配置區 3"/>
           <p:cNvSpPr>
             <a:spLocks noGrp="1"/>
           </p:cNvSpPr>
@@ -1316,82 +1274,82 @@
         </p:nvSpPr>
         <p:spPr>
           <a:xfrm>
-            <a:off x="4648200" y="1600200"/>
-            <a:ext cx="4038600" cy="4525963"/>
+            <a:off x="6197600" y="1600201"/>
+            <a:ext cx="5384800" cy="4525963"/>
           </a:xfrm>
         </p:spPr>
         <p:txBody>
           <a:bodyPr/>
           <a:lstStyle>
             <a:lvl1pPr>
-              <a:defRPr sz="2800"/>
+              <a:defRPr sz="3733"/>
             </a:lvl1pPr>
             <a:lvl2pPr>
-              <a:defRPr sz="2400"/>
+              <a:defRPr sz="3200"/>
             </a:lvl2pPr>
             <a:lvl3pPr>
-              <a:defRPr sz="2000"/>
+              <a:defRPr sz="2667"/>
             </a:lvl3pPr>
             <a:lvl4pPr>
-              <a:defRPr sz="1800"/>
+              <a:defRPr sz="2400"/>
             </a:lvl4pPr>
             <a:lvl5pPr>
-              <a:defRPr sz="1800"/>
+              <a:defRPr sz="2400"/>
             </a:lvl5pPr>
             <a:lvl6pPr>
-              <a:defRPr sz="1800"/>
+              <a:defRPr sz="2400"/>
             </a:lvl6pPr>
             <a:lvl7pPr>
-              <a:defRPr sz="1800"/>
+              <a:defRPr sz="2400"/>
             </a:lvl7pPr>
             <a:lvl8pPr>
-              <a:defRPr sz="1800"/>
+              <a:defRPr sz="2400"/>
             </a:lvl8pPr>
             <a:lvl9pPr>
-              <a:defRPr sz="1800"/>
+              <a:defRPr sz="2400"/>
             </a:lvl9pPr>
           </a:lstStyle>
           <a:p>
             <a:pPr lvl="0"/>
             <a:r>
-              <a:rPr kumimoji="1" lang="zh-TW" altLang="en-US" smtClean="0"/>
-              <a:t>按一下以編輯母片文字樣式</a:t>
+              <a:rPr lang="en-US" altLang="zh-TW" smtClean="0"/>
+              <a:t>Edit Master text styles</a:t>
             </a:r>
           </a:p>
           <a:p>
             <a:pPr lvl="1"/>
             <a:r>
-              <a:rPr kumimoji="1" lang="zh-TW" altLang="en-US" smtClean="0"/>
-              <a:t>第二層</a:t>
+              <a:rPr lang="en-US" altLang="zh-TW" smtClean="0"/>
+              <a:t>Second level</a:t>
             </a:r>
           </a:p>
           <a:p>
             <a:pPr lvl="2"/>
             <a:r>
-              <a:rPr kumimoji="1" lang="zh-TW" altLang="en-US" smtClean="0"/>
-              <a:t>第三層</a:t>
+              <a:rPr lang="en-US" altLang="zh-TW" smtClean="0"/>
+              <a:t>Third level</a:t>
             </a:r>
           </a:p>
           <a:p>
             <a:pPr lvl="3"/>
             <a:r>
-              <a:rPr kumimoji="1" lang="zh-TW" altLang="en-US" smtClean="0"/>
-              <a:t>第四層</a:t>
+              <a:rPr lang="en-US" altLang="zh-TW" smtClean="0"/>
+              <a:t>Fourth level</a:t>
             </a:r>
           </a:p>
           <a:p>
             <a:pPr lvl="4"/>
             <a:r>
-              <a:rPr kumimoji="1" lang="zh-TW" altLang="en-US" smtClean="0"/>
-              <a:t>第五層</a:t>
-            </a:r>
-            <a:endParaRPr kumimoji="1" lang="ja-JP" altLang="en-US"/>
-          </a:p>
-        </p:txBody>
-      </p:sp>
-      <p:sp>
-        <p:nvSpPr>
-          <p:cNvPr id="5" name="図形 4"/>
+              <a:rPr lang="en-US" altLang="zh-TW" smtClean="0"/>
+              <a:t>Fifth level</a:t>
+            </a:r>
+            <a:endParaRPr lang="zh-TW" altLang="en-US"/>
+          </a:p>
+        </p:txBody>
+      </p:sp>
+      <p:sp>
+        <p:nvSpPr>
+          <p:cNvPr id="5" name="日期版面配置區 4"/>
           <p:cNvSpPr>
             <a:spLocks noGrp="1"/>
           </p:cNvSpPr>
@@ -1406,7 +1364,7 @@
           <a:p>
             <a:fld id="{B4E1890C-BB0B-4CEA-94DB-B768D7819116}" type="datetimeFigureOut">
               <a:rPr lang="zh-TW" altLang="en-US" smtClean="0"/>
-              <a:t>2014/11/2</a:t>
+              <a:t>2022/10/7</a:t>
             </a:fld>
             <a:endParaRPr lang="zh-TW" altLang="en-US"/>
           </a:p>
@@ -1414,7 +1372,7 @@
       </p:sp>
       <p:sp>
         <p:nvSpPr>
-          <p:cNvPr id="6" name="図形 5"/>
+          <p:cNvPr id="6" name="頁尾版面配置區 5"/>
           <p:cNvSpPr>
             <a:spLocks noGrp="1"/>
           </p:cNvSpPr>
@@ -1433,7 +1391,7 @@
       </p:sp>
       <p:sp>
         <p:nvSpPr>
-          <p:cNvPr id="7" name="図形 6"/>
+          <p:cNvPr id="7" name="投影片編號版面配置區 6"/>
           <p:cNvSpPr>
             <a:spLocks noGrp="1"/>
           </p:cNvSpPr>
@@ -1455,6 +1413,11 @@
         </p:txBody>
       </p:sp>
     </p:spTree>
+    <p:extLst>
+      <p:ext uri="{BB962C8B-B14F-4D97-AF65-F5344CB8AC3E}">
+        <p14:creationId xmlns:p14="http://schemas.microsoft.com/office/powerpoint/2010/main" val="2869983019"/>
+      </p:ext>
+    </p:extLst>
   </p:cSld>
   <p:clrMapOvr>
     <a:masterClrMapping/>
@@ -1481,7 +1444,7 @@
       </p:grpSpPr>
       <p:sp>
         <p:nvSpPr>
-          <p:cNvPr id="2" name="図形 1"/>
+          <p:cNvPr id="2" name="標題 1"/>
           <p:cNvSpPr>
             <a:spLocks noGrp="1"/>
           </p:cNvSpPr>
@@ -1499,16 +1462,16 @@
           </a:lstStyle>
           <a:p>
             <a:r>
-              <a:rPr kumimoji="1" lang="zh-TW" altLang="en-US" smtClean="0"/>
-              <a:t>按一下以編輯母片標題樣式</a:t>
-            </a:r>
-            <a:endParaRPr kumimoji="1" lang="ja-JP" altLang="en-US"/>
-          </a:p>
-        </p:txBody>
-      </p:sp>
-      <p:sp>
-        <p:nvSpPr>
-          <p:cNvPr id="3" name="図形 2"/>
+              <a:rPr lang="en-US" altLang="zh-TW" smtClean="0"/>
+              <a:t>Click to edit Master title style</a:t>
+            </a:r>
+            <a:endParaRPr lang="zh-TW" altLang="en-US"/>
+          </a:p>
+        </p:txBody>
+      </p:sp>
+      <p:sp>
+        <p:nvSpPr>
+          <p:cNvPr id="3" name="文字版面配置區 2"/>
           <p:cNvSpPr>
             <a:spLocks noGrp="1"/>
           </p:cNvSpPr>
@@ -1518,8 +1481,8 @@
         </p:nvSpPr>
         <p:spPr>
           <a:xfrm>
-            <a:off x="457200" y="1535113"/>
-            <a:ext cx="4040188" cy="639762"/>
+            <a:off x="609600" y="1535113"/>
+            <a:ext cx="5386917" cy="639763"/>
           </a:xfrm>
         </p:spPr>
         <p:txBody>
@@ -1527,82 +1490,53 @@
           <a:lstStyle>
             <a:lvl1pPr marL="0" indent="0">
               <a:buNone/>
+              <a:defRPr sz="3200" b="1"/>
+            </a:lvl1pPr>
+            <a:lvl2pPr marL="609585" indent="0">
+              <a:buNone/>
+              <a:defRPr sz="2667" b="1"/>
+            </a:lvl2pPr>
+            <a:lvl3pPr marL="1219170" indent="0">
+              <a:buNone/>
               <a:defRPr sz="2400" b="1"/>
-            </a:lvl1pPr>
-            <a:lvl2pPr marL="457200" indent="0">
-              <a:buNone/>
-              <a:defRPr sz="2000" b="1"/>
-            </a:lvl2pPr>
-            <a:lvl3pPr marL="914400" indent="0">
-              <a:buNone/>
-              <a:defRPr sz="1800" b="1"/>
             </a:lvl3pPr>
-            <a:lvl4pPr marL="1371600" indent="0">
-              <a:buNone/>
-              <a:defRPr sz="1600" b="1"/>
+            <a:lvl4pPr marL="1828754" indent="0">
+              <a:buNone/>
+              <a:defRPr sz="2133" b="1"/>
             </a:lvl4pPr>
-            <a:lvl5pPr marL="1828800" indent="0">
-              <a:buNone/>
-              <a:defRPr sz="1600" b="1"/>
+            <a:lvl5pPr marL="2438339" indent="0">
+              <a:buNone/>
+              <a:defRPr sz="2133" b="1"/>
             </a:lvl5pPr>
-            <a:lvl6pPr marL="2286000" indent="0">
-              <a:buNone/>
-              <a:defRPr sz="1600" b="1"/>
+            <a:lvl6pPr marL="3047924" indent="0">
+              <a:buNone/>
+              <a:defRPr sz="2133" b="1"/>
             </a:lvl6pPr>
-            <a:lvl7pPr marL="2743200" indent="0">
-              <a:buNone/>
-              <a:defRPr sz="1600" b="1"/>
+            <a:lvl7pPr marL="3657509" indent="0">
+              <a:buNone/>
+              <a:defRPr sz="2133" b="1"/>
             </a:lvl7pPr>
-            <a:lvl8pPr marL="3200400" indent="0">
-              <a:buNone/>
-              <a:defRPr sz="1600" b="1"/>
+            <a:lvl8pPr marL="4267093" indent="0">
+              <a:buNone/>
+              <a:defRPr sz="2133" b="1"/>
             </a:lvl8pPr>
-            <a:lvl9pPr marL="3657600" indent="0">
-              <a:buNone/>
-              <a:defRPr sz="1600" b="1"/>
+            <a:lvl9pPr marL="4876678" indent="0">
+              <a:buNone/>
+              <a:defRPr sz="2133" b="1"/>
             </a:lvl9pPr>
           </a:lstStyle>
           <a:p>
             <a:pPr lvl="0"/>
             <a:r>
-              <a:rPr kumimoji="1" lang="zh-TW" altLang="en-US" smtClean="0"/>
-              <a:t>按一下以編輯母片文字樣式</a:t>
-            </a:r>
-          </a:p>
-          <a:p>
-            <a:pPr lvl="1"/>
-            <a:r>
-              <a:rPr kumimoji="1" lang="zh-TW" altLang="en-US" smtClean="0"/>
-              <a:t>第二層</a:t>
-            </a:r>
-          </a:p>
-          <a:p>
-            <a:pPr lvl="2"/>
-            <a:r>
-              <a:rPr kumimoji="1" lang="zh-TW" altLang="en-US" smtClean="0"/>
-              <a:t>第三層</a:t>
-            </a:r>
-          </a:p>
-          <a:p>
-            <a:pPr lvl="3"/>
-            <a:r>
-              <a:rPr kumimoji="1" lang="zh-TW" altLang="en-US" smtClean="0"/>
-              <a:t>第四層</a:t>
-            </a:r>
-          </a:p>
-          <a:p>
-            <a:pPr lvl="4"/>
-            <a:r>
-              <a:rPr kumimoji="1" lang="zh-TW" altLang="en-US" smtClean="0"/>
-              <a:t>第五層</a:t>
-            </a:r>
-            <a:endParaRPr lang="ja-JP"/>
-          </a:p>
-        </p:txBody>
-      </p:sp>
-      <p:sp>
-        <p:nvSpPr>
-          <p:cNvPr id="4" name="図形 3"/>
+              <a:rPr lang="en-US" altLang="zh-TW" smtClean="0"/>
+              <a:t>Edit Master text styles</a:t>
+            </a:r>
+          </a:p>
+        </p:txBody>
+      </p:sp>
+      <p:sp>
+        <p:nvSpPr>
+          <p:cNvPr id="4" name="內容版面配置區 3"/>
           <p:cNvSpPr>
             <a:spLocks noGrp="1"/>
           </p:cNvSpPr>
@@ -1612,82 +1546,82 @@
         </p:nvSpPr>
         <p:spPr>
           <a:xfrm>
-            <a:off x="457200" y="2174875"/>
-            <a:ext cx="4040188" cy="3951288"/>
+            <a:off x="609600" y="2174875"/>
+            <a:ext cx="5386917" cy="3951288"/>
           </a:xfrm>
         </p:spPr>
         <p:txBody>
           <a:bodyPr/>
           <a:lstStyle>
             <a:lvl1pPr>
-              <a:defRPr sz="2400"/>
+              <a:defRPr sz="3200"/>
             </a:lvl1pPr>
             <a:lvl2pPr>
-              <a:defRPr sz="2000"/>
+              <a:defRPr sz="2667"/>
             </a:lvl2pPr>
             <a:lvl3pPr>
-              <a:defRPr sz="1800"/>
+              <a:defRPr sz="2400"/>
             </a:lvl3pPr>
             <a:lvl4pPr>
-              <a:defRPr sz="1600"/>
+              <a:defRPr sz="2133"/>
             </a:lvl4pPr>
             <a:lvl5pPr>
-              <a:defRPr sz="1600"/>
+              <a:defRPr sz="2133"/>
             </a:lvl5pPr>
             <a:lvl6pPr>
-              <a:defRPr sz="1600"/>
+              <a:defRPr sz="2133"/>
             </a:lvl6pPr>
             <a:lvl7pPr>
-              <a:defRPr sz="1600"/>
+              <a:defRPr sz="2133"/>
             </a:lvl7pPr>
             <a:lvl8pPr>
-              <a:defRPr sz="1600"/>
+              <a:defRPr sz="2133"/>
             </a:lvl8pPr>
             <a:lvl9pPr>
-              <a:defRPr sz="1600"/>
+              <a:defRPr sz="2133"/>
             </a:lvl9pPr>
           </a:lstStyle>
           <a:p>
             <a:pPr lvl="0"/>
             <a:r>
-              <a:rPr kumimoji="1" lang="zh-TW" altLang="en-US" smtClean="0"/>
-              <a:t>按一下以編輯母片文字樣式</a:t>
+              <a:rPr lang="en-US" altLang="zh-TW" smtClean="0"/>
+              <a:t>Edit Master text styles</a:t>
             </a:r>
           </a:p>
           <a:p>
             <a:pPr lvl="1"/>
             <a:r>
-              <a:rPr kumimoji="1" lang="zh-TW" altLang="en-US" smtClean="0"/>
-              <a:t>第二層</a:t>
+              <a:rPr lang="en-US" altLang="zh-TW" smtClean="0"/>
+              <a:t>Second level</a:t>
             </a:r>
           </a:p>
           <a:p>
             <a:pPr lvl="2"/>
             <a:r>
-              <a:rPr kumimoji="1" lang="zh-TW" altLang="en-US" smtClean="0"/>
-              <a:t>第三層</a:t>
+              <a:rPr lang="en-US" altLang="zh-TW" smtClean="0"/>
+              <a:t>Third level</a:t>
             </a:r>
           </a:p>
           <a:p>
             <a:pPr lvl="3"/>
             <a:r>
-              <a:rPr kumimoji="1" lang="zh-TW" altLang="en-US" smtClean="0"/>
-              <a:t>第四層</a:t>
+              <a:rPr lang="en-US" altLang="zh-TW" smtClean="0"/>
+              <a:t>Fourth level</a:t>
             </a:r>
           </a:p>
           <a:p>
             <a:pPr lvl="4"/>
             <a:r>
-              <a:rPr kumimoji="1" lang="zh-TW" altLang="en-US" smtClean="0"/>
-              <a:t>第五層</a:t>
-            </a:r>
-            <a:endParaRPr kumimoji="1" lang="ja-JP" altLang="en-US"/>
-          </a:p>
-        </p:txBody>
-      </p:sp>
-      <p:sp>
-        <p:nvSpPr>
-          <p:cNvPr id="5" name="図形 4"/>
+              <a:rPr lang="en-US" altLang="zh-TW" smtClean="0"/>
+              <a:t>Fifth level</a:t>
+            </a:r>
+            <a:endParaRPr lang="zh-TW" altLang="en-US"/>
+          </a:p>
+        </p:txBody>
+      </p:sp>
+      <p:sp>
+        <p:nvSpPr>
+          <p:cNvPr id="5" name="文字版面配置區 4"/>
           <p:cNvSpPr>
             <a:spLocks noGrp="1"/>
           </p:cNvSpPr>
@@ -1697,8 +1631,8 @@
         </p:nvSpPr>
         <p:spPr>
           <a:xfrm>
-            <a:off x="4645025" y="1535113"/>
-            <a:ext cx="4041775" cy="639762"/>
+            <a:off x="6193372" y="1535113"/>
+            <a:ext cx="5389033" cy="639763"/>
           </a:xfrm>
         </p:spPr>
         <p:txBody>
@@ -1706,82 +1640,53 @@
           <a:lstStyle>
             <a:lvl1pPr marL="0" indent="0">
               <a:buNone/>
+              <a:defRPr sz="3200" b="1"/>
+            </a:lvl1pPr>
+            <a:lvl2pPr marL="609585" indent="0">
+              <a:buNone/>
+              <a:defRPr sz="2667" b="1"/>
+            </a:lvl2pPr>
+            <a:lvl3pPr marL="1219170" indent="0">
+              <a:buNone/>
               <a:defRPr sz="2400" b="1"/>
-            </a:lvl1pPr>
-            <a:lvl2pPr marL="457200" indent="0">
-              <a:buNone/>
-              <a:defRPr sz="2000" b="1"/>
-            </a:lvl2pPr>
-            <a:lvl3pPr marL="914400" indent="0">
-              <a:buNone/>
-              <a:defRPr sz="1800" b="1"/>
             </a:lvl3pPr>
-            <a:lvl4pPr marL="1371600" indent="0">
-              <a:buNone/>
-              <a:defRPr sz="1600" b="1"/>
+            <a:lvl4pPr marL="1828754" indent="0">
+              <a:buNone/>
+              <a:defRPr sz="2133" b="1"/>
             </a:lvl4pPr>
-            <a:lvl5pPr marL="1828800" indent="0">
-              <a:buNone/>
-              <a:defRPr sz="1600" b="1"/>
+            <a:lvl5pPr marL="2438339" indent="0">
+              <a:buNone/>
+              <a:defRPr sz="2133" b="1"/>
             </a:lvl5pPr>
-            <a:lvl6pPr marL="2286000" indent="0">
-              <a:buNone/>
-              <a:defRPr sz="1600" b="1"/>
+            <a:lvl6pPr marL="3047924" indent="0">
+              <a:buNone/>
+              <a:defRPr sz="2133" b="1"/>
             </a:lvl6pPr>
-            <a:lvl7pPr marL="2743200" indent="0">
-              <a:buNone/>
-              <a:defRPr sz="1600" b="1"/>
+            <a:lvl7pPr marL="3657509" indent="0">
+              <a:buNone/>
+              <a:defRPr sz="2133" b="1"/>
             </a:lvl7pPr>
-            <a:lvl8pPr marL="3200400" indent="0">
-              <a:buNone/>
-              <a:defRPr sz="1600" b="1"/>
+            <a:lvl8pPr marL="4267093" indent="0">
+              <a:buNone/>
+              <a:defRPr sz="2133" b="1"/>
             </a:lvl8pPr>
-            <a:lvl9pPr marL="3657600" indent="0">
-              <a:buNone/>
-              <a:defRPr sz="1600" b="1"/>
+            <a:lvl9pPr marL="4876678" indent="0">
+              <a:buNone/>
+              <a:defRPr sz="2133" b="1"/>
             </a:lvl9pPr>
           </a:lstStyle>
           <a:p>
             <a:pPr lvl="0"/>
             <a:r>
-              <a:rPr kumimoji="1" lang="zh-TW" altLang="en-US" smtClean="0"/>
-              <a:t>按一下以編輯母片文字樣式</a:t>
-            </a:r>
-          </a:p>
-          <a:p>
-            <a:pPr lvl="1"/>
-            <a:r>
-              <a:rPr kumimoji="1" lang="zh-TW" altLang="en-US" smtClean="0"/>
-              <a:t>第二層</a:t>
-            </a:r>
-          </a:p>
-          <a:p>
-            <a:pPr lvl="2"/>
-            <a:r>
-              <a:rPr kumimoji="1" lang="zh-TW" altLang="en-US" smtClean="0"/>
-              <a:t>第三層</a:t>
-            </a:r>
-          </a:p>
-          <a:p>
-            <a:pPr lvl="3"/>
-            <a:r>
-              <a:rPr kumimoji="1" lang="zh-TW" altLang="en-US" smtClean="0"/>
-              <a:t>第四層</a:t>
-            </a:r>
-          </a:p>
-          <a:p>
-            <a:pPr lvl="4"/>
-            <a:r>
-              <a:rPr kumimoji="1" lang="zh-TW" altLang="en-US" smtClean="0"/>
-              <a:t>第五層</a:t>
-            </a:r>
-            <a:endParaRPr lang="ja-JP"/>
-          </a:p>
-        </p:txBody>
-      </p:sp>
-      <p:sp>
-        <p:nvSpPr>
-          <p:cNvPr id="6" name="図形 5"/>
+              <a:rPr lang="en-US" altLang="zh-TW" smtClean="0"/>
+              <a:t>Edit Master text styles</a:t>
+            </a:r>
+          </a:p>
+        </p:txBody>
+      </p:sp>
+      <p:sp>
+        <p:nvSpPr>
+          <p:cNvPr id="6" name="內容版面配置區 5"/>
           <p:cNvSpPr>
             <a:spLocks noGrp="1"/>
           </p:cNvSpPr>
@@ -1791,82 +1696,82 @@
         </p:nvSpPr>
         <p:spPr>
           <a:xfrm>
-            <a:off x="4645025" y="2174875"/>
-            <a:ext cx="4041775" cy="3951288"/>
+            <a:off x="6193372" y="2174875"/>
+            <a:ext cx="5389033" cy="3951288"/>
           </a:xfrm>
         </p:spPr>
         <p:txBody>
           <a:bodyPr/>
           <a:lstStyle>
             <a:lvl1pPr>
-              <a:defRPr sz="2400"/>
+              <a:defRPr sz="3200"/>
             </a:lvl1pPr>
             <a:lvl2pPr>
-              <a:defRPr sz="2000"/>
+              <a:defRPr sz="2667"/>
             </a:lvl2pPr>
             <a:lvl3pPr>
-              <a:defRPr sz="1800"/>
+              <a:defRPr sz="2400"/>
             </a:lvl3pPr>
             <a:lvl4pPr>
-              <a:defRPr sz="1600"/>
+              <a:defRPr sz="2133"/>
             </a:lvl4pPr>
             <a:lvl5pPr>
-              <a:defRPr sz="1600"/>
+              <a:defRPr sz="2133"/>
             </a:lvl5pPr>
             <a:lvl6pPr>
-              <a:defRPr sz="1600"/>
+              <a:defRPr sz="2133"/>
             </a:lvl6pPr>
             <a:lvl7pPr>
-              <a:defRPr sz="1600"/>
+              <a:defRPr sz="2133"/>
             </a:lvl7pPr>
             <a:lvl8pPr>
-              <a:defRPr sz="1600"/>
+              <a:defRPr sz="2133"/>
             </a:lvl8pPr>
             <a:lvl9pPr>
-              <a:defRPr sz="1600"/>
+              <a:defRPr sz="2133"/>
             </a:lvl9pPr>
           </a:lstStyle>
           <a:p>
             <a:pPr lvl="0"/>
             <a:r>
-              <a:rPr kumimoji="1" lang="zh-TW" altLang="en-US" smtClean="0"/>
-              <a:t>按一下以編輯母片文字樣式</a:t>
+              <a:rPr lang="en-US" altLang="zh-TW" smtClean="0"/>
+              <a:t>Edit Master text styles</a:t>
             </a:r>
           </a:p>
           <a:p>
             <a:pPr lvl="1"/>
             <a:r>
-              <a:rPr kumimoji="1" lang="zh-TW" altLang="en-US" smtClean="0"/>
-              <a:t>第二層</a:t>
+              <a:rPr lang="en-US" altLang="zh-TW" smtClean="0"/>
+              <a:t>Second level</a:t>
             </a:r>
           </a:p>
           <a:p>
             <a:pPr lvl="2"/>
             <a:r>
-              <a:rPr kumimoji="1" lang="zh-TW" altLang="en-US" smtClean="0"/>
-              <a:t>第三層</a:t>
+              <a:rPr lang="en-US" altLang="zh-TW" smtClean="0"/>
+              <a:t>Third level</a:t>
             </a:r>
           </a:p>
           <a:p>
             <a:pPr lvl="3"/>
             <a:r>
-              <a:rPr kumimoji="1" lang="zh-TW" altLang="en-US" smtClean="0"/>
-              <a:t>第四層</a:t>
+              <a:rPr lang="en-US" altLang="zh-TW" smtClean="0"/>
+              <a:t>Fourth level</a:t>
             </a:r>
           </a:p>
           <a:p>
             <a:pPr lvl="4"/>
             <a:r>
-              <a:rPr kumimoji="1" lang="zh-TW" altLang="en-US" smtClean="0"/>
-              <a:t>第五層</a:t>
-            </a:r>
-            <a:endParaRPr kumimoji="1" lang="ja-JP" altLang="en-US"/>
-          </a:p>
-        </p:txBody>
-      </p:sp>
-      <p:sp>
-        <p:nvSpPr>
-          <p:cNvPr id="7" name="図形 6"/>
+              <a:rPr lang="en-US" altLang="zh-TW" smtClean="0"/>
+              <a:t>Fifth level</a:t>
+            </a:r>
+            <a:endParaRPr lang="zh-TW" altLang="en-US"/>
+          </a:p>
+        </p:txBody>
+      </p:sp>
+      <p:sp>
+        <p:nvSpPr>
+          <p:cNvPr id="7" name="日期版面配置區 6"/>
           <p:cNvSpPr>
             <a:spLocks noGrp="1"/>
           </p:cNvSpPr>
@@ -1881,7 +1786,7 @@
           <a:p>
             <a:fld id="{B4E1890C-BB0B-4CEA-94DB-B768D7819116}" type="datetimeFigureOut">
               <a:rPr lang="zh-TW" altLang="en-US" smtClean="0"/>
-              <a:t>2014/11/2</a:t>
+              <a:t>2022/10/7</a:t>
             </a:fld>
             <a:endParaRPr lang="zh-TW" altLang="en-US"/>
           </a:p>
@@ -1889,7 +1794,7 @@
       </p:sp>
       <p:sp>
         <p:nvSpPr>
-          <p:cNvPr id="8" name="図形 7"/>
+          <p:cNvPr id="8" name="頁尾版面配置區 7"/>
           <p:cNvSpPr>
             <a:spLocks noGrp="1"/>
           </p:cNvSpPr>
@@ -1908,7 +1813,7 @@
       </p:sp>
       <p:sp>
         <p:nvSpPr>
-          <p:cNvPr id="9" name="図形 8"/>
+          <p:cNvPr id="9" name="投影片編號版面配置區 8"/>
           <p:cNvSpPr>
             <a:spLocks noGrp="1"/>
           </p:cNvSpPr>
@@ -1930,6 +1835,11 @@
         </p:txBody>
       </p:sp>
     </p:spTree>
+    <p:extLst>
+      <p:ext uri="{BB962C8B-B14F-4D97-AF65-F5344CB8AC3E}">
+        <p14:creationId xmlns:p14="http://schemas.microsoft.com/office/powerpoint/2010/main" val="4104405400"/>
+      </p:ext>
+    </p:extLst>
   </p:cSld>
   <p:clrMapOvr>
     <a:masterClrMapping/>
@@ -1956,7 +1866,7 @@
       </p:grpSpPr>
       <p:sp>
         <p:nvSpPr>
-          <p:cNvPr id="2" name="図形 1"/>
+          <p:cNvPr id="2" name="標題 1"/>
           <p:cNvSpPr>
             <a:spLocks noGrp="1"/>
           </p:cNvSpPr>
@@ -1964,27 +1874,22 @@
             <p:ph type="title"/>
           </p:nvPr>
         </p:nvSpPr>
-        <p:spPr>
-          <a:xfrm>
-            <a:off x="1671646" y="4572008"/>
-            <a:ext cx="6400816" cy="928686"/>
-          </a:xfrm>
-        </p:spPr>
-        <p:txBody>
-          <a:bodyPr/>
-          <a:lstStyle/>
-          <a:p>
-            <a:r>
-              <a:rPr kumimoji="1" lang="zh-TW" altLang="en-US" smtClean="0"/>
-              <a:t>按一下以編輯母片標題樣式</a:t>
-            </a:r>
-            <a:endParaRPr kumimoji="1" lang="ja-JP" altLang="en-US" dirty="0"/>
-          </a:p>
-        </p:txBody>
-      </p:sp>
-      <p:sp>
-        <p:nvSpPr>
-          <p:cNvPr id="3" name="図形 2"/>
+        <p:spPr/>
+        <p:txBody>
+          <a:bodyPr/>
+          <a:lstStyle/>
+          <a:p>
+            <a:r>
+              <a:rPr lang="en-US" altLang="zh-TW" smtClean="0"/>
+              <a:t>Click to edit Master title style</a:t>
+            </a:r>
+            <a:endParaRPr lang="zh-TW" altLang="en-US"/>
+          </a:p>
+        </p:txBody>
+      </p:sp>
+      <p:sp>
+        <p:nvSpPr>
+          <p:cNvPr id="3" name="日期版面配置區 2"/>
           <p:cNvSpPr>
             <a:spLocks noGrp="1"/>
           </p:cNvSpPr>
@@ -1999,7 +1904,7 @@
           <a:p>
             <a:fld id="{B4E1890C-BB0B-4CEA-94DB-B768D7819116}" type="datetimeFigureOut">
               <a:rPr lang="zh-TW" altLang="en-US" smtClean="0"/>
-              <a:t>2014/11/2</a:t>
+              <a:t>2022/10/7</a:t>
             </a:fld>
             <a:endParaRPr lang="zh-TW" altLang="en-US"/>
           </a:p>
@@ -2007,7 +1912,7 @@
       </p:sp>
       <p:sp>
         <p:nvSpPr>
-          <p:cNvPr id="4" name="図形 3"/>
+          <p:cNvPr id="4" name="頁尾版面配置區 3"/>
           <p:cNvSpPr>
             <a:spLocks noGrp="1"/>
           </p:cNvSpPr>
@@ -2026,7 +1931,7 @@
       </p:sp>
       <p:sp>
         <p:nvSpPr>
-          <p:cNvPr id="5" name="図形 4"/>
+          <p:cNvPr id="5" name="投影片編號版面配置區 4"/>
           <p:cNvSpPr>
             <a:spLocks noGrp="1"/>
           </p:cNvSpPr>
@@ -2048,6 +1953,11 @@
         </p:txBody>
       </p:sp>
     </p:spTree>
+    <p:extLst>
+      <p:ext uri="{BB962C8B-B14F-4D97-AF65-F5344CB8AC3E}">
+        <p14:creationId xmlns:p14="http://schemas.microsoft.com/office/powerpoint/2010/main" val="4122424984"/>
+      </p:ext>
+    </p:extLst>
   </p:cSld>
   <p:clrMapOvr>
     <a:masterClrMapping/>
@@ -2074,7 +1984,7 @@
       </p:grpSpPr>
       <p:sp>
         <p:nvSpPr>
-          <p:cNvPr id="2" name="図形 1"/>
+          <p:cNvPr id="2" name="日期版面配置區 1"/>
           <p:cNvSpPr>
             <a:spLocks noGrp="1"/>
           </p:cNvSpPr>
@@ -2089,7 +1999,7 @@
           <a:p>
             <a:fld id="{B4E1890C-BB0B-4CEA-94DB-B768D7819116}" type="datetimeFigureOut">
               <a:rPr lang="zh-TW" altLang="en-US" smtClean="0"/>
-              <a:t>2014/11/2</a:t>
+              <a:t>2022/10/7</a:t>
             </a:fld>
             <a:endParaRPr lang="zh-TW" altLang="en-US"/>
           </a:p>
@@ -2097,7 +2007,7 @@
       </p:sp>
       <p:sp>
         <p:nvSpPr>
-          <p:cNvPr id="3" name="図形 2"/>
+          <p:cNvPr id="3" name="頁尾版面配置區 2"/>
           <p:cNvSpPr>
             <a:spLocks noGrp="1"/>
           </p:cNvSpPr>
@@ -2116,7 +2026,7 @@
       </p:sp>
       <p:sp>
         <p:nvSpPr>
-          <p:cNvPr id="4" name="図形 3"/>
+          <p:cNvPr id="4" name="投影片編號版面配置區 3"/>
           <p:cNvSpPr>
             <a:spLocks noGrp="1"/>
           </p:cNvSpPr>
@@ -2138,6 +2048,11 @@
         </p:txBody>
       </p:sp>
     </p:spTree>
+    <p:extLst>
+      <p:ext uri="{BB962C8B-B14F-4D97-AF65-F5344CB8AC3E}">
+        <p14:creationId xmlns:p14="http://schemas.microsoft.com/office/powerpoint/2010/main" val="3197807505"/>
+      </p:ext>
+    </p:extLst>
   </p:cSld>
   <p:clrMapOvr>
     <a:masterClrMapping/>
@@ -2164,7 +2079,7 @@
       </p:grpSpPr>
       <p:sp>
         <p:nvSpPr>
-          <p:cNvPr id="2" name="図形 1"/>
+          <p:cNvPr id="2" name="標題 1"/>
           <p:cNvSpPr>
             <a:spLocks noGrp="1"/>
           </p:cNvSpPr>
@@ -2174,29 +2089,29 @@
         </p:nvSpPr>
         <p:spPr>
           <a:xfrm>
-            <a:off x="457200" y="273050"/>
-            <a:ext cx="3008313" cy="1162050"/>
+            <a:off x="609603" y="273049"/>
+            <a:ext cx="4011084" cy="1162051"/>
           </a:xfrm>
         </p:spPr>
         <p:txBody>
           <a:bodyPr anchor="b"/>
           <a:lstStyle>
             <a:lvl1pPr algn="l">
-              <a:defRPr sz="2000" b="1"/>
+              <a:defRPr sz="2667" b="1"/>
             </a:lvl1pPr>
           </a:lstStyle>
           <a:p>
             <a:r>
-              <a:rPr kumimoji="1" lang="zh-TW" altLang="en-US" smtClean="0"/>
-              <a:t>按一下以編輯母片標題樣式</a:t>
-            </a:r>
-            <a:endParaRPr kumimoji="1" lang="ja-JP" altLang="en-US"/>
-          </a:p>
-        </p:txBody>
-      </p:sp>
-      <p:sp>
-        <p:nvSpPr>
-          <p:cNvPr id="3" name="図形 2"/>
+              <a:rPr lang="en-US" altLang="zh-TW" smtClean="0"/>
+              <a:t>Click to edit Master title style</a:t>
+            </a:r>
+            <a:endParaRPr lang="zh-TW" altLang="en-US"/>
+          </a:p>
+        </p:txBody>
+      </p:sp>
+      <p:sp>
+        <p:nvSpPr>
+          <p:cNvPr id="3" name="內容版面配置區 2"/>
           <p:cNvSpPr>
             <a:spLocks noGrp="1"/>
           </p:cNvSpPr>
@@ -2206,82 +2121,82 @@
         </p:nvSpPr>
         <p:spPr>
           <a:xfrm>
-            <a:off x="3575050" y="1428737"/>
-            <a:ext cx="5111750" cy="4697427"/>
+            <a:off x="4766733" y="273053"/>
+            <a:ext cx="6815667" cy="5853113"/>
           </a:xfrm>
         </p:spPr>
         <p:txBody>
           <a:bodyPr/>
           <a:lstStyle>
             <a:lvl1pPr>
-              <a:defRPr sz="3200"/>
+              <a:defRPr sz="4267"/>
             </a:lvl1pPr>
             <a:lvl2pPr>
-              <a:defRPr sz="2800"/>
+              <a:defRPr sz="3733"/>
             </a:lvl2pPr>
             <a:lvl3pPr>
-              <a:defRPr sz="2400"/>
+              <a:defRPr sz="3200"/>
             </a:lvl3pPr>
             <a:lvl4pPr>
-              <a:defRPr sz="2000"/>
+              <a:defRPr sz="2667"/>
             </a:lvl4pPr>
             <a:lvl5pPr>
-              <a:defRPr sz="2000"/>
+              <a:defRPr sz="2667"/>
             </a:lvl5pPr>
             <a:lvl6pPr>
-              <a:defRPr sz="2000"/>
+              <a:defRPr sz="2667"/>
             </a:lvl6pPr>
             <a:lvl7pPr>
-              <a:defRPr sz="2000"/>
+              <a:defRPr sz="2667"/>
             </a:lvl7pPr>
             <a:lvl8pPr>
-              <a:defRPr sz="2000"/>
+              <a:defRPr sz="2667"/>
             </a:lvl8pPr>
             <a:lvl9pPr>
-              <a:defRPr sz="2000"/>
+              <a:defRPr sz="2667"/>
             </a:lvl9pPr>
           </a:lstStyle>
           <a:p>
             <a:pPr lvl="0"/>
             <a:r>
-              <a:rPr kumimoji="1" lang="zh-TW" altLang="en-US" smtClean="0"/>
-              <a:t>按一下以編輯母片文字樣式</a:t>
+              <a:rPr lang="en-US" altLang="zh-TW" smtClean="0"/>
+              <a:t>Edit Master text styles</a:t>
             </a:r>
           </a:p>
           <a:p>
             <a:pPr lvl="1"/>
             <a:r>
-              <a:rPr kumimoji="1" lang="zh-TW" altLang="en-US" smtClean="0"/>
-              <a:t>第二層</a:t>
+              <a:rPr lang="en-US" altLang="zh-TW" smtClean="0"/>
+              <a:t>Second level</a:t>
             </a:r>
           </a:p>
           <a:p>
             <a:pPr lvl="2"/>
             <a:r>
-              <a:rPr kumimoji="1" lang="zh-TW" altLang="en-US" smtClean="0"/>
-              <a:t>第三層</a:t>
+              <a:rPr lang="en-US" altLang="zh-TW" smtClean="0"/>
+              <a:t>Third level</a:t>
             </a:r>
           </a:p>
           <a:p>
             <a:pPr lvl="3"/>
             <a:r>
-              <a:rPr kumimoji="1" lang="zh-TW" altLang="en-US" smtClean="0"/>
-              <a:t>第四層</a:t>
+              <a:rPr lang="en-US" altLang="zh-TW" smtClean="0"/>
+              <a:t>Fourth level</a:t>
             </a:r>
           </a:p>
           <a:p>
             <a:pPr lvl="4"/>
             <a:r>
-              <a:rPr kumimoji="1" lang="zh-TW" altLang="en-US" smtClean="0"/>
-              <a:t>第五層</a:t>
-            </a:r>
-            <a:endParaRPr kumimoji="1" lang="ja-JP" altLang="en-US" dirty="0"/>
-          </a:p>
-        </p:txBody>
-      </p:sp>
-      <p:sp>
-        <p:nvSpPr>
-          <p:cNvPr id="4" name="図形 3"/>
+              <a:rPr lang="en-US" altLang="zh-TW" smtClean="0"/>
+              <a:t>Fifth level</a:t>
+            </a:r>
+            <a:endParaRPr lang="zh-TW" altLang="en-US"/>
+          </a:p>
+        </p:txBody>
+      </p:sp>
+      <p:sp>
+        <p:nvSpPr>
+          <p:cNvPr id="4" name="文字版面配置區 3"/>
           <p:cNvSpPr>
             <a:spLocks noGrp="1"/>
           </p:cNvSpPr>
@@ -2291,8 +2206,8 @@
         </p:nvSpPr>
         <p:spPr>
           <a:xfrm>
-            <a:off x="457200" y="1435100"/>
-            <a:ext cx="3008313" cy="4691063"/>
+            <a:off x="609603" y="1435103"/>
+            <a:ext cx="4011084" cy="4691063"/>
           </a:xfrm>
         </p:spPr>
         <p:txBody>
@@ -2300,82 +2215,53 @@
           <a:lstStyle>
             <a:lvl1pPr marL="0" indent="0">
               <a:buNone/>
-              <a:defRPr sz="1400"/>
+              <a:defRPr sz="1867"/>
             </a:lvl1pPr>
-            <a:lvl2pPr marL="457200" indent="0">
+            <a:lvl2pPr marL="609585" indent="0">
+              <a:buNone/>
+              <a:defRPr sz="1600"/>
+            </a:lvl2pPr>
+            <a:lvl3pPr marL="1219170" indent="0">
+              <a:buNone/>
+              <a:defRPr sz="1333"/>
+            </a:lvl3pPr>
+            <a:lvl4pPr marL="1828754" indent="0">
               <a:buNone/>
               <a:defRPr sz="1200"/>
-            </a:lvl2pPr>
-            <a:lvl3pPr marL="914400" indent="0">
-              <a:buNone/>
-              <a:defRPr sz="1000"/>
-            </a:lvl3pPr>
-            <a:lvl4pPr marL="1371600" indent="0">
-              <a:buNone/>
-              <a:defRPr sz="900"/>
             </a:lvl4pPr>
-            <a:lvl5pPr marL="1828800" indent="0">
-              <a:buNone/>
-              <a:defRPr sz="900"/>
+            <a:lvl5pPr marL="2438339" indent="0">
+              <a:buNone/>
+              <a:defRPr sz="1200"/>
             </a:lvl5pPr>
-            <a:lvl6pPr marL="2286000" indent="0">
-              <a:buNone/>
-              <a:defRPr sz="900"/>
+            <a:lvl6pPr marL="3047924" indent="0">
+              <a:buNone/>
+              <a:defRPr sz="1200"/>
             </a:lvl6pPr>
-            <a:lvl7pPr marL="2743200" indent="0">
-              <a:buNone/>
-              <a:defRPr sz="900"/>
+            <a:lvl7pPr marL="3657509" indent="0">
+              <a:buNone/>
+              <a:defRPr sz="1200"/>
             </a:lvl7pPr>
-            <a:lvl8pPr marL="3200400" indent="0">
-              <a:buNone/>
-              <a:defRPr sz="900"/>
+            <a:lvl8pPr marL="4267093" indent="0">
+              <a:buNone/>
+              <a:defRPr sz="1200"/>
             </a:lvl8pPr>
-            <a:lvl9pPr marL="3657600" indent="0">
-              <a:buNone/>
-              <a:defRPr sz="900"/>
+            <a:lvl9pPr marL="4876678" indent="0">
+              <a:buNone/>
+              <a:defRPr sz="1200"/>
             </a:lvl9pPr>
           </a:lstStyle>
           <a:p>
             <a:pPr lvl="0"/>
             <a:r>
-              <a:rPr kumimoji="1" lang="zh-TW" altLang="en-US" smtClean="0"/>
-              <a:t>按一下以編輯母片文字樣式</a:t>
-            </a:r>
-          </a:p>
-          <a:p>
-            <a:pPr lvl="1"/>
-            <a:r>
-              <a:rPr kumimoji="1" lang="zh-TW" altLang="en-US" smtClean="0"/>
-              <a:t>第二層</a:t>
-            </a:r>
-          </a:p>
-          <a:p>
-            <a:pPr lvl="2"/>
-            <a:r>
-              <a:rPr kumimoji="1" lang="zh-TW" altLang="en-US" smtClean="0"/>
-              <a:t>第三層</a:t>
-            </a:r>
-          </a:p>
-          <a:p>
-            <a:pPr lvl="3"/>
-            <a:r>
-              <a:rPr kumimoji="1" lang="zh-TW" altLang="en-US" smtClean="0"/>
-              <a:t>第四層</a:t>
-            </a:r>
-          </a:p>
-          <a:p>
-            <a:pPr lvl="4"/>
-            <a:r>
-              <a:rPr kumimoji="1" lang="zh-TW" altLang="en-US" smtClean="0"/>
-              <a:t>第五層</a:t>
-            </a:r>
-            <a:endParaRPr lang="ja-JP"/>
-          </a:p>
-        </p:txBody>
-      </p:sp>
-      <p:sp>
-        <p:nvSpPr>
-          <p:cNvPr id="5" name="図形 4"/>
+              <a:rPr lang="en-US" altLang="zh-TW" smtClean="0"/>
+              <a:t>Edit Master text styles</a:t>
+            </a:r>
+          </a:p>
+        </p:txBody>
+      </p:sp>
+      <p:sp>
+        <p:nvSpPr>
+          <p:cNvPr id="5" name="日期版面配置區 4"/>
           <p:cNvSpPr>
             <a:spLocks noGrp="1"/>
           </p:cNvSpPr>
@@ -2390,7 +2276,7 @@
           <a:p>
             <a:fld id="{B4E1890C-BB0B-4CEA-94DB-B768D7819116}" type="datetimeFigureOut">
               <a:rPr lang="zh-TW" altLang="en-US" smtClean="0"/>
-              <a:t>2014/11/2</a:t>
+              <a:t>2022/10/7</a:t>
             </a:fld>
             <a:endParaRPr lang="zh-TW" altLang="en-US"/>
           </a:p>
@@ -2398,7 +2284,7 @@
       </p:sp>
       <p:sp>
         <p:nvSpPr>
-          <p:cNvPr id="6" name="図形 5"/>
+          <p:cNvPr id="6" name="頁尾版面配置區 5"/>
           <p:cNvSpPr>
             <a:spLocks noGrp="1"/>
           </p:cNvSpPr>
@@ -2417,7 +2303,7 @@
       </p:sp>
       <p:sp>
         <p:nvSpPr>
-          <p:cNvPr id="7" name="図形 6"/>
+          <p:cNvPr id="7" name="投影片編號版面配置區 6"/>
           <p:cNvSpPr>
             <a:spLocks noGrp="1"/>
           </p:cNvSpPr>
@@ -2439,6 +2325,11 @@
         </p:txBody>
       </p:sp>
     </p:spTree>
+    <p:extLst>
+      <p:ext uri="{BB962C8B-B14F-4D97-AF65-F5344CB8AC3E}">
+        <p14:creationId xmlns:p14="http://schemas.microsoft.com/office/powerpoint/2010/main" val="13783747"/>
+      </p:ext>
+    </p:extLst>
   </p:cSld>
   <p:clrMapOvr>
     <a:masterClrMapping/>
@@ -2447,7 +2338,7 @@
 </file>
 
 <file path=ppt/slideLayouts/slideLayout9.xml><?xml version="1.0" encoding="utf-8"?>
-<p:sldLayout xmlns:a="http://schemas.openxmlformats.org/drawingml/2006/main" xmlns:r="http://schemas.openxmlformats.org/officeDocument/2006/relationships" xmlns:p="http://schemas.openxmlformats.org/presentationml/2006/main" showMasterSp="0" type="picTx" preserve="1">
+<p:sldLayout xmlns:a="http://schemas.openxmlformats.org/drawingml/2006/main" xmlns:r="http://schemas.openxmlformats.org/officeDocument/2006/relationships" xmlns:p="http://schemas.openxmlformats.org/presentationml/2006/main" type="picTx" preserve="1">
   <p:cSld name="含標題的圖片">
     <p:spTree>
       <p:nvGrpSpPr>
@@ -2465,7 +2356,7 @@
       </p:grpSpPr>
       <p:sp>
         <p:nvSpPr>
-          <p:cNvPr id="2" name="図形 1"/>
+          <p:cNvPr id="2" name="標題 1"/>
           <p:cNvSpPr>
             <a:spLocks noGrp="1"/>
           </p:cNvSpPr>
@@ -2475,29 +2366,29 @@
         </p:nvSpPr>
         <p:spPr>
           <a:xfrm>
-            <a:off x="1792288" y="5014914"/>
-            <a:ext cx="5486400" cy="414350"/>
+            <a:off x="2389717" y="4800601"/>
+            <a:ext cx="7315200" cy="566739"/>
           </a:xfrm>
         </p:spPr>
         <p:txBody>
           <a:bodyPr anchor="b"/>
           <a:lstStyle>
-            <a:lvl1pPr algn="ctr">
-              <a:defRPr sz="2000" b="1"/>
+            <a:lvl1pPr algn="l">
+              <a:defRPr sz="2667" b="1"/>
             </a:lvl1pPr>
           </a:lstStyle>
           <a:p>
             <a:r>
-              <a:rPr kumimoji="1" lang="zh-TW" altLang="en-US" smtClean="0"/>
-              <a:t>按一下以編輯母片標題樣式</a:t>
-            </a:r>
-            <a:endParaRPr kumimoji="1" lang="ja-JP" altLang="en-US" dirty="0"/>
-          </a:p>
-        </p:txBody>
-      </p:sp>
-      <p:sp>
-        <p:nvSpPr>
-          <p:cNvPr id="3" name="正方形/長方形 2"/>
+              <a:rPr lang="en-US" altLang="zh-TW" smtClean="0"/>
+              <a:t>Click to edit Master title style</a:t>
+            </a:r>
+            <a:endParaRPr lang="zh-TW" altLang="en-US"/>
+          </a:p>
+        </p:txBody>
+      </p:sp>
+      <p:sp>
+        <p:nvSpPr>
+          <p:cNvPr id="3" name="圖片版面配置區 2"/>
           <p:cNvSpPr>
             <a:spLocks noGrp="1"/>
           </p:cNvSpPr>
@@ -2507,79 +2398,62 @@
         </p:nvSpPr>
         <p:spPr>
           <a:xfrm>
-            <a:off x="1792288" y="742960"/>
-            <a:ext cx="5486400" cy="4114800"/>
+            <a:off x="2389717" y="612775"/>
+            <a:ext cx="7315200" cy="4114800"/>
           </a:xfrm>
-          <a:prstGeom prst="rect">
-            <a:avLst/>
-          </a:prstGeom>
-          <a:noFill/>
-          <a:ln w="50800" cap="sq">
-            <a:solidFill>
-              <a:schemeClr val="tx1"/>
-            </a:solidFill>
-            <a:miter lim="800000"/>
-          </a:ln>
-          <a:effectLst>
-            <a:outerShdw blurRad="76200" dist="50800" dir="13500000" algn="tl" rotWithShape="0">
-              <a:schemeClr val="bg1">
-                <a:alpha val="80000"/>
-              </a:schemeClr>
-            </a:outerShdw>
-          </a:effectLst>
         </p:spPr>
         <p:txBody>
           <a:bodyPr/>
           <a:lstStyle>
             <a:lvl1pPr marL="0" indent="0">
               <a:buNone/>
+              <a:defRPr sz="4267"/>
+            </a:lvl1pPr>
+            <a:lvl2pPr marL="609585" indent="0">
+              <a:buNone/>
+              <a:defRPr sz="3733"/>
+            </a:lvl2pPr>
+            <a:lvl3pPr marL="1219170" indent="0">
+              <a:buNone/>
               <a:defRPr sz="3200"/>
-            </a:lvl1pPr>
-            <a:lvl2pPr marL="457200" indent="0">
-              <a:buNone/>
-              <a:defRPr sz="2800"/>
-            </a:lvl2pPr>
-            <a:lvl3pPr marL="914400" indent="0">
-              <a:buNone/>
-              <a:defRPr sz="2400"/>
             </a:lvl3pPr>
-            <a:lvl4pPr marL="1371600" indent="0">
-              <a:buNone/>
-              <a:defRPr sz="2000"/>
+            <a:lvl4pPr marL="1828754" indent="0">
+              <a:buNone/>
+              <a:defRPr sz="2667"/>
             </a:lvl4pPr>
-            <a:lvl5pPr marL="1828800" indent="0">
-              <a:buNone/>
-              <a:defRPr sz="2000"/>
+            <a:lvl5pPr marL="2438339" indent="0">
+              <a:buNone/>
+              <a:defRPr sz="2667"/>
             </a:lvl5pPr>
-            <a:lvl6pPr marL="2286000" indent="0">
-              <a:buNone/>
-              <a:defRPr sz="2000"/>
+            <a:lvl6pPr marL="3047924" indent="0">
+              <a:buNone/>
+              <a:defRPr sz="2667"/>
             </a:lvl6pPr>
-            <a:lvl7pPr marL="2743200" indent="0">
-              <a:buNone/>
-              <a:defRPr sz="2000"/>
+            <a:lvl7pPr marL="3657509" indent="0">
+              <a:buNone/>
+              <a:defRPr sz="2667"/>
             </a:lvl7pPr>
-            <a:lvl8pPr marL="3200400" indent="0">
-              <a:buNone/>
-              <a:defRPr sz="2000"/>
+            <a:lvl8pPr marL="4267093" indent="0">
+              <a:buNone/>
+              <a:defRPr sz="2667"/>
             </a:lvl8pPr>
-            <a:lvl9pPr marL="3657600" indent="0">
-              <a:buNone/>
-              <a:defRPr sz="2000"/>
+            <a:lvl9pPr marL="4876678" indent="0">
+              <a:buNone/>
+              <a:defRPr sz="2667"/>
             </a:lvl9pPr>
           </a:lstStyle>
           <a:p>
             <a:r>
-              <a:rPr kumimoji="1" lang="zh-TW" altLang="en-US" smtClean="0"/>
-              <a:t>按一下圖示以新增圖片</a:t>
-            </a:r>
-            <a:endParaRPr kumimoji="1" lang="ja-JP" altLang="en-US" dirty="0"/>
-          </a:p>
-        </p:txBody>
-      </p:sp>
-      <p:sp>
-        <p:nvSpPr>
-          <p:cNvPr id="4" name="図形 3"/>
+              <a:rPr lang="en-US" altLang="zh-TW" smtClean="0"/>
+              <a:t>Click icon to add picture</a:t>
+            </a:r>
+            <a:endParaRPr lang="zh-TW" altLang="en-US"/>
+          </a:p>
+        </p:txBody>
+      </p:sp>
+      <p:sp>
+        <p:nvSpPr>
+          <p:cNvPr id="4" name="文字版面配置區 3"/>
           <p:cNvSpPr>
             <a:spLocks noGrp="1"/>
           </p:cNvSpPr>
@@ -2589,91 +2463,62 @@
         </p:nvSpPr>
         <p:spPr>
           <a:xfrm>
-            <a:off x="1792288" y="5481658"/>
-            <a:ext cx="5486400" cy="804862"/>
+            <a:off x="2389717" y="5367339"/>
+            <a:ext cx="7315200" cy="804863"/>
           </a:xfrm>
         </p:spPr>
         <p:txBody>
           <a:bodyPr/>
           <a:lstStyle>
-            <a:lvl1pPr marL="0" indent="0" algn="ctr">
-              <a:buNone/>
-              <a:defRPr sz="1400"/>
+            <a:lvl1pPr marL="0" indent="0">
+              <a:buNone/>
+              <a:defRPr sz="1867"/>
             </a:lvl1pPr>
-            <a:lvl2pPr marL="457200" indent="0" algn="ctr">
+            <a:lvl2pPr marL="609585" indent="0">
+              <a:buNone/>
+              <a:defRPr sz="1600"/>
+            </a:lvl2pPr>
+            <a:lvl3pPr marL="1219170" indent="0">
+              <a:buNone/>
+              <a:defRPr sz="1333"/>
+            </a:lvl3pPr>
+            <a:lvl4pPr marL="1828754" indent="0">
               <a:buNone/>
               <a:defRPr sz="1200"/>
-            </a:lvl2pPr>
-            <a:lvl3pPr marL="914400" indent="0" algn="ctr">
-              <a:buNone/>
-              <a:defRPr sz="1000"/>
-            </a:lvl3pPr>
-            <a:lvl4pPr marL="1371600" indent="0" algn="ctr">
-              <a:buNone/>
-              <a:defRPr sz="900"/>
             </a:lvl4pPr>
-            <a:lvl5pPr marL="1828800" indent="0" algn="ctr">
-              <a:buNone/>
-              <a:defRPr sz="900"/>
+            <a:lvl5pPr marL="2438339" indent="0">
+              <a:buNone/>
+              <a:defRPr sz="1200"/>
             </a:lvl5pPr>
-            <a:lvl6pPr marL="2286000" indent="0">
-              <a:buNone/>
-              <a:defRPr sz="900"/>
+            <a:lvl6pPr marL="3047924" indent="0">
+              <a:buNone/>
+              <a:defRPr sz="1200"/>
             </a:lvl6pPr>
-            <a:lvl7pPr marL="2743200" indent="0">
-              <a:buNone/>
-              <a:defRPr sz="900"/>
+            <a:lvl7pPr marL="3657509" indent="0">
+              <a:buNone/>
+              <a:defRPr sz="1200"/>
             </a:lvl7pPr>
-            <a:lvl8pPr marL="3200400" indent="0">
-              <a:buNone/>
-              <a:defRPr sz="900"/>
+            <a:lvl8pPr marL="4267093" indent="0">
+              <a:buNone/>
+              <a:defRPr sz="1200"/>
             </a:lvl8pPr>
-            <a:lvl9pPr marL="3657600" indent="0">
-              <a:buNone/>
-              <a:defRPr sz="900"/>
+            <a:lvl9pPr marL="4876678" indent="0">
+              <a:buNone/>
+              <a:defRPr sz="1200"/>
             </a:lvl9pPr>
           </a:lstStyle>
           <a:p>
             <a:pPr lvl="0"/>
             <a:r>
-              <a:rPr kumimoji="1" lang="zh-TW" altLang="en-US" smtClean="0"/>
-              <a:t>按一下以編輯母片文字樣式</a:t>
-            </a:r>
-          </a:p>
-          <a:p>
-            <a:pPr lvl="1"/>
-            <a:r>
-              <a:rPr kumimoji="1" lang="zh-TW" altLang="en-US" smtClean="0"/>
-              <a:t>第二層</a:t>
-            </a:r>
-          </a:p>
-          <a:p>
-            <a:pPr lvl="2"/>
-            <a:r>
-              <a:rPr kumimoji="1" lang="zh-TW" altLang="en-US" smtClean="0"/>
-              <a:t>第三層</a:t>
-            </a:r>
-          </a:p>
-          <a:p>
-            <a:pPr lvl="3"/>
-            <a:r>
-              <a:rPr kumimoji="1" lang="zh-TW" altLang="en-US" smtClean="0"/>
-              <a:t>第四層</a:t>
-            </a:r>
-          </a:p>
-          <a:p>
-            <a:pPr lvl="4"/>
-            <a:r>
-              <a:rPr kumimoji="1" lang="zh-TW" altLang="en-US" smtClean="0"/>
-              <a:t>第五層</a:t>
-            </a:r>
-            <a:endParaRPr lang="ja-JP" dirty="0"/>
-          </a:p>
-        </p:txBody>
-      </p:sp>
-      <p:sp>
-        <p:nvSpPr>
-          <p:cNvPr id="5" name="図形 4"/>
+              <a:rPr lang="en-US" altLang="zh-TW" smtClean="0"/>
+              <a:t>Edit Master text styles</a:t>
+            </a:r>
+          </a:p>
+        </p:txBody>
+      </p:sp>
+      <p:sp>
+        <p:nvSpPr>
+          <p:cNvPr id="5" name="日期版面配置區 4"/>
           <p:cNvSpPr>
             <a:spLocks noGrp="1"/>
           </p:cNvSpPr>
@@ -2688,7 +2533,7 @@
           <a:p>
             <a:fld id="{B4E1890C-BB0B-4CEA-94DB-B768D7819116}" type="datetimeFigureOut">
               <a:rPr lang="zh-TW" altLang="en-US" smtClean="0"/>
-              <a:t>2014/11/2</a:t>
+              <a:t>2022/10/7</a:t>
             </a:fld>
             <a:endParaRPr lang="zh-TW" altLang="en-US"/>
           </a:p>
@@ -2696,7 +2541,7 @@
       </p:sp>
       <p:sp>
         <p:nvSpPr>
-          <p:cNvPr id="6" name="図形 5"/>
+          <p:cNvPr id="6" name="頁尾版面配置區 5"/>
           <p:cNvSpPr>
             <a:spLocks noGrp="1"/>
           </p:cNvSpPr>
@@ -2715,7 +2560,7 @@
       </p:sp>
       <p:sp>
         <p:nvSpPr>
-          <p:cNvPr id="7" name="図形 6"/>
+          <p:cNvPr id="7" name="投影片編號版面配置區 6"/>
           <p:cNvSpPr>
             <a:spLocks noGrp="1"/>
           </p:cNvSpPr>
@@ -2737,6 +2582,11 @@
         </p:txBody>
       </p:sp>
     </p:spTree>
+    <p:extLst>
+      <p:ext uri="{BB962C8B-B14F-4D97-AF65-F5344CB8AC3E}">
+        <p14:creationId xmlns:p14="http://schemas.microsoft.com/office/powerpoint/2010/main" val="1097877064"/>
+      </p:ext>
+    </p:extLst>
   </p:cSld>
   <p:clrMapOvr>
     <a:masterClrMapping/>
@@ -2748,9 +2598,14 @@
 <p:sldMaster xmlns:a="http://schemas.openxmlformats.org/drawingml/2006/main" xmlns:r="http://schemas.openxmlformats.org/officeDocument/2006/relationships" xmlns:p="http://schemas.openxmlformats.org/presentationml/2006/main">
   <p:cSld>
     <p:bg>
-      <p:bgRef idx="1003">
-        <a:schemeClr val="bg2"/>
-      </p:bgRef>
+      <p:bgPr>
+        <a:blipFill dpi="0" rotWithShape="1">
+          <a:blip r:embed="rId13"/>
+          <a:srcRect/>
+          <a:tile tx="0" ty="0" sx="100000" sy="100000" flip="none" algn="tl"/>
+        </a:blipFill>
+        <a:effectLst/>
+      </p:bgPr>
     </p:bg>
     <p:spTree>
       <p:nvGrpSpPr>
@@ -2768,129 +2623,123 @@
       </p:grpSpPr>
       <p:sp>
         <p:nvSpPr>
-          <p:cNvPr id="18" name="正方形/長方形 17"/>
-          <p:cNvSpPr>
-            <a:spLocks noGrp="1"/>
-          </p:cNvSpPr>
-          <p:nvPr>
-            <p:ph type="body" idx="1"/>
+          <p:cNvPr id="2" name="標題版面配置區 1"/>
+          <p:cNvSpPr>
+            <a:spLocks noGrp="1"/>
+          </p:cNvSpPr>
+          <p:nvPr>
+            <p:ph type="title"/>
           </p:nvPr>
         </p:nvSpPr>
         <p:spPr>
           <a:xfrm>
-            <a:off x="457200" y="1600200"/>
-            <a:ext cx="8229600" cy="4525963"/>
+            <a:off x="609600" y="274637"/>
+            <a:ext cx="10972800" cy="1143000"/>
           </a:xfrm>
           <a:prstGeom prst="rect">
             <a:avLst/>
           </a:prstGeom>
         </p:spPr>
         <p:txBody>
-          <a:bodyPr vert="horz" rtlCol="0">
+          <a:bodyPr vert="horz" lIns="91440" tIns="45720" rIns="91440" bIns="45720" rtlCol="0" anchor="ctr">
             <a:normAutofit/>
           </a:bodyPr>
           <a:lstStyle/>
           <a:p>
-            <a:pPr lvl="0"/>
-            <a:r>
-              <a:rPr kumimoji="1" lang="zh-TW" altLang="en-US" smtClean="0"/>
-              <a:t>按一下以編輯母片文字樣式</a:t>
-            </a:r>
-          </a:p>
-          <a:p>
-            <a:pPr lvl="1"/>
-            <a:r>
-              <a:rPr kumimoji="1" lang="zh-TW" altLang="en-US" smtClean="0"/>
-              <a:t>第二層</a:t>
-            </a:r>
-          </a:p>
-          <a:p>
-            <a:pPr lvl="2"/>
-            <a:r>
-              <a:rPr kumimoji="1" lang="zh-TW" altLang="en-US" smtClean="0"/>
-              <a:t>第三層</a:t>
-            </a:r>
-          </a:p>
-          <a:p>
-            <a:pPr lvl="3"/>
-            <a:r>
-              <a:rPr kumimoji="1" lang="zh-TW" altLang="en-US" smtClean="0"/>
-              <a:t>第四層</a:t>
-            </a:r>
-          </a:p>
-          <a:p>
-            <a:pPr lvl="4"/>
-            <a:r>
-              <a:rPr kumimoji="1" lang="zh-TW" altLang="en-US" smtClean="0"/>
-              <a:t>第五層</a:t>
-            </a:r>
-            <a:endParaRPr kumimoji="1" lang="ja-JP" altLang="en-US" dirty="0"/>
-          </a:p>
-        </p:txBody>
-      </p:sp>
-      <p:sp>
-        <p:nvSpPr>
-          <p:cNvPr id="29" name="正方形/長方形 28"/>
-          <p:cNvSpPr>
-            <a:spLocks noGrp="1"/>
-          </p:cNvSpPr>
-          <p:nvPr>
-            <p:ph type="dt" sz="half" idx="2"/>
+            <a:r>
+              <a:rPr lang="zh-TW" altLang="en-US" smtClean="0"/>
+              <a:t>按一下以編輯母片標題樣式</a:t>
+            </a:r>
+            <a:endParaRPr lang="zh-TW" altLang="en-US"/>
+          </a:p>
+        </p:txBody>
+      </p:sp>
+      <p:sp>
+        <p:nvSpPr>
+          <p:cNvPr id="3" name="文字版面配置區 2"/>
+          <p:cNvSpPr>
+            <a:spLocks noGrp="1"/>
+          </p:cNvSpPr>
+          <p:nvPr>
+            <p:ph type="body" idx="1"/>
           </p:nvPr>
         </p:nvSpPr>
         <p:spPr>
           <a:xfrm>
-            <a:off x="457200" y="6356350"/>
-            <a:ext cx="2133600" cy="365125"/>
+            <a:off x="609600" y="1600201"/>
+            <a:ext cx="10972800" cy="4525963"/>
           </a:xfrm>
           <a:prstGeom prst="rect">
             <a:avLst/>
           </a:prstGeom>
         </p:spPr>
         <p:txBody>
-          <a:bodyPr vert="horz" rtlCol="0" anchor="ctr"/>
-          <a:lstStyle>
-            <a:lvl1pPr algn="l">
-              <a:defRPr sz="1200">
-                <a:solidFill>
-                  <a:schemeClr val="bg1"/>
-                </a:solidFill>
-              </a:defRPr>
-            </a:lvl1pPr>
-          </a:lstStyle>
-          <a:p>
-            <a:fld id="{B4E1890C-BB0B-4CEA-94DB-B768D7819116}" type="datetimeFigureOut">
+          <a:bodyPr vert="horz" lIns="91440" tIns="45720" rIns="91440" bIns="45720" rtlCol="0">
+            <a:normAutofit/>
+          </a:bodyPr>
+          <a:lstStyle/>
+          <a:p>
+            <a:pPr lvl="0"/>
+            <a:r>
               <a:rPr lang="zh-TW" altLang="en-US" smtClean="0"/>
-              <a:t>2014/11/2</a:t>
-            </a:fld>
-            <a:endParaRPr lang="zh-TW" altLang="en-US"/>
-          </a:p>
-        </p:txBody>
-      </p:sp>
-      <p:sp>
-        <p:nvSpPr>
-          <p:cNvPr id="4" name="正方形/長方形 3"/>
-          <p:cNvSpPr>
-            <a:spLocks noGrp="1"/>
-          </p:cNvSpPr>
-          <p:nvPr>
-            <p:ph type="ftr" sz="quarter" idx="3"/>
+              <a:t>按一下以編輯母片文字樣式</a:t>
+            </a:r>
+          </a:p>
+          <a:p>
+            <a:pPr lvl="1"/>
+            <a:r>
+              <a:rPr lang="zh-TW" altLang="en-US" smtClean="0"/>
+              <a:t>第二層</a:t>
+            </a:r>
+          </a:p>
+          <a:p>
+            <a:pPr lvl="2"/>
+            <a:r>
+              <a:rPr lang="zh-TW" altLang="en-US" smtClean="0"/>
+              <a:t>第三層</a:t>
+            </a:r>
+          </a:p>
+          <a:p>
+            <a:pPr lvl="3"/>
+            <a:r>
+              <a:rPr lang="zh-TW" altLang="en-US" smtClean="0"/>
+              <a:t>第四層</a:t>
+            </a:r>
+          </a:p>
+          <a:p>
+            <a:pPr lvl="4"/>
+            <a:r>
+              <a:rPr lang="zh-TW" altLang="en-US" smtClean="0"/>
+              <a:t>第五層</a:t>
+            </a:r>
+            <a:endParaRPr lang="zh-TW" altLang="en-US"/>
+          </a:p>
+        </p:txBody>
+      </p:sp>
+      <p:sp>
+        <p:nvSpPr>
+          <p:cNvPr id="4" name="日期版面配置區 3"/>
+          <p:cNvSpPr>
+            <a:spLocks noGrp="1"/>
+          </p:cNvSpPr>
+          <p:nvPr>
+            <p:ph type="dt" sz="half" idx="2"/>
           </p:nvPr>
         </p:nvSpPr>
         <p:spPr>
           <a:xfrm>
-            <a:off x="3124200" y="6356350"/>
-            <a:ext cx="2895600" cy="365125"/>
+            <a:off x="609600" y="6356352"/>
+            <a:ext cx="2844800" cy="365125"/>
           </a:xfrm>
           <a:prstGeom prst="rect">
             <a:avLst/>
           </a:prstGeom>
         </p:spPr>
         <p:txBody>
-          <a:bodyPr vert="horz" rtlCol="0" anchor="ctr"/>
+          <a:bodyPr vert="horz" lIns="91440" tIns="45720" rIns="91440" bIns="45720" rtlCol="0" anchor="ctr"/>
           <a:lstStyle>
-            <a:lvl1pPr algn="ctr">
-              <a:defRPr sz="1200">
+            <a:lvl1pPr algn="l">
+              <a:defRPr sz="1600">
                 <a:solidFill>
                   <a:schemeClr val="tx1">
                     <a:tint val="75000"/>
@@ -2900,36 +2749,79 @@
             </a:lvl1pPr>
           </a:lstStyle>
           <a:p>
-            <a:endParaRPr lang="zh-TW" altLang="en-US"/>
-          </a:p>
-        </p:txBody>
-      </p:sp>
-      <p:sp>
-        <p:nvSpPr>
-          <p:cNvPr id="10" name="正方形/長方形 9"/>
-          <p:cNvSpPr>
-            <a:spLocks noGrp="1"/>
-          </p:cNvSpPr>
-          <p:nvPr>
-            <p:ph type="sldNum" sz="quarter" idx="4"/>
+            <a:fld id="{B4E1890C-BB0B-4CEA-94DB-B768D7819116}" type="datetimeFigureOut">
+              <a:rPr lang="zh-TW" altLang="en-US" smtClean="0"/>
+              <a:t>2022/10/7</a:t>
+            </a:fld>
+            <a:endParaRPr lang="zh-TW" altLang="en-US"/>
+          </a:p>
+        </p:txBody>
+      </p:sp>
+      <p:sp>
+        <p:nvSpPr>
+          <p:cNvPr id="5" name="頁尾版面配置區 4"/>
+          <p:cNvSpPr>
+            <a:spLocks noGrp="1"/>
+          </p:cNvSpPr>
+          <p:nvPr>
+            <p:ph type="ftr" sz="quarter" idx="3"/>
           </p:nvPr>
         </p:nvSpPr>
         <p:spPr>
           <a:xfrm>
-            <a:off x="6553200" y="6356350"/>
-            <a:ext cx="2133600" cy="365125"/>
+            <a:off x="4165600" y="6356352"/>
+            <a:ext cx="3860800" cy="365125"/>
           </a:xfrm>
           <a:prstGeom prst="rect">
             <a:avLst/>
           </a:prstGeom>
         </p:spPr>
         <p:txBody>
-          <a:bodyPr vert="horz" rtlCol="0" anchor="ctr"/>
+          <a:bodyPr vert="horz" lIns="91440" tIns="45720" rIns="91440" bIns="45720" rtlCol="0" anchor="ctr"/>
+          <a:lstStyle>
+            <a:lvl1pPr algn="ctr">
+              <a:defRPr sz="1600">
+                <a:solidFill>
+                  <a:schemeClr val="tx1">
+                    <a:tint val="75000"/>
+                  </a:schemeClr>
+                </a:solidFill>
+              </a:defRPr>
+            </a:lvl1pPr>
+          </a:lstStyle>
+          <a:p>
+            <a:endParaRPr lang="zh-TW" altLang="en-US"/>
+          </a:p>
+        </p:txBody>
+      </p:sp>
+      <p:sp>
+        <p:nvSpPr>
+          <p:cNvPr id="6" name="投影片編號版面配置區 5"/>
+          <p:cNvSpPr>
+            <a:spLocks noGrp="1"/>
+          </p:cNvSpPr>
+          <p:nvPr>
+            <p:ph type="sldNum" sz="quarter" idx="4"/>
+          </p:nvPr>
+        </p:nvSpPr>
+        <p:spPr>
+          <a:xfrm>
+            <a:off x="8737600" y="6356352"/>
+            <a:ext cx="2844800" cy="365125"/>
+          </a:xfrm>
+          <a:prstGeom prst="rect">
+            <a:avLst/>
+          </a:prstGeom>
+        </p:spPr>
+        <p:txBody>
+          <a:bodyPr vert="horz" lIns="91440" tIns="45720" rIns="91440" bIns="45720" rtlCol="0" anchor="ctr"/>
           <a:lstStyle>
             <a:lvl1pPr algn="r">
-              <a:defRPr sz="1200">
-                <a:solidFill>
-                  <a:schemeClr val="bg1"/>
+              <a:defRPr sz="1600">
+                <a:solidFill>
+                  <a:schemeClr val="tx1">
+                    <a:tint val="75000"/>
+                  </a:schemeClr>
                 </a:solidFill>
               </a:defRPr>
             </a:lvl1pPr>
@@ -2943,101 +2835,38 @@
           </a:p>
         </p:txBody>
       </p:sp>
-      <p:sp>
-        <p:nvSpPr>
-          <p:cNvPr id="22" name="正方形/長方形 21"/>
-          <p:cNvSpPr>
-            <a:spLocks noGrp="1"/>
-          </p:cNvSpPr>
-          <p:nvPr>
-            <p:ph type="title"/>
-          </p:nvPr>
-        </p:nvSpPr>
-        <p:spPr>
-          <a:xfrm>
-            <a:off x="457200" y="274638"/>
-            <a:ext cx="8229600" cy="1143000"/>
-          </a:xfrm>
-          <a:prstGeom prst="rect">
-            <a:avLst/>
-          </a:prstGeom>
-          <a:noFill/>
-        </p:spPr>
-        <p:txBody>
-          <a:bodyPr vert="horz" rtlCol="0" anchor="ctr">
-            <a:normAutofit/>
-          </a:bodyPr>
-          <a:lstStyle/>
-          <a:p>
-            <a:r>
-              <a:rPr kumimoji="1" lang="zh-TW" altLang="en-US" smtClean="0"/>
-              <a:t>按一下以編輯母片標題樣式</a:t>
-            </a:r>
-            <a:endParaRPr kumimoji="1" lang="ja-JP" altLang="en-US" dirty="0"/>
-          </a:p>
-        </p:txBody>
-      </p:sp>
     </p:spTree>
+    <p:extLst>
+      <p:ext uri="{BB962C8B-B14F-4D97-AF65-F5344CB8AC3E}">
+        <p14:creationId xmlns:p14="http://schemas.microsoft.com/office/powerpoint/2010/main" val="3136878331"/>
+      </p:ext>
+    </p:extLst>
   </p:cSld>
   <p:clrMap bg1="lt1" tx1="dk1" bg2="lt2" tx2="dk2" accent1="accent1" accent2="accent2" accent3="accent3" accent4="accent4" accent5="accent5" accent6="accent6" hlink="hlink" folHlink="folHlink"/>
   <p:sldLayoutIdLst>
-    <p:sldLayoutId id="2147483661" r:id="rId1"/>
-    <p:sldLayoutId id="2147483662" r:id="rId2"/>
-    <p:sldLayoutId id="2147483663" r:id="rId3"/>
-    <p:sldLayoutId id="2147483664" r:id="rId4"/>
-    <p:sldLayoutId id="2147483665" r:id="rId5"/>
-    <p:sldLayoutId id="2147483666" r:id="rId6"/>
-    <p:sldLayoutId id="2147483667" r:id="rId7"/>
-    <p:sldLayoutId id="2147483668" r:id="rId8"/>
-    <p:sldLayoutId id="2147483669" r:id="rId9"/>
-    <p:sldLayoutId id="2147483670" r:id="rId10"/>
-    <p:sldLayoutId id="2147483671" r:id="rId11"/>
+    <p:sldLayoutId id="2147483673" r:id="rId1"/>
+    <p:sldLayoutId id="2147483674" r:id="rId2"/>
+    <p:sldLayoutId id="2147483675" r:id="rId3"/>
+    <p:sldLayoutId id="2147483676" r:id="rId4"/>
+    <p:sldLayoutId id="2147483677" r:id="rId5"/>
+    <p:sldLayoutId id="2147483678" r:id="rId6"/>
+    <p:sldLayoutId id="2147483679" r:id="rId7"/>
+    <p:sldLayoutId id="2147483680" r:id="rId8"/>
+    <p:sldLayoutId id="2147483681" r:id="rId9"/>
+    <p:sldLayoutId id="2147483682" r:id="rId10"/>
+    <p:sldLayoutId id="2147483683" r:id="rId11"/>
   </p:sldLayoutIdLst>
   <p:txStyles>
     <p:titleStyle>
-      <a:lvl1pPr algn="ctr" rtl="0" eaLnBrk="1" latinLnBrk="0" hangingPunct="1">
+      <a:lvl1pPr algn="ctr" defTabSz="1219170" rtl="0" eaLnBrk="1" latinLnBrk="0" hangingPunct="1">
         <a:spcBef>
           <a:spcPct val="0"/>
         </a:spcBef>
         <a:buNone/>
-        <a:defRPr kumimoji="1" sz="4400" baseline="0">
-          <a:ln w="12700">
-            <a:solidFill>
-              <a:schemeClr val="tx1">
-                <a:tint val="95000"/>
-              </a:schemeClr>
-            </a:solidFill>
-          </a:ln>
-          <a:gradFill>
-            <a:gsLst>
-              <a:gs pos="0">
-                <a:schemeClr val="tx1">
-                  <a:tint val="65000"/>
-                </a:schemeClr>
-              </a:gs>
-              <a:gs pos="49900">
-                <a:schemeClr val="tx1">
-                  <a:tint val="95000"/>
-                </a:schemeClr>
-              </a:gs>
-              <a:gs pos="50000">
-                <a:schemeClr val="tx1"/>
-              </a:gs>
-              <a:gs pos="100000">
-                <a:schemeClr val="tx1">
-                  <a:tint val="95000"/>
-                </a:schemeClr>
-              </a:gs>
-            </a:gsLst>
-            <a:lin ang="5400000" scaled="1"/>
-          </a:gradFill>
-          <a:effectLst>
-            <a:outerShdw blurRad="127000" algn="tl" rotWithShape="0">
-              <a:schemeClr val="bg1">
-                <a:alpha val="50000"/>
-              </a:schemeClr>
-            </a:outerShdw>
-          </a:effectLst>
+        <a:defRPr sz="5867" kern="1200">
+          <a:solidFill>
+            <a:schemeClr val="tx1"/>
+          </a:solidFill>
           <a:latin typeface="+mj-lt"/>
           <a:ea typeface="+mj-ea"/>
           <a:cs typeface="+mj-cs"/>
@@ -3045,184 +2874,135 @@
       </a:lvl1pPr>
     </p:titleStyle>
     <p:bodyStyle>
-      <a:lvl1pPr marL="342900" indent="-342900" algn="l" rtl="0" eaLnBrk="1" latinLnBrk="0" hangingPunct="1">
+      <a:lvl1pPr marL="457189" indent="-457189" algn="l" defTabSz="1219170" rtl="0" eaLnBrk="1" latinLnBrk="0" hangingPunct="1">
         <a:spcBef>
           <a:spcPct val="20000"/>
         </a:spcBef>
-        <a:buClr>
-          <a:schemeClr val="tx1"/>
-        </a:buClr>
-        <a:buFont typeface="Wingdings"/>
-        <a:buChar char="n"/>
-        <a:defRPr kumimoji="1" sz="3200" baseline="0">
+        <a:buFont typeface="Arial" panose="02080604020202020204" pitchFamily="34" charset="0"/>
+        <a:buChar char="•"/>
+        <a:defRPr sz="4267" kern="1200">
           <a:solidFill>
-            <a:schemeClr val="tx2"/>
+            <a:schemeClr val="tx1"/>
           </a:solidFill>
           <a:latin typeface="+mn-lt"/>
           <a:ea typeface="+mn-ea"/>
           <a:cs typeface="+mn-cs"/>
         </a:defRPr>
       </a:lvl1pPr>
-      <a:lvl2pPr marL="742950" indent="-285750" algn="l" rtl="0" eaLnBrk="1" latinLnBrk="0" hangingPunct="1">
+      <a:lvl2pPr marL="990575" indent="-380990" algn="l" defTabSz="1219170" rtl="0" eaLnBrk="1" latinLnBrk="0" hangingPunct="1">
         <a:spcBef>
           <a:spcPct val="20000"/>
         </a:spcBef>
-        <a:buClr>
-          <a:schemeClr val="tx2">
-            <a:shade val="75000"/>
-          </a:schemeClr>
-        </a:buClr>
-        <a:buSzPct val="85000"/>
-        <a:buFont typeface="Wingdings"/>
-        <a:buChar char="n"/>
-        <a:defRPr kumimoji="1" sz="2800" baseline="0">
+        <a:buFont typeface="Arial" panose="02080604020202020204" pitchFamily="34" charset="0"/>
+        <a:buChar char="–"/>
+        <a:defRPr sz="3733" kern="1200">
           <a:solidFill>
-            <a:schemeClr val="tx2"/>
+            <a:schemeClr val="tx1"/>
           </a:solidFill>
           <a:latin typeface="+mn-lt"/>
           <a:ea typeface="+mn-ea"/>
           <a:cs typeface="+mn-cs"/>
         </a:defRPr>
       </a:lvl2pPr>
-      <a:lvl3pPr marL="1143000" indent="-228600" algn="l" rtl="0" eaLnBrk="1" latinLnBrk="0" hangingPunct="1">
+      <a:lvl3pPr marL="1523962" indent="-304792" algn="l" defTabSz="1219170" rtl="0" eaLnBrk="1" latinLnBrk="0" hangingPunct="1">
         <a:spcBef>
           <a:spcPct val="20000"/>
         </a:spcBef>
-        <a:buClr>
-          <a:schemeClr val="accent4">
-            <a:shade val="50000"/>
-          </a:schemeClr>
-        </a:buClr>
-        <a:buSzPct val="75000"/>
-        <a:buFont typeface="Wingdings"/>
-        <a:buChar char="n"/>
-        <a:defRPr kumimoji="1" sz="2400" baseline="0">
+        <a:buFont typeface="Arial" panose="02080604020202020204" pitchFamily="34" charset="0"/>
+        <a:buChar char="•"/>
+        <a:defRPr sz="3200" kern="1200">
           <a:solidFill>
-            <a:schemeClr val="tx2"/>
+            <a:schemeClr val="tx1"/>
           </a:solidFill>
           <a:latin typeface="+mn-lt"/>
           <a:ea typeface="+mn-ea"/>
           <a:cs typeface="+mn-cs"/>
         </a:defRPr>
       </a:lvl3pPr>
-      <a:lvl4pPr marL="1600200" indent="-228600" algn="l" rtl="0" eaLnBrk="1" latinLnBrk="0" hangingPunct="1">
+      <a:lvl4pPr marL="2133547" indent="-304792" algn="l" defTabSz="1219170" rtl="0" eaLnBrk="1" latinLnBrk="0" hangingPunct="1">
         <a:spcBef>
           <a:spcPct val="20000"/>
         </a:spcBef>
-        <a:buClr>
-          <a:schemeClr val="accent6">
-            <a:shade val="50000"/>
-          </a:schemeClr>
-        </a:buClr>
-        <a:buSzPct val="75000"/>
-        <a:buFont typeface="Wingdings"/>
-        <a:buChar char="n"/>
-        <a:defRPr kumimoji="1" sz="2000" baseline="0">
+        <a:buFont typeface="Arial" panose="02080604020202020204" pitchFamily="34" charset="0"/>
+        <a:buChar char="–"/>
+        <a:defRPr sz="2667" kern="1200">
           <a:solidFill>
-            <a:schemeClr val="tx2"/>
+            <a:schemeClr val="tx1"/>
           </a:solidFill>
           <a:latin typeface="+mn-lt"/>
           <a:ea typeface="+mn-ea"/>
           <a:cs typeface="+mn-cs"/>
         </a:defRPr>
       </a:lvl4pPr>
-      <a:lvl5pPr marL="2057400" indent="-228600" algn="l" rtl="0" eaLnBrk="1" latinLnBrk="0" hangingPunct="1">
+      <a:lvl5pPr marL="2743131" indent="-304792" algn="l" defTabSz="1219170" rtl="0" eaLnBrk="1" latinLnBrk="0" hangingPunct="1">
         <a:spcBef>
           <a:spcPct val="20000"/>
         </a:spcBef>
-        <a:buClr>
-          <a:schemeClr val="accent3">
-            <a:shade val="50000"/>
-          </a:schemeClr>
-        </a:buClr>
-        <a:buSzPct val="70000"/>
-        <a:buFont typeface="Wingdings"/>
-        <a:buChar char="n"/>
-        <a:defRPr kumimoji="1" sz="2000" baseline="0">
+        <a:buFont typeface="Arial" panose="02080604020202020204" pitchFamily="34" charset="0"/>
+        <a:buChar char="»"/>
+        <a:defRPr sz="2667" kern="1200">
           <a:solidFill>
-            <a:schemeClr val="tx2"/>
+            <a:schemeClr val="tx1"/>
           </a:solidFill>
           <a:latin typeface="+mn-lt"/>
           <a:ea typeface="+mn-ea"/>
           <a:cs typeface="+mn-cs"/>
         </a:defRPr>
       </a:lvl5pPr>
-      <a:lvl6pPr marL="2514600" indent="-228600" algn="l" rtl="0" eaLnBrk="1" latinLnBrk="0" hangingPunct="1">
+      <a:lvl6pPr marL="3352716" indent="-304792" algn="l" defTabSz="1219170" rtl="0" eaLnBrk="1" latinLnBrk="0" hangingPunct="1">
         <a:spcBef>
           <a:spcPct val="20000"/>
         </a:spcBef>
-        <a:buClr>
-          <a:schemeClr val="accent1">
-            <a:shade val="50000"/>
-          </a:schemeClr>
-        </a:buClr>
-        <a:buSzPct val="60000"/>
-        <a:buFont typeface="Wingdings"/>
-        <a:buChar char="n"/>
-        <a:defRPr kumimoji="1" sz="2000">
+        <a:buFont typeface="Arial" panose="02080604020202020204" pitchFamily="34" charset="0"/>
+        <a:buChar char="•"/>
+        <a:defRPr sz="2667" kern="1200">
           <a:solidFill>
-            <a:schemeClr val="tx2"/>
+            <a:schemeClr val="tx1"/>
           </a:solidFill>
           <a:latin typeface="+mn-lt"/>
           <a:ea typeface="+mn-ea"/>
           <a:cs typeface="+mn-cs"/>
         </a:defRPr>
       </a:lvl6pPr>
-      <a:lvl7pPr marL="2971800" indent="-228600" algn="l" rtl="0" eaLnBrk="1" latinLnBrk="0" hangingPunct="1">
+      <a:lvl7pPr marL="3962301" indent="-304792" algn="l" defTabSz="1219170" rtl="0" eaLnBrk="1" latinLnBrk="0" hangingPunct="1">
         <a:spcBef>
           <a:spcPct val="20000"/>
         </a:spcBef>
-        <a:buClr>
-          <a:schemeClr val="accent2">
-            <a:shade val="50000"/>
-          </a:schemeClr>
-        </a:buClr>
-        <a:buSzPct val="60000"/>
-        <a:buFont typeface="Wingdings"/>
-        <a:buChar char="n"/>
-        <a:defRPr kumimoji="1" sz="2000">
+        <a:buFont typeface="Arial" panose="02080604020202020204" pitchFamily="34" charset="0"/>
+        <a:buChar char="•"/>
+        <a:defRPr sz="2667" kern="1200">
           <a:solidFill>
-            <a:schemeClr val="tx2"/>
+            <a:schemeClr val="tx1"/>
           </a:solidFill>
           <a:latin typeface="+mn-lt"/>
           <a:ea typeface="+mn-ea"/>
           <a:cs typeface="+mn-cs"/>
         </a:defRPr>
       </a:lvl7pPr>
-      <a:lvl8pPr marL="3429000" indent="-228600" algn="l" rtl="0" eaLnBrk="1" latinLnBrk="0" hangingPunct="1">
+      <a:lvl8pPr marL="4571886" indent="-304792" algn="l" defTabSz="1219170" rtl="0" eaLnBrk="1" latinLnBrk="0" hangingPunct="1">
         <a:spcBef>
           <a:spcPct val="20000"/>
         </a:spcBef>
-        <a:buClr>
-          <a:schemeClr val="accent5">
-            <a:shade val="50000"/>
-          </a:schemeClr>
-        </a:buClr>
-        <a:buSzPct val="60000"/>
-        <a:buFont typeface="Wingdings"/>
-        <a:buChar char="n"/>
-        <a:defRPr kumimoji="1" sz="2000">
+        <a:buFont typeface="Arial" panose="02080604020202020204" pitchFamily="34" charset="0"/>
+        <a:buChar char="•"/>
+        <a:defRPr sz="2667" kern="1200">
           <a:solidFill>
-            <a:schemeClr val="tx2"/>
+            <a:schemeClr val="tx1"/>
           </a:solidFill>
           <a:latin typeface="+mn-lt"/>
           <a:ea typeface="+mn-ea"/>
           <a:cs typeface="+mn-cs"/>
         </a:defRPr>
       </a:lvl8pPr>
-      <a:lvl9pPr marL="3886200" indent="-228600" algn="l" rtl="0" eaLnBrk="1" latinLnBrk="0" hangingPunct="1">
+      <a:lvl9pPr marL="5181470" indent="-304792" algn="l" defTabSz="1219170" rtl="0" eaLnBrk="1" latinLnBrk="0" hangingPunct="1">
         <a:spcBef>
           <a:spcPct val="20000"/>
         </a:spcBef>
-        <a:buClr>
-          <a:schemeClr val="tx1"/>
-        </a:buClr>
-        <a:buSzPct val="50000"/>
-        <a:buFont typeface="Wingdings"/>
-        <a:buChar char="n"/>
-        <a:defRPr kumimoji="1" sz="2000">
+        <a:buFont typeface="Arial" panose="02080604020202020204" pitchFamily="34" charset="0"/>
+        <a:buChar char="•"/>
+        <a:defRPr sz="2667" kern="1200">
           <a:solidFill>
-            <a:schemeClr val="tx2"/>
+            <a:schemeClr val="tx1"/>
           </a:solidFill>
           <a:latin typeface="+mn-lt"/>
           <a:ea typeface="+mn-ea"/>
@@ -3231,8 +3011,11 @@
       </a:lvl9pPr>
     </p:bodyStyle>
     <p:otherStyle>
-      <a:lvl1pPr marL="0" algn="l" rtl="0" eaLnBrk="1" hangingPunct="1">
-        <a:defRPr kumimoji="1">
+      <a:defPPr>
+        <a:defRPr lang="zh-TW"/>
+      </a:defPPr>
+      <a:lvl1pPr marL="0" algn="l" defTabSz="1219170" rtl="0" eaLnBrk="1" latinLnBrk="0" hangingPunct="1">
+        <a:defRPr sz="2400" kern="1200">
           <a:solidFill>
             <a:schemeClr val="tx1"/>
           </a:solidFill>
@@ -3241,8 +3024,8 @@
           <a:cs typeface="+mn-cs"/>
         </a:defRPr>
       </a:lvl1pPr>
-      <a:lvl2pPr marL="457200" algn="l" rtl="0" eaLnBrk="1" hangingPunct="1">
-        <a:defRPr kumimoji="1">
+      <a:lvl2pPr marL="609585" algn="l" defTabSz="1219170" rtl="0" eaLnBrk="1" latinLnBrk="0" hangingPunct="1">
+        <a:defRPr sz="2400" kern="1200">
           <a:solidFill>
             <a:schemeClr val="tx1"/>
           </a:solidFill>
@@ -3251,8 +3034,8 @@
           <a:cs typeface="+mn-cs"/>
         </a:defRPr>
       </a:lvl2pPr>
-      <a:lvl3pPr marL="914400" algn="l" rtl="0" eaLnBrk="1" hangingPunct="1">
-        <a:defRPr kumimoji="1">
+      <a:lvl3pPr marL="1219170" algn="l" defTabSz="1219170" rtl="0" eaLnBrk="1" latinLnBrk="0" hangingPunct="1">
+        <a:defRPr sz="2400" kern="1200">
           <a:solidFill>
             <a:schemeClr val="tx1"/>
           </a:solidFill>
@@ -3261,8 +3044,8 @@
           <a:cs typeface="+mn-cs"/>
         </a:defRPr>
       </a:lvl3pPr>
-      <a:lvl4pPr marL="1371600" algn="l" rtl="0" eaLnBrk="1" hangingPunct="1">
-        <a:defRPr kumimoji="1">
+      <a:lvl4pPr marL="1828754" algn="l" defTabSz="1219170" rtl="0" eaLnBrk="1" latinLnBrk="0" hangingPunct="1">
+        <a:defRPr sz="2400" kern="1200">
           <a:solidFill>
             <a:schemeClr val="tx1"/>
           </a:solidFill>
@@ -3271,8 +3054,8 @@
           <a:cs typeface="+mn-cs"/>
         </a:defRPr>
       </a:lvl4pPr>
-      <a:lvl5pPr marL="1828800" algn="l" rtl="0" eaLnBrk="1" hangingPunct="1">
-        <a:defRPr kumimoji="1">
+      <a:lvl5pPr marL="2438339" algn="l" defTabSz="1219170" rtl="0" eaLnBrk="1" latinLnBrk="0" hangingPunct="1">
+        <a:defRPr sz="2400" kern="1200">
           <a:solidFill>
             <a:schemeClr val="tx1"/>
           </a:solidFill>
@@ -3281,8 +3064,8 @@
           <a:cs typeface="+mn-cs"/>
         </a:defRPr>
       </a:lvl5pPr>
-      <a:lvl6pPr marL="2286000" algn="l" rtl="0" eaLnBrk="1" hangingPunct="1">
-        <a:defRPr kumimoji="1">
+      <a:lvl6pPr marL="3047924" algn="l" defTabSz="1219170" rtl="0" eaLnBrk="1" latinLnBrk="0" hangingPunct="1">
+        <a:defRPr sz="2400" kern="1200">
           <a:solidFill>
             <a:schemeClr val="tx1"/>
           </a:solidFill>
@@ -3291,8 +3074,8 @@
           <a:cs typeface="+mn-cs"/>
         </a:defRPr>
       </a:lvl6pPr>
-      <a:lvl7pPr marL="2743200" algn="l" rtl="0" eaLnBrk="1" hangingPunct="1">
-        <a:defRPr kumimoji="1">
+      <a:lvl7pPr marL="3657509" algn="l" defTabSz="1219170" rtl="0" eaLnBrk="1" latinLnBrk="0" hangingPunct="1">
+        <a:defRPr sz="2400" kern="1200">
           <a:solidFill>
             <a:schemeClr val="tx1"/>
           </a:solidFill>
@@ -3301,8 +3084,8 @@
           <a:cs typeface="+mn-cs"/>
         </a:defRPr>
       </a:lvl7pPr>
-      <a:lvl8pPr marL="3200400" algn="l" rtl="0" eaLnBrk="1" hangingPunct="1">
-        <a:defRPr kumimoji="1">
+      <a:lvl8pPr marL="4267093" algn="l" defTabSz="1219170" rtl="0" eaLnBrk="1" latinLnBrk="0" hangingPunct="1">
+        <a:defRPr sz="2400" kern="1200">
           <a:solidFill>
             <a:schemeClr val="tx1"/>
           </a:solidFill>
@@ -3311,8 +3094,8 @@
           <a:cs typeface="+mn-cs"/>
         </a:defRPr>
       </a:lvl8pPr>
-      <a:lvl9pPr marL="3657600" algn="l" rtl="0" eaLnBrk="1" hangingPunct="1">
-        <a:defRPr kumimoji="1">
+      <a:lvl9pPr marL="4876678" algn="l" defTabSz="1219170" rtl="0" eaLnBrk="1" latinLnBrk="0" hangingPunct="1">
+        <a:defRPr sz="2400" kern="1200">
           <a:solidFill>
             <a:schemeClr val="tx1"/>
           </a:solidFill>
@@ -3353,77 +3136,61 @@
             <p:ph type="title"/>
           </p:nvPr>
         </p:nvSpPr>
-        <p:spPr/>
-        <p:txBody>
-          <a:bodyPr/>
-          <a:lstStyle/>
-          <a:p>
-            <a:r>
-              <a:rPr lang="zh-TW" altLang="en-US" dirty="0" smtClean="0"/>
-              <a:t>每個清晨</a:t>
-            </a:r>
-            <a:endParaRPr lang="zh-TW" altLang="en-US" dirty="0"/>
-          </a:p>
-        </p:txBody>
-      </p:sp>
-      <p:sp>
-        <p:nvSpPr>
-          <p:cNvPr id="5" name="內容版面配置區 4"/>
-          <p:cNvSpPr>
-            <a:spLocks noGrp="1"/>
-          </p:cNvSpPr>
-          <p:nvPr>
-            <p:ph idx="1"/>
-          </p:nvPr>
-        </p:nvSpPr>
-        <p:spPr/>
+        <p:spPr>
+          <a:xfrm>
+            <a:off x="0" y="2660915"/>
+            <a:ext cx="12192000" cy="1143000"/>
+          </a:xfrm>
+        </p:spPr>
         <p:txBody>
           <a:bodyPr>
-            <a:normAutofit/>
+            <a:noAutofit/>
           </a:bodyPr>
           <a:lstStyle/>
           <a:p>
-            <a:pPr algn="ctr">
-              <a:buNone/>
-            </a:pPr>
-            <a:r>
-              <a:rPr lang="zh-TW" altLang="en-US" sz="5400" dirty="0" smtClean="0"/>
-              <a:t>在每個清晨  頌創世大能</a:t>
-            </a:r>
-            <a:endParaRPr lang="en-US" altLang="zh-TW" sz="5400" dirty="0" smtClean="0"/>
-          </a:p>
-          <a:p>
-            <a:pPr algn="ctr">
-              <a:buNone/>
-            </a:pPr>
-            <a:r>
-              <a:rPr lang="zh-TW" altLang="en-US" sz="5400" dirty="0" smtClean="0"/>
-              <a:t>用清風掀起悠揚樂韻</a:t>
-            </a:r>
-            <a:endParaRPr lang="en-US" altLang="zh-TW" sz="5400" dirty="0" smtClean="0"/>
-          </a:p>
-          <a:p>
-            <a:pPr algn="ctr">
-              <a:buNone/>
-            </a:pPr>
-            <a:r>
-              <a:rPr lang="zh-TW" altLang="en-US" sz="5400" dirty="0" smtClean="0"/>
-              <a:t>就算蓋烏雲  就算雨紛紛</a:t>
-            </a:r>
-            <a:endParaRPr lang="en-US" altLang="zh-TW" sz="5400" dirty="0" smtClean="0"/>
-          </a:p>
-          <a:p>
-            <a:pPr algn="ctr">
-              <a:buNone/>
-            </a:pPr>
-            <a:r>
-              <a:rPr lang="zh-TW" altLang="en-US" sz="5400" dirty="0" smtClean="0"/>
-              <a:t>用雨聲風聲奏妙韻</a:t>
+            <a:r>
+              <a:rPr lang="zh-TW" altLang="en-US" sz="7200" b="1" i="1" dirty="0">
+                <a:solidFill>
+                  <a:srgbClr val="660033"/>
+                </a:solidFill>
+                <a:effectLst>
+                  <a:outerShdw blurRad="38100" dist="38100" dir="2700000" algn="tl">
+                    <a:srgbClr val="000000">
+                      <a:alpha val="43137"/>
+                    </a:srgbClr>
+                  </a:outerShdw>
+                </a:effectLst>
+                <a:latin typeface="微軟正黑體" pitchFamily="34" charset="-120"/>
+                <a:ea typeface="微軟正黑體" pitchFamily="34" charset="-120"/>
+              </a:rPr>
+              <a:t>每</a:t>
+            </a:r>
+            <a:r>
+              <a:rPr lang="zh-TW" altLang="en-US" sz="7200" b="1" i="1" dirty="0">
+                <a:solidFill>
+                  <a:srgbClr val="660033"/>
+                </a:solidFill>
+                <a:effectLst>
+                  <a:outerShdw blurRad="38100" dist="38100" dir="2700000" algn="tl">
+                    <a:srgbClr val="000000">
+                      <a:alpha val="43137"/>
+                    </a:srgbClr>
+                  </a:outerShdw>
+                </a:effectLst>
+                <a:latin typeface="微軟正黑體" pitchFamily="34" charset="-120"/>
+                <a:ea typeface="微軟正黑體" pitchFamily="34" charset="-120"/>
+              </a:rPr>
+              <a:t>個清晨</a:t>
             </a:r>
           </a:p>
         </p:txBody>
       </p:sp>
     </p:spTree>
+    <p:extLst>
+      <p:ext uri="{BB962C8B-B14F-4D97-AF65-F5344CB8AC3E}">
+        <p14:creationId xmlns:p14="http://schemas.microsoft.com/office/powerpoint/2010/main" val="1434159695"/>
+      </p:ext>
+    </p:extLst>
   </p:cSld>
   <p:clrMapOvr>
     <a:masterClrMapping/>
@@ -3450,29 +3217,6 @@
       </p:grpSpPr>
       <p:sp>
         <p:nvSpPr>
-          <p:cNvPr id="4" name="標題 3"/>
-          <p:cNvSpPr>
-            <a:spLocks noGrp="1"/>
-          </p:cNvSpPr>
-          <p:nvPr>
-            <p:ph type="title"/>
-          </p:nvPr>
-        </p:nvSpPr>
-        <p:spPr/>
-        <p:txBody>
-          <a:bodyPr/>
-          <a:lstStyle/>
-          <a:p>
-            <a:r>
-              <a:rPr lang="zh-TW" altLang="en-US" dirty="0" smtClean="0"/>
-              <a:t>每個清晨</a:t>
-            </a:r>
-            <a:endParaRPr lang="zh-TW" altLang="en-US" dirty="0"/>
-          </a:p>
-        </p:txBody>
-      </p:sp>
-      <p:sp>
-        <p:nvSpPr>
           <p:cNvPr id="5" name="內容版面配置區 4"/>
           <p:cNvSpPr>
             <a:spLocks noGrp="1"/>
@@ -3483,12 +3227,12 @@
         </p:nvSpPr>
         <p:spPr>
           <a:xfrm>
-            <a:off x="0" y="1600200"/>
-            <a:ext cx="9144000" cy="4525963"/>
+            <a:off x="0" y="2084851"/>
+            <a:ext cx="12192000" cy="2404863"/>
           </a:xfrm>
         </p:spPr>
         <p:txBody>
-          <a:bodyPr>
+          <a:bodyPr anchor="ctr">
             <a:normAutofit/>
           </a:bodyPr>
           <a:lstStyle/>
@@ -3497,36 +3241,135 @@
               <a:buNone/>
             </a:pPr>
             <a:r>
-              <a:rPr lang="zh-TW" altLang="en-US" sz="5400" dirty="0" smtClean="0"/>
-              <a:t>頌讚歸於聖父  萬世千載唱和</a:t>
-            </a:r>
-            <a:endParaRPr lang="en-US" altLang="zh-TW" sz="5400" dirty="0" smtClean="0"/>
+              <a:rPr lang="zh-TW" altLang="en-US" sz="6400" b="1" dirty="0">
+                <a:solidFill>
+                  <a:srgbClr val="660033"/>
+                </a:solidFill>
+                <a:latin typeface="微軟正黑體" pitchFamily="34" charset="-120"/>
+                <a:ea typeface="微軟正黑體" pitchFamily="34" charset="-120"/>
+              </a:rPr>
+              <a:t>在</a:t>
+            </a:r>
+            <a:r>
+              <a:rPr lang="zh-TW" altLang="en-US" sz="6400" b="1" dirty="0">
+                <a:solidFill>
+                  <a:srgbClr val="660033"/>
+                </a:solidFill>
+                <a:latin typeface="微軟正黑體" pitchFamily="34" charset="-120"/>
+                <a:ea typeface="微軟正黑體" pitchFamily="34" charset="-120"/>
+              </a:rPr>
+              <a:t>每個清晨  頌創世大能</a:t>
+            </a:r>
+            <a:endParaRPr lang="en-US" altLang="zh-TW" sz="6400" b="1" dirty="0">
+              <a:solidFill>
+                <a:srgbClr val="660033"/>
+              </a:solidFill>
+              <a:latin typeface="微軟正黑體" pitchFamily="34" charset="-120"/>
+              <a:ea typeface="微軟正黑體" pitchFamily="34" charset="-120"/>
+            </a:endParaRPr>
           </a:p>
           <a:p>
             <a:pPr algn="ctr">
               <a:buNone/>
             </a:pPr>
             <a:r>
-              <a:rPr lang="zh-TW" altLang="en-US" sz="5400" dirty="0" smtClean="0"/>
-              <a:t>頌讚無限美</a:t>
-            </a:r>
-            <a:r>
-              <a:rPr lang="en-US" altLang="zh-TW" sz="5400" dirty="0"/>
-              <a:t> </a:t>
-            </a:r>
-            <a:r>
-              <a:rPr lang="en-US" altLang="zh-TW" sz="5400" dirty="0" smtClean="0"/>
-              <a:t> </a:t>
-            </a:r>
-            <a:r>
-              <a:rPr lang="zh-TW" altLang="en-US" sz="5400" dirty="0" smtClean="0"/>
-              <a:t>高唱祂的愛</a:t>
-            </a:r>
-            <a:endParaRPr lang="zh-TW" altLang="en-US" sz="5400" dirty="0"/>
+              <a:rPr lang="zh-TW" altLang="en-US" sz="6400" b="1" dirty="0">
+                <a:solidFill>
+                  <a:srgbClr val="660033"/>
+                </a:solidFill>
+                <a:latin typeface="微軟正黑體" pitchFamily="34" charset="-120"/>
+                <a:ea typeface="微軟正黑體" pitchFamily="34" charset="-120"/>
+              </a:rPr>
+              <a:t>用清風掀起悠揚樂韻</a:t>
+            </a:r>
+            <a:endParaRPr lang="en-US" altLang="zh-TW" sz="6400" b="1" dirty="0">
+              <a:solidFill>
+                <a:srgbClr val="660033"/>
+              </a:solidFill>
+              <a:latin typeface="微軟正黑體" pitchFamily="34" charset="-120"/>
+              <a:ea typeface="微軟正黑體" pitchFamily="34" charset="-120"/>
+            </a:endParaRPr>
+          </a:p>
+        </p:txBody>
+      </p:sp>
+      <p:sp>
+        <p:nvSpPr>
+          <p:cNvPr id="3" name="TextBox 2"/>
+          <p:cNvSpPr txBox="1"/>
+          <p:nvPr/>
+        </p:nvSpPr>
+        <p:spPr>
+          <a:xfrm>
+            <a:off x="0" y="5157192"/>
+            <a:ext cx="12192000" cy="748988"/>
+          </a:xfrm>
+          <a:prstGeom prst="rect">
+            <a:avLst/>
+          </a:prstGeom>
+          <a:noFill/>
+        </p:spPr>
+        <p:txBody>
+          <a:bodyPr wrap="square" rtlCol="0">
+            <a:spAutoFit/>
+          </a:bodyPr>
+          <a:lstStyle/>
+          <a:p>
+            <a:pPr algn="ctr"/>
+            <a:r>
+              <a:rPr lang="en-US" sz="4267" b="1" dirty="0">
+                <a:solidFill>
+                  <a:srgbClr val="660033"/>
+                </a:solidFill>
+                <a:latin typeface="Microsoft JhengHei" panose="020B0604030504040204" pitchFamily="34" charset="-120"/>
+                <a:ea typeface="Microsoft JhengHei" panose="020B0604030504040204" pitchFamily="34" charset="-120"/>
+              </a:rPr>
+              <a:t>( </a:t>
+            </a:r>
+            <a:r>
+              <a:rPr lang="zh-CN" altLang="en-US" sz="4267" b="1" dirty="0">
+                <a:solidFill>
+                  <a:srgbClr val="660033"/>
+                </a:solidFill>
+                <a:latin typeface="Microsoft JhengHei" panose="020B0604030504040204" pitchFamily="34" charset="-120"/>
+                <a:ea typeface="Microsoft JhengHei" panose="020B0604030504040204" pitchFamily="34" charset="-120"/>
+              </a:rPr>
+              <a:t>正</a:t>
+            </a:r>
+            <a:r>
+              <a:rPr lang="en-US" altLang="zh-CN" sz="4267" b="1" dirty="0">
+                <a:solidFill>
+                  <a:srgbClr val="660033"/>
+                </a:solidFill>
+                <a:latin typeface="Microsoft JhengHei" panose="020B0604030504040204" pitchFamily="34" charset="-120"/>
+                <a:ea typeface="Microsoft JhengHei" panose="020B0604030504040204" pitchFamily="34" charset="-120"/>
+              </a:rPr>
+              <a:t> 1</a:t>
+            </a:r>
+            <a:r>
+              <a:rPr lang="en-US" sz="4267" b="1" dirty="0">
+                <a:solidFill>
+                  <a:srgbClr val="660033"/>
+                </a:solidFill>
+                <a:latin typeface="Microsoft JhengHei" panose="020B0604030504040204" pitchFamily="34" charset="-120"/>
+                <a:ea typeface="Microsoft JhengHei" panose="020B0604030504040204" pitchFamily="34" charset="-120"/>
+              </a:rPr>
+              <a:t> )</a:t>
+            </a:r>
+            <a:endParaRPr lang="vi-VN" sz="4267" b="1" dirty="0">
+              <a:solidFill>
+                <a:srgbClr val="660033"/>
+              </a:solidFill>
+              <a:ea typeface="Microsoft JhengHei" panose="020B0604030504040204" pitchFamily="34" charset="-120"/>
+            </a:endParaRPr>
           </a:p>
         </p:txBody>
       </p:sp>
     </p:spTree>
+    <p:extLst>
+      <p:ext uri="{BB962C8B-B14F-4D97-AF65-F5344CB8AC3E}">
+        <p14:creationId xmlns:p14="http://schemas.microsoft.com/office/powerpoint/2010/main" val="4017242514"/>
+      </p:ext>
+    </p:extLst>
   </p:cSld>
   <p:clrMapOvr>
     <a:masterClrMapping/>
@@ -3553,29 +3396,6 @@
       </p:grpSpPr>
       <p:sp>
         <p:nvSpPr>
-          <p:cNvPr id="4" name="標題 3"/>
-          <p:cNvSpPr>
-            <a:spLocks noGrp="1"/>
-          </p:cNvSpPr>
-          <p:nvPr>
-            <p:ph type="title"/>
-          </p:nvPr>
-        </p:nvSpPr>
-        <p:spPr/>
-        <p:txBody>
-          <a:bodyPr/>
-          <a:lstStyle/>
-          <a:p>
-            <a:r>
-              <a:rPr lang="zh-TW" altLang="en-US" dirty="0" smtClean="0"/>
-              <a:t>每個清晨</a:t>
-            </a:r>
-            <a:endParaRPr lang="zh-TW" altLang="en-US" dirty="0"/>
-          </a:p>
-        </p:txBody>
-      </p:sp>
-      <p:sp>
-        <p:nvSpPr>
           <p:cNvPr id="5" name="內容版面配置區 4"/>
           <p:cNvSpPr>
             <a:spLocks noGrp="1"/>
@@ -3586,12 +3406,12 @@
         </p:nvSpPr>
         <p:spPr>
           <a:xfrm>
-            <a:off x="0" y="1600200"/>
-            <a:ext cx="9144000" cy="4525963"/>
+            <a:off x="0" y="2084851"/>
+            <a:ext cx="12192000" cy="2404863"/>
           </a:xfrm>
         </p:spPr>
         <p:txBody>
-          <a:bodyPr>
+          <a:bodyPr anchor="ctr">
             <a:normAutofit/>
           </a:bodyPr>
           <a:lstStyle/>
@@ -3600,44 +3420,118 @@
               <a:buNone/>
             </a:pPr>
             <a:r>
-              <a:rPr lang="zh-TW" altLang="en-US" sz="5400" dirty="0" smtClean="0"/>
-              <a:t>為救世恩情  為創世大能</a:t>
-            </a:r>
-            <a:endParaRPr lang="en-US" altLang="zh-TW" sz="5400" dirty="0" smtClean="0"/>
+              <a:rPr lang="zh-TW" altLang="en-US" sz="6400" b="1" dirty="0">
+                <a:solidFill>
+                  <a:srgbClr val="660033"/>
+                </a:solidFill>
+                <a:latin typeface="微軟正黑體" pitchFamily="34" charset="-120"/>
+                <a:ea typeface="微軟正黑體" pitchFamily="34" charset="-120"/>
+              </a:rPr>
+              <a:t>就算蓋烏雲  就算雨紛紛</a:t>
+            </a:r>
+            <a:endParaRPr lang="en-US" altLang="zh-TW" sz="6400" b="1" dirty="0">
+              <a:solidFill>
+                <a:srgbClr val="660033"/>
+              </a:solidFill>
+              <a:latin typeface="微軟正黑體" pitchFamily="34" charset="-120"/>
+              <a:ea typeface="微軟正黑體" pitchFamily="34" charset="-120"/>
+            </a:endParaRPr>
           </a:p>
           <a:p>
             <a:pPr algn="ctr">
               <a:buNone/>
             </a:pPr>
             <a:r>
-              <a:rPr lang="zh-TW" altLang="en-US" sz="5400" dirty="0" smtClean="0"/>
-              <a:t>為賜我歡欣  我心頌讚</a:t>
-            </a:r>
-            <a:endParaRPr lang="en-US" altLang="zh-TW" sz="5400" dirty="0" smtClean="0"/>
-          </a:p>
-          <a:p>
-            <a:pPr algn="ctr">
-              <a:buNone/>
-            </a:pPr>
-            <a:r>
-              <a:rPr lang="zh-TW" altLang="en-US" sz="5400" dirty="0" smtClean="0"/>
-              <a:t>為每串哀愁  為每次憂傷</a:t>
-            </a:r>
-            <a:endParaRPr lang="en-US" altLang="zh-TW" sz="5400" dirty="0" smtClean="0"/>
-          </a:p>
-          <a:p>
-            <a:pPr algn="ctr">
-              <a:buNone/>
-            </a:pPr>
-            <a:r>
-              <a:rPr lang="zh-TW" altLang="en-US" sz="5400" dirty="0" smtClean="0"/>
-              <a:t>為困惱艱苦  我頌唱</a:t>
-            </a:r>
-            <a:endParaRPr lang="zh-TW" altLang="en-US" sz="5400" dirty="0"/>
+              <a:rPr lang="zh-TW" altLang="en-US" sz="6400" b="1" dirty="0">
+                <a:solidFill>
+                  <a:srgbClr val="660033"/>
+                </a:solidFill>
+                <a:latin typeface="微軟正黑體" pitchFamily="34" charset="-120"/>
+                <a:ea typeface="微軟正黑體" pitchFamily="34" charset="-120"/>
+              </a:rPr>
+              <a:t>用雨聲風聲奏妙韻</a:t>
+            </a:r>
+          </a:p>
+        </p:txBody>
+      </p:sp>
+      <p:sp>
+        <p:nvSpPr>
+          <p:cNvPr id="3" name="TextBox 2"/>
+          <p:cNvSpPr txBox="1"/>
+          <p:nvPr/>
+        </p:nvSpPr>
+        <p:spPr>
+          <a:xfrm>
+            <a:off x="0" y="5157192"/>
+            <a:ext cx="12192000" cy="748988"/>
+          </a:xfrm>
+          <a:prstGeom prst="rect">
+            <a:avLst/>
+          </a:prstGeom>
+          <a:noFill/>
+        </p:spPr>
+        <p:txBody>
+          <a:bodyPr wrap="square" rtlCol="0">
+            <a:spAutoFit/>
+          </a:bodyPr>
+          <a:lstStyle/>
+          <a:p>
+            <a:pPr algn="ctr"/>
+            <a:r>
+              <a:rPr lang="en-US" sz="4267" b="1" dirty="0">
+                <a:solidFill>
+                  <a:srgbClr val="660033"/>
+                </a:solidFill>
+                <a:latin typeface="Microsoft JhengHei" panose="020B0604030504040204" pitchFamily="34" charset="-120"/>
+                <a:ea typeface="Microsoft JhengHei" panose="020B0604030504040204" pitchFamily="34" charset="-120"/>
+              </a:rPr>
+              <a:t>( </a:t>
+            </a:r>
+            <a:r>
+              <a:rPr lang="zh-CN" altLang="en-US" sz="4267" b="1" dirty="0">
+                <a:solidFill>
+                  <a:srgbClr val="660033"/>
+                </a:solidFill>
+                <a:latin typeface="Microsoft JhengHei" panose="020B0604030504040204" pitchFamily="34" charset="-120"/>
+                <a:ea typeface="Microsoft JhengHei" panose="020B0604030504040204" pitchFamily="34" charset="-120"/>
+              </a:rPr>
+              <a:t>正</a:t>
+            </a:r>
+            <a:r>
+              <a:rPr lang="en-US" altLang="zh-CN" sz="4267" b="1" dirty="0">
+                <a:solidFill>
+                  <a:srgbClr val="660033"/>
+                </a:solidFill>
+                <a:latin typeface="Microsoft JhengHei" panose="020B0604030504040204" pitchFamily="34" charset="-120"/>
+                <a:ea typeface="Microsoft JhengHei" panose="020B0604030504040204" pitchFamily="34" charset="-120"/>
+              </a:rPr>
+              <a:t> 1</a:t>
+            </a:r>
+            <a:r>
+              <a:rPr lang="en-US" sz="4267" b="1" dirty="0">
+                <a:solidFill>
+                  <a:srgbClr val="660033"/>
+                </a:solidFill>
+                <a:latin typeface="Microsoft JhengHei" panose="020B0604030504040204" pitchFamily="34" charset="-120"/>
+                <a:ea typeface="Microsoft JhengHei" panose="020B0604030504040204" pitchFamily="34" charset="-120"/>
+              </a:rPr>
+              <a:t> )</a:t>
+            </a:r>
+            <a:endParaRPr lang="vi-VN" sz="4267" b="1" dirty="0">
+              <a:solidFill>
+                <a:srgbClr val="660033"/>
+              </a:solidFill>
+              <a:ea typeface="Microsoft JhengHei" panose="020B0604030504040204" pitchFamily="34" charset="-120"/>
+            </a:endParaRPr>
           </a:p>
         </p:txBody>
       </p:sp>
     </p:spTree>
+    <p:extLst>
+      <p:ext uri="{BB962C8B-B14F-4D97-AF65-F5344CB8AC3E}">
+        <p14:creationId xmlns:p14="http://schemas.microsoft.com/office/powerpoint/2010/main" val="878600996"/>
+      </p:ext>
+    </p:extLst>
   </p:cSld>
   <p:clrMapOvr>
     <a:masterClrMapping/>
@@ -3664,29 +3558,6 @@
       </p:grpSpPr>
       <p:sp>
         <p:nvSpPr>
-          <p:cNvPr id="4" name="標題 3"/>
-          <p:cNvSpPr>
-            <a:spLocks noGrp="1"/>
-          </p:cNvSpPr>
-          <p:nvPr>
-            <p:ph type="title"/>
-          </p:nvPr>
-        </p:nvSpPr>
-        <p:spPr/>
-        <p:txBody>
-          <a:bodyPr/>
-          <a:lstStyle/>
-          <a:p>
-            <a:r>
-              <a:rPr lang="zh-TW" altLang="en-US" dirty="0" smtClean="0"/>
-              <a:t>每個清晨</a:t>
-            </a:r>
-            <a:endParaRPr lang="zh-TW" altLang="en-US" dirty="0"/>
-          </a:p>
-        </p:txBody>
-      </p:sp>
-      <p:sp>
-        <p:nvSpPr>
           <p:cNvPr id="5" name="內容版面配置區 4"/>
           <p:cNvSpPr>
             <a:spLocks noGrp="1"/>
@@ -3697,12 +3568,12 @@
         </p:nvSpPr>
         <p:spPr>
           <a:xfrm>
-            <a:off x="0" y="1600200"/>
-            <a:ext cx="9144000" cy="4525963"/>
+            <a:off x="0" y="2084851"/>
+            <a:ext cx="12192000" cy="2404863"/>
           </a:xfrm>
         </p:spPr>
         <p:txBody>
-          <a:bodyPr>
+          <a:bodyPr anchor="ctr">
             <a:normAutofit/>
           </a:bodyPr>
           <a:lstStyle/>
@@ -3711,36 +3582,631 @@
               <a:buNone/>
             </a:pPr>
             <a:r>
-              <a:rPr lang="zh-TW" altLang="en-US" sz="5400" dirty="0" smtClean="0"/>
+              <a:rPr lang="zh-TW" altLang="en-US" sz="6400" b="1" dirty="0">
+                <a:solidFill>
+                  <a:srgbClr val="660033"/>
+                </a:solidFill>
+                <a:latin typeface="微軟正黑體" pitchFamily="34" charset="-120"/>
+                <a:ea typeface="微軟正黑體" pitchFamily="34" charset="-120"/>
+              </a:rPr>
               <a:t>頌讚歸於聖父  萬世千載唱和</a:t>
             </a:r>
-            <a:endParaRPr lang="en-US" altLang="zh-TW" sz="5400" dirty="0" smtClean="0"/>
+            <a:endParaRPr lang="en-US" altLang="zh-TW" sz="6400" b="1" dirty="0">
+              <a:solidFill>
+                <a:srgbClr val="660033"/>
+              </a:solidFill>
+              <a:latin typeface="微軟正黑體" pitchFamily="34" charset="-120"/>
+              <a:ea typeface="微軟正黑體" pitchFamily="34" charset="-120"/>
+            </a:endParaRPr>
           </a:p>
           <a:p>
             <a:pPr algn="ctr">
               <a:buNone/>
             </a:pPr>
             <a:r>
-              <a:rPr lang="zh-TW" altLang="en-US" sz="5400" dirty="0" smtClean="0"/>
+              <a:rPr lang="zh-TW" altLang="en-US" sz="6400" b="1" dirty="0">
+                <a:solidFill>
+                  <a:srgbClr val="660033"/>
+                </a:solidFill>
+                <a:latin typeface="微軟正黑體" pitchFamily="34" charset="-120"/>
+                <a:ea typeface="微軟正黑體" pitchFamily="34" charset="-120"/>
+              </a:rPr>
               <a:t>頌讚無限美</a:t>
             </a:r>
             <a:r>
-              <a:rPr lang="en-US" altLang="zh-TW" sz="5400" dirty="0"/>
-              <a:t> </a:t>
-            </a:r>
-            <a:r>
-              <a:rPr lang="en-US" altLang="zh-TW" sz="5400" dirty="0" smtClean="0"/>
-              <a:t> </a:t>
-            </a:r>
-            <a:r>
-              <a:rPr lang="zh-TW" altLang="en-US" sz="5400" dirty="0" smtClean="0"/>
+              <a:rPr lang="en-US" altLang="zh-TW" sz="6400" b="1" dirty="0">
+                <a:solidFill>
+                  <a:srgbClr val="660033"/>
+                </a:solidFill>
+                <a:latin typeface="微軟正黑體" pitchFamily="34" charset="-120"/>
+                <a:ea typeface="微軟正黑體" pitchFamily="34" charset="-120"/>
+              </a:rPr>
+              <a:t>  </a:t>
+            </a:r>
+            <a:r>
+              <a:rPr lang="zh-TW" altLang="en-US" sz="6400" b="1" dirty="0">
+                <a:solidFill>
+                  <a:srgbClr val="660033"/>
+                </a:solidFill>
+                <a:latin typeface="微軟正黑體" pitchFamily="34" charset="-120"/>
+                <a:ea typeface="微軟正黑體" pitchFamily="34" charset="-120"/>
+              </a:rPr>
               <a:t>高唱祂的愛</a:t>
             </a:r>
-            <a:endParaRPr lang="zh-TW" altLang="en-US" sz="5400" dirty="0"/>
+          </a:p>
+        </p:txBody>
+      </p:sp>
+      <p:sp>
+        <p:nvSpPr>
+          <p:cNvPr id="3" name="TextBox 2"/>
+          <p:cNvSpPr txBox="1"/>
+          <p:nvPr/>
+        </p:nvSpPr>
+        <p:spPr>
+          <a:xfrm>
+            <a:off x="0" y="5157192"/>
+            <a:ext cx="12192000" cy="748988"/>
+          </a:xfrm>
+          <a:prstGeom prst="rect">
+            <a:avLst/>
+          </a:prstGeom>
+          <a:noFill/>
+        </p:spPr>
+        <p:txBody>
+          <a:bodyPr wrap="square" rtlCol="0">
+            <a:spAutoFit/>
+          </a:bodyPr>
+          <a:lstStyle/>
+          <a:p>
+            <a:pPr algn="ctr"/>
+            <a:r>
+              <a:rPr lang="en-US" sz="4267" b="1" dirty="0">
+                <a:solidFill>
+                  <a:srgbClr val="660033"/>
+                </a:solidFill>
+                <a:latin typeface="Microsoft JhengHei" panose="020B0604030504040204" pitchFamily="34" charset="-120"/>
+                <a:ea typeface="Microsoft JhengHei" panose="020B0604030504040204" pitchFamily="34" charset="-120"/>
+              </a:rPr>
+              <a:t>( </a:t>
+            </a:r>
+            <a:r>
+              <a:rPr lang="zh-CN" altLang="en-US" sz="4267" b="1" dirty="0">
+                <a:solidFill>
+                  <a:srgbClr val="660033"/>
+                </a:solidFill>
+                <a:latin typeface="Microsoft JhengHei" panose="020B0604030504040204" pitchFamily="34" charset="-120"/>
+                <a:ea typeface="Microsoft JhengHei" panose="020B0604030504040204" pitchFamily="34" charset="-120"/>
+              </a:rPr>
+              <a:t>副</a:t>
+            </a:r>
+            <a:r>
+              <a:rPr lang="en-US" sz="4267" b="1" dirty="0">
+                <a:solidFill>
+                  <a:srgbClr val="660033"/>
+                </a:solidFill>
+                <a:latin typeface="Microsoft JhengHei" panose="020B0604030504040204" pitchFamily="34" charset="-120"/>
+                <a:ea typeface="Microsoft JhengHei" panose="020B0604030504040204" pitchFamily="34" charset="-120"/>
+              </a:rPr>
+              <a:t> )</a:t>
+            </a:r>
+            <a:endParaRPr lang="vi-VN" sz="4267" b="1" dirty="0">
+              <a:solidFill>
+                <a:srgbClr val="660033"/>
+              </a:solidFill>
+              <a:ea typeface="Microsoft JhengHei" panose="020B0604030504040204" pitchFamily="34" charset="-120"/>
+            </a:endParaRPr>
           </a:p>
         </p:txBody>
       </p:sp>
     </p:spTree>
+    <p:extLst>
+      <p:ext uri="{BB962C8B-B14F-4D97-AF65-F5344CB8AC3E}">
+        <p14:creationId xmlns:p14="http://schemas.microsoft.com/office/powerpoint/2010/main" val="3421815956"/>
+      </p:ext>
+    </p:extLst>
+  </p:cSld>
+  <p:clrMapOvr>
+    <a:masterClrMapping/>
+  </p:clrMapOvr>
+</p:sld>
+</file>
+
+<file path=ppt/slides/slide5.xml><?xml version="1.0" encoding="utf-8"?>
+<p:sld xmlns:a="http://schemas.openxmlformats.org/drawingml/2006/main" xmlns:r="http://schemas.openxmlformats.org/officeDocument/2006/relationships" xmlns:p="http://schemas.openxmlformats.org/presentationml/2006/main">
+  <p:cSld>
+    <p:spTree>
+      <p:nvGrpSpPr>
+        <p:cNvPr id="1" name=""/>
+        <p:cNvGrpSpPr/>
+        <p:nvPr/>
+      </p:nvGrpSpPr>
+      <p:grpSpPr>
+        <a:xfrm>
+          <a:off x="0" y="0"/>
+          <a:ext cx="0" cy="0"/>
+          <a:chOff x="0" y="0"/>
+          <a:chExt cx="0" cy="0"/>
+        </a:xfrm>
+      </p:grpSpPr>
+      <p:sp>
+        <p:nvSpPr>
+          <p:cNvPr id="5" name="內容版面配置區 4"/>
+          <p:cNvSpPr>
+            <a:spLocks noGrp="1"/>
+          </p:cNvSpPr>
+          <p:nvPr>
+            <p:ph idx="1"/>
+          </p:nvPr>
+        </p:nvSpPr>
+        <p:spPr>
+          <a:xfrm>
+            <a:off x="0" y="2084851"/>
+            <a:ext cx="12192000" cy="2404863"/>
+          </a:xfrm>
+        </p:spPr>
+        <p:txBody>
+          <a:bodyPr anchor="ctr">
+            <a:normAutofit/>
+          </a:bodyPr>
+          <a:lstStyle/>
+          <a:p>
+            <a:pPr algn="ctr">
+              <a:buNone/>
+            </a:pPr>
+            <a:r>
+              <a:rPr lang="zh-TW" altLang="en-US" sz="6400" b="1" dirty="0">
+                <a:solidFill>
+                  <a:srgbClr val="660033"/>
+                </a:solidFill>
+                <a:latin typeface="微軟正黑體" pitchFamily="34" charset="-120"/>
+                <a:ea typeface="微軟正黑體" pitchFamily="34" charset="-120"/>
+              </a:rPr>
+              <a:t>為救世恩情  為創世大能</a:t>
+            </a:r>
+            <a:endParaRPr lang="en-US" altLang="zh-TW" sz="6400" b="1" dirty="0">
+              <a:solidFill>
+                <a:srgbClr val="660033"/>
+              </a:solidFill>
+              <a:latin typeface="微軟正黑體" pitchFamily="34" charset="-120"/>
+              <a:ea typeface="微軟正黑體" pitchFamily="34" charset="-120"/>
+            </a:endParaRPr>
+          </a:p>
+          <a:p>
+            <a:pPr algn="ctr">
+              <a:buNone/>
+            </a:pPr>
+            <a:r>
+              <a:rPr lang="zh-TW" altLang="en-US" sz="6400" b="1" dirty="0">
+                <a:solidFill>
+                  <a:srgbClr val="660033"/>
+                </a:solidFill>
+                <a:latin typeface="微軟正黑體" pitchFamily="34" charset="-120"/>
+                <a:ea typeface="微軟正黑體" pitchFamily="34" charset="-120"/>
+              </a:rPr>
+              <a:t>為賜我歡欣  我心頌讚</a:t>
+            </a:r>
+            <a:endParaRPr lang="en-US" altLang="zh-TW" sz="6400" b="1" dirty="0">
+              <a:solidFill>
+                <a:srgbClr val="660033"/>
+              </a:solidFill>
+              <a:latin typeface="微軟正黑體" pitchFamily="34" charset="-120"/>
+              <a:ea typeface="微軟正黑體" pitchFamily="34" charset="-120"/>
+            </a:endParaRPr>
+          </a:p>
+        </p:txBody>
+      </p:sp>
+      <p:sp>
+        <p:nvSpPr>
+          <p:cNvPr id="3" name="TextBox 2"/>
+          <p:cNvSpPr txBox="1"/>
+          <p:nvPr/>
+        </p:nvSpPr>
+        <p:spPr>
+          <a:xfrm>
+            <a:off x="0" y="5157192"/>
+            <a:ext cx="12192000" cy="748988"/>
+          </a:xfrm>
+          <a:prstGeom prst="rect">
+            <a:avLst/>
+          </a:prstGeom>
+          <a:noFill/>
+        </p:spPr>
+        <p:txBody>
+          <a:bodyPr wrap="square" rtlCol="0">
+            <a:spAutoFit/>
+          </a:bodyPr>
+          <a:lstStyle/>
+          <a:p>
+            <a:pPr algn="ctr"/>
+            <a:r>
+              <a:rPr lang="en-US" sz="4267" b="1" dirty="0">
+                <a:solidFill>
+                  <a:srgbClr val="660033"/>
+                </a:solidFill>
+                <a:latin typeface="Microsoft JhengHei" panose="020B0604030504040204" pitchFamily="34" charset="-120"/>
+                <a:ea typeface="Microsoft JhengHei" panose="020B0604030504040204" pitchFamily="34" charset="-120"/>
+              </a:rPr>
+              <a:t>( </a:t>
+            </a:r>
+            <a:r>
+              <a:rPr lang="zh-CN" altLang="en-US" sz="4267" b="1" dirty="0">
+                <a:solidFill>
+                  <a:srgbClr val="660033"/>
+                </a:solidFill>
+                <a:latin typeface="Microsoft JhengHei" panose="020B0604030504040204" pitchFamily="34" charset="-120"/>
+                <a:ea typeface="Microsoft JhengHei" panose="020B0604030504040204" pitchFamily="34" charset="-120"/>
+              </a:rPr>
+              <a:t>正</a:t>
+            </a:r>
+            <a:r>
+              <a:rPr lang="en-US" altLang="zh-CN" sz="4267" b="1" dirty="0">
+                <a:solidFill>
+                  <a:srgbClr val="660033"/>
+                </a:solidFill>
+                <a:latin typeface="Microsoft JhengHei" panose="020B0604030504040204" pitchFamily="34" charset="-120"/>
+                <a:ea typeface="Microsoft JhengHei" panose="020B0604030504040204" pitchFamily="34" charset="-120"/>
+              </a:rPr>
+              <a:t> 2</a:t>
+            </a:r>
+            <a:r>
+              <a:rPr lang="en-US" sz="4267" b="1" dirty="0">
+                <a:solidFill>
+                  <a:srgbClr val="660033"/>
+                </a:solidFill>
+                <a:latin typeface="Microsoft JhengHei" panose="020B0604030504040204" pitchFamily="34" charset="-120"/>
+                <a:ea typeface="Microsoft JhengHei" panose="020B0604030504040204" pitchFamily="34" charset="-120"/>
+              </a:rPr>
+              <a:t> )</a:t>
+            </a:r>
+            <a:endParaRPr lang="vi-VN" sz="4267" b="1" dirty="0">
+              <a:solidFill>
+                <a:srgbClr val="660033"/>
+              </a:solidFill>
+              <a:ea typeface="Microsoft JhengHei" panose="020B0604030504040204" pitchFamily="34" charset="-120"/>
+            </a:endParaRPr>
+          </a:p>
+        </p:txBody>
+      </p:sp>
+    </p:spTree>
+    <p:extLst>
+      <p:ext uri="{BB962C8B-B14F-4D97-AF65-F5344CB8AC3E}">
+        <p14:creationId xmlns:p14="http://schemas.microsoft.com/office/powerpoint/2010/main" val="2559268643"/>
+      </p:ext>
+    </p:extLst>
+  </p:cSld>
+  <p:clrMapOvr>
+    <a:masterClrMapping/>
+  </p:clrMapOvr>
+</p:sld>
+</file>
+
+<file path=ppt/slides/slide6.xml><?xml version="1.0" encoding="utf-8"?>
+<p:sld xmlns:a="http://schemas.openxmlformats.org/drawingml/2006/main" xmlns:r="http://schemas.openxmlformats.org/officeDocument/2006/relationships" xmlns:p="http://schemas.openxmlformats.org/presentationml/2006/main">
+  <p:cSld>
+    <p:spTree>
+      <p:nvGrpSpPr>
+        <p:cNvPr id="1" name=""/>
+        <p:cNvGrpSpPr/>
+        <p:nvPr/>
+      </p:nvGrpSpPr>
+      <p:grpSpPr>
+        <a:xfrm>
+          <a:off x="0" y="0"/>
+          <a:ext cx="0" cy="0"/>
+          <a:chOff x="0" y="0"/>
+          <a:chExt cx="0" cy="0"/>
+        </a:xfrm>
+      </p:grpSpPr>
+      <p:sp>
+        <p:nvSpPr>
+          <p:cNvPr id="5" name="內容版面配置區 4"/>
+          <p:cNvSpPr>
+            <a:spLocks noGrp="1"/>
+          </p:cNvSpPr>
+          <p:nvPr>
+            <p:ph idx="1"/>
+          </p:nvPr>
+        </p:nvSpPr>
+        <p:spPr>
+          <a:xfrm>
+            <a:off x="0" y="2084851"/>
+            <a:ext cx="12192000" cy="2404863"/>
+          </a:xfrm>
+        </p:spPr>
+        <p:txBody>
+          <a:bodyPr anchor="ctr">
+            <a:normAutofit/>
+          </a:bodyPr>
+          <a:lstStyle/>
+          <a:p>
+            <a:pPr algn="ctr">
+              <a:buNone/>
+            </a:pPr>
+            <a:r>
+              <a:rPr lang="zh-TW" altLang="en-US" sz="6400" b="1" dirty="0">
+                <a:solidFill>
+                  <a:srgbClr val="660033"/>
+                </a:solidFill>
+                <a:latin typeface="微軟正黑體" pitchFamily="34" charset="-120"/>
+                <a:ea typeface="微軟正黑體" pitchFamily="34" charset="-120"/>
+              </a:rPr>
+              <a:t>為每串哀愁  為每次憂傷</a:t>
+            </a:r>
+            <a:endParaRPr lang="en-US" altLang="zh-TW" sz="6400" b="1" dirty="0">
+              <a:solidFill>
+                <a:srgbClr val="660033"/>
+              </a:solidFill>
+              <a:latin typeface="微軟正黑體" pitchFamily="34" charset="-120"/>
+              <a:ea typeface="微軟正黑體" pitchFamily="34" charset="-120"/>
+            </a:endParaRPr>
+          </a:p>
+          <a:p>
+            <a:pPr algn="ctr">
+              <a:buNone/>
+            </a:pPr>
+            <a:r>
+              <a:rPr lang="zh-TW" altLang="en-US" sz="6400" b="1" dirty="0">
+                <a:solidFill>
+                  <a:srgbClr val="660033"/>
+                </a:solidFill>
+                <a:latin typeface="微軟正黑體" pitchFamily="34" charset="-120"/>
+                <a:ea typeface="微軟正黑體" pitchFamily="34" charset="-120"/>
+              </a:rPr>
+              <a:t>為困惱艱苦  我頌唱</a:t>
+            </a:r>
+          </a:p>
+        </p:txBody>
+      </p:sp>
+      <p:sp>
+        <p:nvSpPr>
+          <p:cNvPr id="3" name="TextBox 2"/>
+          <p:cNvSpPr txBox="1"/>
+          <p:nvPr/>
+        </p:nvSpPr>
+        <p:spPr>
+          <a:xfrm>
+            <a:off x="0" y="5157192"/>
+            <a:ext cx="12192000" cy="748988"/>
+          </a:xfrm>
+          <a:prstGeom prst="rect">
+            <a:avLst/>
+          </a:prstGeom>
+          <a:noFill/>
+        </p:spPr>
+        <p:txBody>
+          <a:bodyPr wrap="square" rtlCol="0">
+            <a:spAutoFit/>
+          </a:bodyPr>
+          <a:lstStyle/>
+          <a:p>
+            <a:pPr algn="ctr"/>
+            <a:r>
+              <a:rPr lang="en-US" sz="4267" b="1" dirty="0">
+                <a:solidFill>
+                  <a:srgbClr val="660033"/>
+                </a:solidFill>
+                <a:latin typeface="Microsoft JhengHei" panose="020B0604030504040204" pitchFamily="34" charset="-120"/>
+                <a:ea typeface="Microsoft JhengHei" panose="020B0604030504040204" pitchFamily="34" charset="-120"/>
+              </a:rPr>
+              <a:t>( </a:t>
+            </a:r>
+            <a:r>
+              <a:rPr lang="zh-CN" altLang="en-US" sz="4267" b="1" dirty="0">
+                <a:solidFill>
+                  <a:srgbClr val="660033"/>
+                </a:solidFill>
+                <a:latin typeface="Microsoft JhengHei" panose="020B0604030504040204" pitchFamily="34" charset="-120"/>
+                <a:ea typeface="Microsoft JhengHei" panose="020B0604030504040204" pitchFamily="34" charset="-120"/>
+              </a:rPr>
+              <a:t>正</a:t>
+            </a:r>
+            <a:r>
+              <a:rPr lang="en-US" altLang="zh-CN" sz="4267" b="1" dirty="0">
+                <a:solidFill>
+                  <a:srgbClr val="660033"/>
+                </a:solidFill>
+                <a:latin typeface="Microsoft JhengHei" panose="020B0604030504040204" pitchFamily="34" charset="-120"/>
+                <a:ea typeface="Microsoft JhengHei" panose="020B0604030504040204" pitchFamily="34" charset="-120"/>
+              </a:rPr>
+              <a:t> 2</a:t>
+            </a:r>
+            <a:r>
+              <a:rPr lang="en-US" sz="4267" b="1" dirty="0">
+                <a:solidFill>
+                  <a:srgbClr val="660033"/>
+                </a:solidFill>
+                <a:latin typeface="Microsoft JhengHei" panose="020B0604030504040204" pitchFamily="34" charset="-120"/>
+                <a:ea typeface="Microsoft JhengHei" panose="020B0604030504040204" pitchFamily="34" charset="-120"/>
+              </a:rPr>
+              <a:t> )</a:t>
+            </a:r>
+            <a:endParaRPr lang="vi-VN" sz="4267" b="1" dirty="0">
+              <a:solidFill>
+                <a:srgbClr val="660033"/>
+              </a:solidFill>
+              <a:ea typeface="Microsoft JhengHei" panose="020B0604030504040204" pitchFamily="34" charset="-120"/>
+            </a:endParaRPr>
+          </a:p>
+        </p:txBody>
+      </p:sp>
+    </p:spTree>
+    <p:extLst>
+      <p:ext uri="{BB962C8B-B14F-4D97-AF65-F5344CB8AC3E}">
+        <p14:creationId xmlns:p14="http://schemas.microsoft.com/office/powerpoint/2010/main" val="129419465"/>
+      </p:ext>
+    </p:extLst>
+  </p:cSld>
+  <p:clrMapOvr>
+    <a:masterClrMapping/>
+  </p:clrMapOvr>
+</p:sld>
+</file>
+
+<file path=ppt/slides/slide7.xml><?xml version="1.0" encoding="utf-8"?>
+<p:sld xmlns:a="http://schemas.openxmlformats.org/drawingml/2006/main" xmlns:r="http://schemas.openxmlformats.org/officeDocument/2006/relationships" xmlns:p="http://schemas.openxmlformats.org/presentationml/2006/main">
+  <p:cSld>
+    <p:spTree>
+      <p:nvGrpSpPr>
+        <p:cNvPr id="1" name=""/>
+        <p:cNvGrpSpPr/>
+        <p:nvPr/>
+      </p:nvGrpSpPr>
+      <p:grpSpPr>
+        <a:xfrm>
+          <a:off x="0" y="0"/>
+          <a:ext cx="0" cy="0"/>
+          <a:chOff x="0" y="0"/>
+          <a:chExt cx="0" cy="0"/>
+        </a:xfrm>
+      </p:grpSpPr>
+      <p:sp>
+        <p:nvSpPr>
+          <p:cNvPr id="5" name="內容版面配置區 4"/>
+          <p:cNvSpPr>
+            <a:spLocks noGrp="1"/>
+          </p:cNvSpPr>
+          <p:nvPr>
+            <p:ph idx="1"/>
+          </p:nvPr>
+        </p:nvSpPr>
+        <p:spPr>
+          <a:xfrm>
+            <a:off x="0" y="2084851"/>
+            <a:ext cx="12192000" cy="2404863"/>
+          </a:xfrm>
+        </p:spPr>
+        <p:txBody>
+          <a:bodyPr anchor="ctr">
+            <a:normAutofit/>
+          </a:bodyPr>
+          <a:lstStyle/>
+          <a:p>
+            <a:pPr algn="ctr">
+              <a:buNone/>
+            </a:pPr>
+            <a:r>
+              <a:rPr lang="zh-TW" altLang="en-US" sz="6400" b="1" dirty="0">
+                <a:solidFill>
+                  <a:srgbClr val="660033"/>
+                </a:solidFill>
+                <a:latin typeface="微軟正黑體" pitchFamily="34" charset="-120"/>
+                <a:ea typeface="微軟正黑體" pitchFamily="34" charset="-120"/>
+              </a:rPr>
+              <a:t>頌讚歸於聖父  萬世千載唱和</a:t>
+            </a:r>
+            <a:endParaRPr lang="en-US" altLang="zh-TW" sz="6400" b="1" dirty="0">
+              <a:solidFill>
+                <a:srgbClr val="660033"/>
+              </a:solidFill>
+              <a:latin typeface="微軟正黑體" pitchFamily="34" charset="-120"/>
+              <a:ea typeface="微軟正黑體" pitchFamily="34" charset="-120"/>
+            </a:endParaRPr>
+          </a:p>
+          <a:p>
+            <a:pPr algn="ctr">
+              <a:buNone/>
+            </a:pPr>
+            <a:r>
+              <a:rPr lang="zh-TW" altLang="en-US" sz="6400" b="1" dirty="0">
+                <a:solidFill>
+                  <a:srgbClr val="660033"/>
+                </a:solidFill>
+                <a:latin typeface="微軟正黑體" pitchFamily="34" charset="-120"/>
+                <a:ea typeface="微軟正黑體" pitchFamily="34" charset="-120"/>
+              </a:rPr>
+              <a:t>頌讚無限美</a:t>
+            </a:r>
+            <a:r>
+              <a:rPr lang="en-US" altLang="zh-TW" sz="6400" b="1" dirty="0">
+                <a:solidFill>
+                  <a:srgbClr val="660033"/>
+                </a:solidFill>
+                <a:latin typeface="微軟正黑體" pitchFamily="34" charset="-120"/>
+                <a:ea typeface="微軟正黑體" pitchFamily="34" charset="-120"/>
+              </a:rPr>
+              <a:t>  </a:t>
+            </a:r>
+            <a:r>
+              <a:rPr lang="zh-TW" altLang="en-US" sz="6400" b="1" dirty="0">
+                <a:solidFill>
+                  <a:srgbClr val="660033"/>
+                </a:solidFill>
+                <a:latin typeface="微軟正黑體" pitchFamily="34" charset="-120"/>
+                <a:ea typeface="微軟正黑體" pitchFamily="34" charset="-120"/>
+              </a:rPr>
+              <a:t>高唱祂的愛</a:t>
+            </a:r>
+          </a:p>
+        </p:txBody>
+      </p:sp>
+      <p:sp>
+        <p:nvSpPr>
+          <p:cNvPr id="3" name="TextBox 2"/>
+          <p:cNvSpPr txBox="1"/>
+          <p:nvPr/>
+        </p:nvSpPr>
+        <p:spPr>
+          <a:xfrm>
+            <a:off x="0" y="5157192"/>
+            <a:ext cx="12192000" cy="748988"/>
+          </a:xfrm>
+          <a:prstGeom prst="rect">
+            <a:avLst/>
+          </a:prstGeom>
+          <a:noFill/>
+        </p:spPr>
+        <p:txBody>
+          <a:bodyPr wrap="square" rtlCol="0">
+            <a:spAutoFit/>
+          </a:bodyPr>
+          <a:lstStyle/>
+          <a:p>
+            <a:pPr algn="ctr"/>
+            <a:r>
+              <a:rPr lang="en-US" sz="4267" b="1" dirty="0">
+                <a:solidFill>
+                  <a:srgbClr val="660033"/>
+                </a:solidFill>
+                <a:latin typeface="Microsoft JhengHei" panose="020B0604030504040204" pitchFamily="34" charset="-120"/>
+                <a:ea typeface="Microsoft JhengHei" panose="020B0604030504040204" pitchFamily="34" charset="-120"/>
+              </a:rPr>
+              <a:t>( </a:t>
+            </a:r>
+            <a:r>
+              <a:rPr lang="zh-CN" altLang="en-US" sz="4267" b="1" dirty="0">
+                <a:solidFill>
+                  <a:srgbClr val="660033"/>
+                </a:solidFill>
+                <a:latin typeface="Microsoft JhengHei" panose="020B0604030504040204" pitchFamily="34" charset="-120"/>
+                <a:ea typeface="Microsoft JhengHei" panose="020B0604030504040204" pitchFamily="34" charset="-120"/>
+              </a:rPr>
+              <a:t>副</a:t>
+            </a:r>
+            <a:r>
+              <a:rPr lang="en-US" sz="4267" b="1" dirty="0">
+                <a:solidFill>
+                  <a:srgbClr val="660033"/>
+                </a:solidFill>
+                <a:latin typeface="Microsoft JhengHei" panose="020B0604030504040204" pitchFamily="34" charset="-120"/>
+                <a:ea typeface="Microsoft JhengHei" panose="020B0604030504040204" pitchFamily="34" charset="-120"/>
+              </a:rPr>
+              <a:t> )</a:t>
+            </a:r>
+            <a:endParaRPr lang="vi-VN" sz="4267" b="1" dirty="0">
+              <a:solidFill>
+                <a:srgbClr val="660033"/>
+              </a:solidFill>
+              <a:ea typeface="Microsoft JhengHei" panose="020B0604030504040204" pitchFamily="34" charset="-120"/>
+            </a:endParaRPr>
+          </a:p>
+        </p:txBody>
+      </p:sp>
+    </p:spTree>
+    <p:extLst>
+      <p:ext uri="{BB962C8B-B14F-4D97-AF65-F5344CB8AC3E}">
+        <p14:creationId xmlns:p14="http://schemas.microsoft.com/office/powerpoint/2010/main" val="3817963508"/>
+      </p:ext>
+    </p:extLst>
   </p:cSld>
   <p:clrMapOvr>
     <a:masterClrMapping/>
@@ -3749,9 +4215,9 @@
 </file>
 
 <file path=ppt/theme/theme1.xml><?xml version="1.0" encoding="utf-8"?>
-<a:theme xmlns:a="http://schemas.openxmlformats.org/drawingml/2006/main" name="佈景主題4">
+<a:theme xmlns:a="http://schemas.openxmlformats.org/drawingml/2006/main" name="Theme1">
   <a:themeElements>
-    <a:clrScheme name="Yamato Painting">
+    <a:clrScheme name="Office">
       <a:dk1>
         <a:sysClr val="windowText" lastClr="000000"/>
       </a:dk1>
@@ -3759,28 +4225,28 @@
         <a:sysClr val="window" lastClr="FFFFFF"/>
       </a:lt1>
       <a:dk2>
-        <a:srgbClr val="3F2D32"/>
+        <a:srgbClr val="1F497D"/>
       </a:dk2>
       <a:lt2>
-        <a:srgbClr val="FEDD00"/>
+        <a:srgbClr val="EEECE1"/>
       </a:lt2>
       <a:accent1>
-        <a:srgbClr val="C24400"/>
+        <a:srgbClr val="4F81BD"/>
       </a:accent1>
       <a:accent2>
-        <a:srgbClr val="3F7228"/>
+        <a:srgbClr val="C0504D"/>
       </a:accent2>
       <a:accent3>
-        <a:srgbClr val="516086"/>
+        <a:srgbClr val="9BBB59"/>
       </a:accent3>
       <a:accent4>
-        <a:srgbClr val="956A86"/>
+        <a:srgbClr val="8064A2"/>
       </a:accent4>
       <a:accent5>
-        <a:srgbClr val="E87981"/>
+        <a:srgbClr val="4BACC6"/>
       </a:accent5>
       <a:accent6>
-        <a:srgbClr val="8D8628"/>
+        <a:srgbClr val="F79646"/>
       </a:accent6>
       <a:hlink>
         <a:srgbClr val="0000FF"/>
@@ -3789,18 +4255,52 @@
         <a:srgbClr val="800080"/>
       </a:folHlink>
     </a:clrScheme>
-    <a:fontScheme name="Yamato Painting">
+    <a:fontScheme name="Office">
       <a:majorFont>
         <a:latin typeface="Calibri"/>
         <a:ea typeface=""/>
         <a:cs typeface=""/>
         <a:font script="Jpan" typeface="ＭＳ Ｐゴシック"/>
         <a:font script="Hang" typeface="맑은 고딕"/>
-        <a:font script="Hans" typeface="黑体"/>
-        <a:font script="Hant" typeface="微軟正黑體"/>
-        <a:font script="Arab" typeface="Tahoma"/>
-        <a:font script="Hebr" typeface="Tahoma"/>
-        <a:font script="Thai" typeface="Tahoma"/>
+        <a:font script="Hans" typeface="宋体"/>
+        <a:font script="Hant" typeface="新細明體"/>
+        <a:font script="Arab" typeface="Times New Roman"/>
+        <a:font script="Hebr" typeface="Times New Roman"/>
+        <a:font script="Thai" typeface="Angsana New"/>
+        <a:font script="Ethi" typeface="Nyala"/>
+        <a:font script="Beng" typeface="Vrinda"/>
+        <a:font script="Gujr" typeface="Shruti"/>
+        <a:font script="Khmr" typeface="MoolBoran"/>
+        <a:font script="Knda" typeface="Tunga"/>
+        <a:font script="Guru" typeface="Raavi"/>
+        <a:font script="Cans" typeface="Euphemia"/>
+        <a:font script="Cher" typeface="Plantagenet Cherokee"/>
+        <a:font script="Yiii" typeface="Microsoft Yi Baiti"/>
+        <a:font script="Tibt" typeface="Microsoft Himalaya"/>
+        <a:font script="Thaa" typeface="MV Boli"/>
+        <a:font script="Deva" typeface="Mangal"/>
+        <a:font script="Telu" typeface="Gautami"/>
+        <a:font script="Taml" typeface="Latha"/>
+        <a:font script="Syrc" typeface="Estrangelo Edessa"/>
+        <a:font script="Orya" typeface="Kalinga"/>
+        <a:font script="Mlym" typeface="Kartika"/>
+        <a:font script="Laoo" typeface="DokChampa"/>
+        <a:font script="Sinh" typeface="Iskoola Pota"/>
+        <a:font script="Mong" typeface="Mongolian Baiti"/>
+        <a:font script="Viet" typeface="Times New Roman"/>
+        <a:font script="Uigh" typeface="Microsoft Uighur"/>
+      </a:majorFont>
+      <a:minorFont>
+        <a:latin typeface="Calibri"/>
+        <a:ea typeface=""/>
+        <a:cs typeface=""/>
+        <a:font script="Jpan" typeface="ＭＳ Ｐゴシック"/>
+        <a:font script="Hang" typeface="맑은 고딕"/>
+        <a:font script="Hans" typeface="宋体"/>
+        <a:font script="Hant" typeface="新細明體"/>
+        <a:font script="Arab" typeface="Arial"/>
+        <a:font script="Hebr" typeface="Arial"/>
+        <a:font script="Thai" typeface="Cordia New"/>
         <a:font script="Ethi" typeface="Nyala"/>
         <a:font script="Beng" typeface="Vrinda"/>
         <a:font script="Gujr" typeface="Shruti"/>
@@ -3821,101 +4321,81 @@
         <a:font script="Laoo" typeface="DokChampa"/>
         <a:font script="Sinh" typeface="Iskoola Pota"/>
         <a:font script="Mong" typeface="Mongolian Baiti"/>
-        <a:font script="Viet" typeface="Tahoma"/>
-        <a:font script="Uigh" typeface="Microsoft Uighur"/>
-      </a:majorFont>
-      <a:minorFont>
-        <a:latin typeface="Calibri"/>
-        <a:ea typeface=""/>
-        <a:cs typeface=""/>
-        <a:font script="Jpan" typeface="ＭＳ Ｐゴシック"/>
-        <a:font script="Hang" typeface="맑은 고딕"/>
-        <a:font script="Hans" typeface="宋体"/>
-        <a:font script="Hant" typeface="微軟正黑體"/>
-        <a:font script="Arab" typeface="Tahoma"/>
-        <a:font script="Hebr" typeface="Tahoma"/>
-        <a:font script="Thai" typeface="Tahoma"/>
-        <a:font script="Ethi" typeface="Nyala"/>
-        <a:font script="Beng" typeface="Vrinda"/>
-        <a:font script="Gujr" typeface="Shruti"/>
-        <a:font script="Khmr" typeface="DaunPenh"/>
-        <a:font script="Knda" typeface="Tunga"/>
-        <a:font script="Guru" typeface="Raavi"/>
-        <a:font script="Cans" typeface="Euphemia"/>
-        <a:font script="Cher" typeface="Plantagenet Cherokee"/>
-        <a:font script="Yiii" typeface="Microsoft Yi Baiti"/>
-        <a:font script="Tibt" typeface="Microsoft Himalaya"/>
-        <a:font script="Thaa" typeface="MV Boli"/>
-        <a:font script="Deva" typeface="Mangal"/>
-        <a:font script="Telu" typeface="Gautami"/>
-        <a:font script="Taml" typeface="Latha"/>
-        <a:font script="Syrc" typeface="Estrangelo Edessa"/>
-        <a:font script="Orya" typeface="Kalinga"/>
-        <a:font script="Mlym" typeface="Kartika"/>
-        <a:font script="Laoo" typeface="DokChampa"/>
-        <a:font script="Sinh" typeface="Iskoola Pota"/>
-        <a:font script="Mong" typeface="Mongolian Baiti"/>
-        <a:font script="Viet" typeface="Tahoma"/>
+        <a:font script="Viet" typeface="Arial"/>
         <a:font script="Uigh" typeface="Microsoft Uighur"/>
       </a:minorFont>
     </a:fontScheme>
-    <a:fmtScheme name="Yamato Painting">
+    <a:fmtScheme name="Office">
       <a:fillStyleLst>
         <a:solidFill>
-          <a:schemeClr val="phClr">
-            <a:tint val="100000"/>
-          </a:schemeClr>
+          <a:schemeClr val="phClr"/>
         </a:solidFill>
-        <a:gradFill>
+        <a:gradFill rotWithShape="1">
           <a:gsLst>
             <a:gs pos="0">
               <a:schemeClr val="phClr">
-                <a:tint val="100000"/>
+                <a:tint val="50000"/>
+                <a:satMod val="300000"/>
+              </a:schemeClr>
+            </a:gs>
+            <a:gs pos="35000">
+              <a:schemeClr val="phClr">
+                <a:tint val="37000"/>
+                <a:satMod val="300000"/>
               </a:schemeClr>
             </a:gs>
             <a:gs pos="100000">
               <a:schemeClr val="phClr">
-                <a:tint val="100000"/>
-                <a:shade val="20000"/>
+                <a:tint val="15000"/>
+                <a:satMod val="350000"/>
               </a:schemeClr>
             </a:gs>
           </a:gsLst>
-          <a:lin ang="5400000" scaled="1"/>
+          <a:lin ang="16200000" scaled="1"/>
         </a:gradFill>
-        <a:blipFill>
-          <a:blip xmlns:r="http://schemas.openxmlformats.org/officeDocument/2006/relationships" r:embed="rId1">
-            <a:duotone>
-              <a:srgbClr val="000000"/>
+        <a:gradFill rotWithShape="1">
+          <a:gsLst>
+            <a:gs pos="0">
               <a:schemeClr val="phClr">
-                <a:tint val="100000"/>
+                <a:shade val="51000"/>
+                <a:satMod val="130000"/>
               </a:schemeClr>
-            </a:duotone>
-          </a:blip>
-          <a:tile tx="0" ty="0" sx="35000" sy="35000" flip="none" algn="tl"/>
-        </a:blipFill>
+            </a:gs>
+            <a:gs pos="80000">
+              <a:schemeClr val="phClr">
+                <a:shade val="93000"/>
+                <a:satMod val="130000"/>
+              </a:schemeClr>
+            </a:gs>
+            <a:gs pos="100000">
+              <a:schemeClr val="phClr">
+                <a:shade val="94000"/>
+                <a:satMod val="135000"/>
+              </a:schemeClr>
+            </a:gs>
+          </a:gsLst>
+          <a:lin ang="16200000" scaled="0"/>
+        </a:gradFill>
       </a:fillStyleLst>
       <a:lnStyleLst>
         <a:ln w="9525" cap="flat" cmpd="sng" algn="ctr">
           <a:solidFill>
             <a:schemeClr val="phClr">
-              <a:alpha val="60000"/>
+              <a:shade val="95000"/>
+              <a:satMod val="105000"/>
             </a:schemeClr>
           </a:solidFill>
           <a:prstDash val="solid"/>
         </a:ln>
-        <a:ln w="19525" cap="flat" cmpd="sng" algn="ctr">
+        <a:ln w="25400" cap="flat" cmpd="sng" algn="ctr">
           <a:solidFill>
-            <a:schemeClr val="phClr">
-              <a:alpha val="90000"/>
-            </a:schemeClr>
+            <a:schemeClr val="phClr"/>
           </a:solidFill>
           <a:prstDash val="solid"/>
         </a:ln>
         <a:ln w="38100" cap="flat" cmpd="sng" algn="ctr">
           <a:solidFill>
-            <a:schemeClr val="phClr">
-              <a:alpha val="100000"/>
-            </a:schemeClr>
+            <a:schemeClr val="phClr"/>
           </a:solidFill>
           <a:prstDash val="solid"/>
         </a:ln>
@@ -3923,102 +4403,101 @@
       <a:effectStyleLst>
         <a:effectStyle>
           <a:effectLst>
-            <a:outerShdw blurRad="50800" algn="tl" rotWithShape="0">
+            <a:outerShdw blurRad="40000" dist="20000" dir="5400000" rotWithShape="0">
               <a:srgbClr val="000000">
-                <a:alpha val="64000"/>
+                <a:alpha val="38000"/>
               </a:srgbClr>
             </a:outerShdw>
           </a:effectLst>
         </a:effectStyle>
         <a:effectStyle>
           <a:effectLst>
-            <a:outerShdw blurRad="50800" algn="tl" rotWithShape="0">
+            <a:outerShdw blurRad="40000" dist="23000" dir="5400000" rotWithShape="0">
               <a:srgbClr val="000000">
-                <a:alpha val="64000"/>
+                <a:alpha val="35000"/>
+              </a:srgbClr>
+            </a:outerShdw>
+          </a:effectLst>
+        </a:effectStyle>
+        <a:effectStyle>
+          <a:effectLst>
+            <a:outerShdw blurRad="40000" dist="23000" dir="5400000" rotWithShape="0">
+              <a:srgbClr val="000000">
+                <a:alpha val="35000"/>
               </a:srgbClr>
             </a:outerShdw>
           </a:effectLst>
           <a:scene3d>
-            <a:camera prst="orthographicFront"/>
-            <a:lightRig rig="soft" dir="tl">
+            <a:camera prst="orthographicFront">
               <a:rot lat="0" lon="0" rev="0"/>
+            </a:camera>
+            <a:lightRig rig="threePt" dir="t">
+              <a:rot lat="0" lon="0" rev="1200000"/>
             </a:lightRig>
           </a:scene3d>
           <a:sp3d>
-            <a:bevelT prst="angle"/>
-            <a:bevelB w="304800" h="44450"/>
-            <a:contourClr>
-              <a:schemeClr val="phClr">
-                <a:shade val="60000"/>
-                <a:satMod val="110000"/>
-              </a:schemeClr>
-            </a:contourClr>
-          </a:sp3d>
-        </a:effectStyle>
-        <a:effectStyle>
-          <a:effectLst>
-            <a:glow rad="51600">
-              <a:schemeClr val="phClr">
-                <a:alpha val="60000"/>
-              </a:schemeClr>
-            </a:glow>
-          </a:effectLst>
-          <a:scene3d>
-            <a:camera prst="orthographicFront"/>
-            <a:lightRig rig="threePt" dir="t"/>
-          </a:scene3d>
-          <a:sp3d>
-            <a:bevelT w="165100" prst="coolSlant"/>
-            <a:contourClr>
-              <a:schemeClr val="phClr">
-                <a:shade val="60000"/>
-                <a:satMod val="110000"/>
-              </a:schemeClr>
-            </a:contourClr>
+            <a:bevelT w="63500" h="25400"/>
           </a:sp3d>
         </a:effectStyle>
       </a:effectStyleLst>
       <a:bgFillStyleLst>
         <a:solidFill>
-          <a:schemeClr val="phClr">
-            <a:shade val="90000"/>
-          </a:schemeClr>
+          <a:schemeClr val="phClr"/>
         </a:solidFill>
-        <a:blipFill>
-          <a:blip xmlns:r="http://schemas.openxmlformats.org/officeDocument/2006/relationships" r:embed="rId2">
-            <a:duotone>
+        <a:gradFill rotWithShape="1">
+          <a:gsLst>
+            <a:gs pos="0">
               <a:schemeClr val="phClr">
-                <a:tint val="100000"/>
-                <a:shade val="5000"/>
+                <a:tint val="40000"/>
+                <a:satMod val="350000"/>
               </a:schemeClr>
+            </a:gs>
+            <a:gs pos="40000">
               <a:schemeClr val="phClr">
-                <a:shade val="100000"/>
+                <a:tint val="45000"/>
+                <a:shade val="99000"/>
+                <a:satMod val="350000"/>
               </a:schemeClr>
-            </a:duotone>
-          </a:blip>
-          <a:tile tx="0" ty="0" sx="120000" sy="120000" flip="xy" algn="t"/>
-        </a:blipFill>
-        <a:blipFill rotWithShape="0">
-          <a:blip xmlns:r="http://schemas.openxmlformats.org/officeDocument/2006/relationships" r:embed="rId3">
-            <a:duotone>
+            </a:gs>
+            <a:gs pos="100000">
               <a:schemeClr val="phClr">
-                <a:tint val="100000"/>
-                <a:shade val="5000"/>
+                <a:shade val="20000"/>
+                <a:satMod val="255000"/>
               </a:schemeClr>
+            </a:gs>
+          </a:gsLst>
+          <a:path path="circle">
+            <a:fillToRect l="50000" t="-80000" r="50000" b="180000"/>
+          </a:path>
+        </a:gradFill>
+        <a:gradFill rotWithShape="1">
+          <a:gsLst>
+            <a:gs pos="0">
               <a:schemeClr val="phClr">
-                <a:shade val="100000"/>
+                <a:tint val="80000"/>
+                <a:satMod val="300000"/>
               </a:schemeClr>
-            </a:duotone>
-          </a:blip>
-          <a:srcRect/>
-          <a:stretch>
-            <a:fillRect/>
-          </a:stretch>
-        </a:blipFill>
+            </a:gs>
+            <a:gs pos="100000">
+              <a:schemeClr val="phClr">
+                <a:shade val="30000"/>
+                <a:satMod val="200000"/>
+              </a:schemeClr>
+            </a:gs>
+          </a:gsLst>
+          <a:path path="circle">
+            <a:fillToRect l="50000" t="50000" r="50000" b="50000"/>
+          </a:path>
+        </a:gradFill>
       </a:bgFillStyleLst>
     </a:fmtScheme>
   </a:themeElements>
   <a:objectDefaults/>
   <a:extraClrSchemeLst/>
+  <a:extLst>
+    <a:ext uri="{05A4C25C-085E-4340-85A3-A5531E510DB2}">
+      <thm15:themeFamily xmlns:thm15="http://schemas.microsoft.com/office/thememl/2012/main" name="Theme1" id="{A6908C52-260F-4FDD-A980-8B112851BF7C}" vid="{78246D61-936A-4A99-9F34-B301E70F022D}"/>
+    </a:ext>
+  </a:extLst>
 </a:theme>
 </file>